--- a/Project_Goal/DIRECT_Project_EASE_Tech_Review.pptx
+++ b/Project_Goal/DIRECT_Project_EASE_Tech_Review.pptx
@@ -5,17 +5,21 @@
     <p:sldMasterId id="2147483650" r:id="rId1"/>
     <p:sldMasterId id="2147483652" r:id="rId2"/>
   </p:sldMasterIdLst>
+  <p:notesMasterIdLst>
+    <p:notesMasterId r:id="rId14"/>
+  </p:notesMasterIdLst>
   <p:sldIdLst>
     <p:sldId id="259" r:id="rId3"/>
     <p:sldId id="270" r:id="rId4"/>
     <p:sldId id="268" r:id="rId5"/>
     <p:sldId id="271" r:id="rId6"/>
     <p:sldId id="263" r:id="rId7"/>
-    <p:sldId id="272" r:id="rId8"/>
-    <p:sldId id="273" r:id="rId9"/>
-    <p:sldId id="274" r:id="rId10"/>
-    <p:sldId id="267" r:id="rId11"/>
-    <p:sldId id="269" r:id="rId12"/>
+    <p:sldId id="275" r:id="rId8"/>
+    <p:sldId id="272" r:id="rId9"/>
+    <p:sldId id="273" r:id="rId10"/>
+    <p:sldId id="274" r:id="rId11"/>
+    <p:sldId id="267" r:id="rId12"/>
+    <p:sldId id="269" r:id="rId13"/>
   </p:sldIdLst>
   <p:sldSz cx="9144000" cy="6858000" type="screen4x3"/>
   <p:notesSz cx="6858000" cy="9144000"/>
@@ -3188,21 +3192,21 @@
     </dgm:pt>
   </dgm:ptLst>
   <dgm:cxnLst>
+    <dgm:cxn modelId="{3B16C860-E5D3-7A40-AC35-CA5D9FB5DD6C}" type="presOf" srcId="{34750AEB-1DC9-8A4C-841B-AC1C77BD9B2B}" destId="{76018291-0DB4-F94F-9811-398ECCC7EEDA}" srcOrd="0" destOrd="0" presId="urn:microsoft.com/office/officeart/2005/8/layout/radial6"/>
+    <dgm:cxn modelId="{D521A5B7-54E6-144F-9A74-92FEB918EFF6}" srcId="{348EEE4D-FD12-3E49-AD42-E7FABC4954C4}" destId="{E61537A9-882E-3D48-953C-46D72665484E}" srcOrd="1" destOrd="0" parTransId="{7F56967F-E369-234A-BDE1-EFB081BDE972}" sibTransId="{CD6832D4-81E9-6049-AFCF-E23D65B2898D}"/>
+    <dgm:cxn modelId="{EDC0A967-FA2D-2A47-9964-2572DFB485B5}" srcId="{5D884CAD-E44F-1A4E-980A-C90C793B1CDA}" destId="{348EEE4D-FD12-3E49-AD42-E7FABC4954C4}" srcOrd="0" destOrd="0" parTransId="{DDED78CD-AD4E-824F-AB80-0ADA562F97CE}" sibTransId="{C2C56650-12E1-6D45-8340-C0DE1BAFA940}"/>
+    <dgm:cxn modelId="{67FF7432-0539-B540-A1DE-6E338B9F7109}" srcId="{348EEE4D-FD12-3E49-AD42-E7FABC4954C4}" destId="{04BC135A-30FE-EB42-991C-FAFD37800012}" srcOrd="0" destOrd="0" parTransId="{A5120792-5D91-DC44-BA2B-DB27F146B423}" sibTransId="{34750AEB-1DC9-8A4C-841B-AC1C77BD9B2B}"/>
+    <dgm:cxn modelId="{E20E3775-0106-3D42-8282-5F13B4734BE8}" type="presOf" srcId="{04BC135A-30FE-EB42-991C-FAFD37800012}" destId="{F85EB43D-32CD-1549-8DDE-568D4E6EEDBE}" srcOrd="0" destOrd="0" presId="urn:microsoft.com/office/officeart/2005/8/layout/radial6"/>
+    <dgm:cxn modelId="{A2E1A235-39C3-934A-999A-6E7555FC0363}" type="presOf" srcId="{348EEE4D-FD12-3E49-AD42-E7FABC4954C4}" destId="{03265C64-78E9-994B-91CB-FF96DC13CC36}" srcOrd="0" destOrd="0" presId="urn:microsoft.com/office/officeart/2005/8/layout/radial6"/>
+    <dgm:cxn modelId="{4D274D23-A4DC-E248-9AC1-2065F09E063B}" type="presOf" srcId="{A03C4009-389F-E44E-8D20-A3B47B2E31DF}" destId="{FCB049A6-E26F-1B4B-BFE7-5129FD193BF7}" srcOrd="0" destOrd="0" presId="urn:microsoft.com/office/officeart/2005/8/layout/radial6"/>
     <dgm:cxn modelId="{EB630F20-50F4-4D44-B461-242DE361B45B}" srcId="{348EEE4D-FD12-3E49-AD42-E7FABC4954C4}" destId="{C218C2C2-E29D-C84E-AA9C-725B4F937BA2}" srcOrd="3" destOrd="0" parTransId="{1EB03AFD-E3B7-3140-9B69-BD7F5DCE1E77}" sibTransId="{A03C4009-389F-E44E-8D20-A3B47B2E31DF}"/>
-    <dgm:cxn modelId="{4D274D23-A4DC-E248-9AC1-2065F09E063B}" type="presOf" srcId="{A03C4009-389F-E44E-8D20-A3B47B2E31DF}" destId="{FCB049A6-E26F-1B4B-BFE7-5129FD193BF7}" srcOrd="0" destOrd="0" presId="urn:microsoft.com/office/officeart/2005/8/layout/radial6"/>
-    <dgm:cxn modelId="{A2E1A235-39C3-934A-999A-6E7555FC0363}" type="presOf" srcId="{348EEE4D-FD12-3E49-AD42-E7FABC4954C4}" destId="{03265C64-78E9-994B-91CB-FF96DC13CC36}" srcOrd="0" destOrd="0" presId="urn:microsoft.com/office/officeart/2005/8/layout/radial6"/>
-    <dgm:cxn modelId="{D521A5B7-54E6-144F-9A74-92FEB918EFF6}" srcId="{348EEE4D-FD12-3E49-AD42-E7FABC4954C4}" destId="{E61537A9-882E-3D48-953C-46D72665484E}" srcOrd="1" destOrd="0" parTransId="{7F56967F-E369-234A-BDE1-EFB081BDE972}" sibTransId="{CD6832D4-81E9-6049-AFCF-E23D65B2898D}"/>
-    <dgm:cxn modelId="{67FF7432-0539-B540-A1DE-6E338B9F7109}" srcId="{348EEE4D-FD12-3E49-AD42-E7FABC4954C4}" destId="{04BC135A-30FE-EB42-991C-FAFD37800012}" srcOrd="0" destOrd="0" parTransId="{A5120792-5D91-DC44-BA2B-DB27F146B423}" sibTransId="{34750AEB-1DC9-8A4C-841B-AC1C77BD9B2B}"/>
-    <dgm:cxn modelId="{0AC65559-1991-D04B-AB0C-A6F857AC14FD}" type="presOf" srcId="{EA4294AE-B65D-BC4D-80C6-49FB9CC04F98}" destId="{370EBCD1-7178-E04B-A82D-67E8CDF3ECFF}" srcOrd="0" destOrd="0" presId="urn:microsoft.com/office/officeart/2005/8/layout/radial6"/>
-    <dgm:cxn modelId="{0EC61FF0-1BFE-EA49-8F88-AF2F1CE84157}" type="presOf" srcId="{16CD9836-A95E-E546-AB7C-8F6D87914707}" destId="{F41DAA0C-49A0-4A4F-925F-44567BD66B6E}" srcOrd="0" destOrd="0" presId="urn:microsoft.com/office/officeart/2005/8/layout/radial6"/>
     <dgm:cxn modelId="{BA678EB6-E42A-6642-82DE-4D176147E3FC}" srcId="{348EEE4D-FD12-3E49-AD42-E7FABC4954C4}" destId="{16CD9836-A95E-E546-AB7C-8F6D87914707}" srcOrd="2" destOrd="0" parTransId="{FCE99941-6B99-B645-974B-4F277E50DE0F}" sibTransId="{EA4294AE-B65D-BC4D-80C6-49FB9CC04F98}"/>
     <dgm:cxn modelId="{0E103912-A284-AA4D-89C8-42AB350DF978}" type="presOf" srcId="{5D884CAD-E44F-1A4E-980A-C90C793B1CDA}" destId="{4B46FA44-4895-FA4B-9F6D-709C6A225CE0}" srcOrd="0" destOrd="0" presId="urn:microsoft.com/office/officeart/2005/8/layout/radial6"/>
     <dgm:cxn modelId="{7422F845-E6A5-ED40-B3FD-66798BF5C275}" type="presOf" srcId="{E61537A9-882E-3D48-953C-46D72665484E}" destId="{F15649E9-AE5C-D246-A742-EF79845EE9F1}" srcOrd="0" destOrd="0" presId="urn:microsoft.com/office/officeart/2005/8/layout/radial6"/>
-    <dgm:cxn modelId="{E20E3775-0106-3D42-8282-5F13B4734BE8}" type="presOf" srcId="{04BC135A-30FE-EB42-991C-FAFD37800012}" destId="{F85EB43D-32CD-1549-8DDE-568D4E6EEDBE}" srcOrd="0" destOrd="0" presId="urn:microsoft.com/office/officeart/2005/8/layout/radial6"/>
+    <dgm:cxn modelId="{0AC65559-1991-D04B-AB0C-A6F857AC14FD}" type="presOf" srcId="{EA4294AE-B65D-BC4D-80C6-49FB9CC04F98}" destId="{370EBCD1-7178-E04B-A82D-67E8CDF3ECFF}" srcOrd="0" destOrd="0" presId="urn:microsoft.com/office/officeart/2005/8/layout/radial6"/>
     <dgm:cxn modelId="{49A3BDFF-29E5-1B42-8517-8E14D62B2064}" type="presOf" srcId="{CD6832D4-81E9-6049-AFCF-E23D65B2898D}" destId="{C8304662-9BEE-B847-A32F-3CE671738DD7}" srcOrd="0" destOrd="0" presId="urn:microsoft.com/office/officeart/2005/8/layout/radial6"/>
-    <dgm:cxn modelId="{EDC0A967-FA2D-2A47-9964-2572DFB485B5}" srcId="{5D884CAD-E44F-1A4E-980A-C90C793B1CDA}" destId="{348EEE4D-FD12-3E49-AD42-E7FABC4954C4}" srcOrd="0" destOrd="0" parTransId="{DDED78CD-AD4E-824F-AB80-0ADA562F97CE}" sibTransId="{C2C56650-12E1-6D45-8340-C0DE1BAFA940}"/>
+    <dgm:cxn modelId="{0EC61FF0-1BFE-EA49-8F88-AF2F1CE84157}" type="presOf" srcId="{16CD9836-A95E-E546-AB7C-8F6D87914707}" destId="{F41DAA0C-49A0-4A4F-925F-44567BD66B6E}" srcOrd="0" destOrd="0" presId="urn:microsoft.com/office/officeart/2005/8/layout/radial6"/>
     <dgm:cxn modelId="{B8317631-02B1-0C49-BEC9-58B05B33976E}" type="presOf" srcId="{C218C2C2-E29D-C84E-AA9C-725B4F937BA2}" destId="{4B3CCC32-050A-D64F-B0B0-95EED46384AE}" srcOrd="0" destOrd="0" presId="urn:microsoft.com/office/officeart/2005/8/layout/radial6"/>
-    <dgm:cxn modelId="{3B16C860-E5D3-7A40-AC35-CA5D9FB5DD6C}" type="presOf" srcId="{34750AEB-1DC9-8A4C-841B-AC1C77BD9B2B}" destId="{76018291-0DB4-F94F-9811-398ECCC7EEDA}" srcOrd="0" destOrd="0" presId="urn:microsoft.com/office/officeart/2005/8/layout/radial6"/>
     <dgm:cxn modelId="{4FD44CBC-83E3-7343-9C59-8A91644C39FB}" type="presParOf" srcId="{4B46FA44-4895-FA4B-9F6D-709C6A225CE0}" destId="{03265C64-78E9-994B-91CB-FF96DC13CC36}" srcOrd="0" destOrd="0" presId="urn:microsoft.com/office/officeart/2005/8/layout/radial6"/>
     <dgm:cxn modelId="{00998D02-4A3A-344A-AF35-28B45BE8404B}" type="presParOf" srcId="{4B46FA44-4895-FA4B-9F6D-709C6A225CE0}" destId="{F85EB43D-32CD-1549-8DDE-568D4E6EEDBE}" srcOrd="1" destOrd="0" presId="urn:microsoft.com/office/officeart/2005/8/layout/radial6"/>
     <dgm:cxn modelId="{72BF8E6C-28FD-DD41-8079-524603A48F34}" type="presParOf" srcId="{4B46FA44-4895-FA4B-9F6D-709C6A225CE0}" destId="{E7F4BBDA-F2CE-9441-BCF7-BBD3D7D2B207}" srcOrd="2" destOrd="0" presId="urn:microsoft.com/office/officeart/2005/8/layout/radial6"/>
@@ -8941,6 +8945,356 @@
     </dgm:style>
   </dgm:styleLbl>
 </dgm:styleDef>
+</file>
+
+<file path=ppt/notesMasters/notesMaster1.xml><?xml version="1.0" encoding="utf-8"?>
+<p:notesMaster xmlns:a="http://schemas.openxmlformats.org/drawingml/2006/main" xmlns:r="http://schemas.openxmlformats.org/officeDocument/2006/relationships" xmlns:p="http://schemas.openxmlformats.org/presentationml/2006/main">
+  <p:cSld>
+    <p:bg>
+      <p:bgRef idx="1001">
+        <a:schemeClr val="bg1"/>
+      </p:bgRef>
+    </p:bg>
+    <p:spTree>
+      <p:nvGrpSpPr>
+        <p:cNvPr id="1" name=""/>
+        <p:cNvGrpSpPr/>
+        <p:nvPr/>
+      </p:nvGrpSpPr>
+      <p:grpSpPr>
+        <a:xfrm>
+          <a:off x="0" y="0"/>
+          <a:ext cx="0" cy="0"/>
+          <a:chOff x="0" y="0"/>
+          <a:chExt cx="0" cy="0"/>
+        </a:xfrm>
+      </p:grpSpPr>
+      <p:sp>
+        <p:nvSpPr>
+          <p:cNvPr id="2" name="Header Placeholder 1"/>
+          <p:cNvSpPr>
+            <a:spLocks noGrp="1"/>
+          </p:cNvSpPr>
+          <p:nvPr>
+            <p:ph type="hdr" sz="quarter"/>
+          </p:nvPr>
+        </p:nvSpPr>
+        <p:spPr>
+          <a:xfrm>
+            <a:off x="0" y="0"/>
+            <a:ext cx="2971800" cy="458788"/>
+          </a:xfrm>
+          <a:prstGeom prst="rect">
+            <a:avLst/>
+          </a:prstGeom>
+        </p:spPr>
+        <p:txBody>
+          <a:bodyPr vert="horz" lIns="91440" tIns="45720" rIns="91440" bIns="45720" rtlCol="0"/>
+          <a:lstStyle>
+            <a:lvl1pPr algn="l">
+              <a:defRPr sz="1200"/>
+            </a:lvl1pPr>
+          </a:lstStyle>
+          <a:p>
+            <a:endParaRPr lang="en-US"/>
+          </a:p>
+        </p:txBody>
+      </p:sp>
+      <p:sp>
+        <p:nvSpPr>
+          <p:cNvPr id="3" name="Date Placeholder 2"/>
+          <p:cNvSpPr>
+            <a:spLocks noGrp="1"/>
+          </p:cNvSpPr>
+          <p:nvPr>
+            <p:ph type="dt" idx="1"/>
+          </p:nvPr>
+        </p:nvSpPr>
+        <p:spPr>
+          <a:xfrm>
+            <a:off x="3884613" y="0"/>
+            <a:ext cx="2971800" cy="458788"/>
+          </a:xfrm>
+          <a:prstGeom prst="rect">
+            <a:avLst/>
+          </a:prstGeom>
+        </p:spPr>
+        <p:txBody>
+          <a:bodyPr vert="horz" lIns="91440" tIns="45720" rIns="91440" bIns="45720" rtlCol="0"/>
+          <a:lstStyle>
+            <a:lvl1pPr algn="r">
+              <a:defRPr sz="1200"/>
+            </a:lvl1pPr>
+          </a:lstStyle>
+          <a:p>
+            <a:fld id="{0EDEF525-C2E0-544F-8137-D72D06682BB6}" type="datetimeFigureOut">
+              <a:rPr lang="en-US" smtClean="0"/>
+              <a:t>2/22/17</a:t>
+            </a:fld>
+            <a:endParaRPr lang="en-US"/>
+          </a:p>
+        </p:txBody>
+      </p:sp>
+      <p:sp>
+        <p:nvSpPr>
+          <p:cNvPr id="4" name="Slide Image Placeholder 3"/>
+          <p:cNvSpPr>
+            <a:spLocks noGrp="1" noRot="1" noChangeAspect="1"/>
+          </p:cNvSpPr>
+          <p:nvPr>
+            <p:ph type="sldImg" idx="2"/>
+          </p:nvPr>
+        </p:nvSpPr>
+        <p:spPr>
+          <a:xfrm>
+            <a:off x="1371600" y="1143000"/>
+            <a:ext cx="4114800" cy="3086100"/>
+          </a:xfrm>
+          <a:prstGeom prst="rect">
+            <a:avLst/>
+          </a:prstGeom>
+          <a:noFill/>
+          <a:ln w="12700">
+            <a:solidFill>
+              <a:prstClr val="black"/>
+            </a:solidFill>
+          </a:ln>
+        </p:spPr>
+        <p:txBody>
+          <a:bodyPr vert="horz" lIns="91440" tIns="45720" rIns="91440" bIns="45720" rtlCol="0" anchor="ctr"/>
+          <a:lstStyle/>
+          <a:p>
+            <a:endParaRPr lang="en-US"/>
+          </a:p>
+        </p:txBody>
+      </p:sp>
+      <p:sp>
+        <p:nvSpPr>
+          <p:cNvPr id="5" name="Notes Placeholder 4"/>
+          <p:cNvSpPr>
+            <a:spLocks noGrp="1"/>
+          </p:cNvSpPr>
+          <p:nvPr>
+            <p:ph type="body" sz="quarter" idx="3"/>
+          </p:nvPr>
+        </p:nvSpPr>
+        <p:spPr>
+          <a:xfrm>
+            <a:off x="685800" y="4400550"/>
+            <a:ext cx="5486400" cy="3600450"/>
+          </a:xfrm>
+          <a:prstGeom prst="rect">
+            <a:avLst/>
+          </a:prstGeom>
+        </p:spPr>
+        <p:txBody>
+          <a:bodyPr vert="horz" lIns="91440" tIns="45720" rIns="91440" bIns="45720" rtlCol="0"/>
+          <a:lstStyle/>
+          <a:p>
+            <a:pPr lvl="0"/>
+            <a:r>
+              <a:rPr lang="en-US" smtClean="0"/>
+              <a:t>Click to edit Master text styles</a:t>
+            </a:r>
+          </a:p>
+          <a:p>
+            <a:pPr lvl="1"/>
+            <a:r>
+              <a:rPr lang="en-US" smtClean="0"/>
+              <a:t>Second level</a:t>
+            </a:r>
+          </a:p>
+          <a:p>
+            <a:pPr lvl="2"/>
+            <a:r>
+              <a:rPr lang="en-US" smtClean="0"/>
+              <a:t>Third level</a:t>
+            </a:r>
+          </a:p>
+          <a:p>
+            <a:pPr lvl="3"/>
+            <a:r>
+              <a:rPr lang="en-US" smtClean="0"/>
+              <a:t>Fourth level</a:t>
+            </a:r>
+          </a:p>
+          <a:p>
+            <a:pPr lvl="4"/>
+            <a:r>
+              <a:rPr lang="en-US" smtClean="0"/>
+              <a:t>Fifth level</a:t>
+            </a:r>
+            <a:endParaRPr lang="en-US"/>
+          </a:p>
+        </p:txBody>
+      </p:sp>
+      <p:sp>
+        <p:nvSpPr>
+          <p:cNvPr id="6" name="Footer Placeholder 5"/>
+          <p:cNvSpPr>
+            <a:spLocks noGrp="1"/>
+          </p:cNvSpPr>
+          <p:nvPr>
+            <p:ph type="ftr" sz="quarter" idx="4"/>
+          </p:nvPr>
+        </p:nvSpPr>
+        <p:spPr>
+          <a:xfrm>
+            <a:off x="0" y="8685213"/>
+            <a:ext cx="2971800" cy="458787"/>
+          </a:xfrm>
+          <a:prstGeom prst="rect">
+            <a:avLst/>
+          </a:prstGeom>
+        </p:spPr>
+        <p:txBody>
+          <a:bodyPr vert="horz" lIns="91440" tIns="45720" rIns="91440" bIns="45720" rtlCol="0" anchor="b"/>
+          <a:lstStyle>
+            <a:lvl1pPr algn="l">
+              <a:defRPr sz="1200"/>
+            </a:lvl1pPr>
+          </a:lstStyle>
+          <a:p>
+            <a:endParaRPr lang="en-US"/>
+          </a:p>
+        </p:txBody>
+      </p:sp>
+      <p:sp>
+        <p:nvSpPr>
+          <p:cNvPr id="7" name="Slide Number Placeholder 6"/>
+          <p:cNvSpPr>
+            <a:spLocks noGrp="1"/>
+          </p:cNvSpPr>
+          <p:nvPr>
+            <p:ph type="sldNum" sz="quarter" idx="5"/>
+          </p:nvPr>
+        </p:nvSpPr>
+        <p:spPr>
+          <a:xfrm>
+            <a:off x="3884613" y="8685213"/>
+            <a:ext cx="2971800" cy="458787"/>
+          </a:xfrm>
+          <a:prstGeom prst="rect">
+            <a:avLst/>
+          </a:prstGeom>
+        </p:spPr>
+        <p:txBody>
+          <a:bodyPr vert="horz" lIns="91440" tIns="45720" rIns="91440" bIns="45720" rtlCol="0" anchor="b"/>
+          <a:lstStyle>
+            <a:lvl1pPr algn="r">
+              <a:defRPr sz="1200"/>
+            </a:lvl1pPr>
+          </a:lstStyle>
+          <a:p>
+            <a:fld id="{F2236BA9-CB55-4C47-AFD0-1E6886E873F8}" type="slidenum">
+              <a:rPr lang="en-US" smtClean="0"/>
+              <a:t>‹#›</a:t>
+            </a:fld>
+            <a:endParaRPr lang="en-US"/>
+          </a:p>
+        </p:txBody>
+      </p:sp>
+    </p:spTree>
+    <p:extLst>
+      <p:ext uri="{BB962C8B-B14F-4D97-AF65-F5344CB8AC3E}">
+        <p14:creationId xmlns:p14="http://schemas.microsoft.com/office/powerpoint/2010/main" val="2116985203"/>
+      </p:ext>
+    </p:extLst>
+  </p:cSld>
+  <p:clrMap bg1="lt1" tx1="dk1" bg2="lt2" tx2="dk2" accent1="accent1" accent2="accent2" accent3="accent3" accent4="accent4" accent5="accent5" accent6="accent6" hlink="hlink" folHlink="folHlink"/>
+  <p:notesStyle>
+    <a:lvl1pPr marL="0" algn="l" defTabSz="914400" rtl="0" eaLnBrk="1" latinLnBrk="0" hangingPunct="1">
+      <a:defRPr sz="1200" kern="1200">
+        <a:solidFill>
+          <a:schemeClr val="tx1"/>
+        </a:solidFill>
+        <a:latin typeface="+mn-lt"/>
+        <a:ea typeface="+mn-ea"/>
+        <a:cs typeface="+mn-cs"/>
+      </a:defRPr>
+    </a:lvl1pPr>
+    <a:lvl2pPr marL="457200" algn="l" defTabSz="914400" rtl="0" eaLnBrk="1" latinLnBrk="0" hangingPunct="1">
+      <a:defRPr sz="1200" kern="1200">
+        <a:solidFill>
+          <a:schemeClr val="tx1"/>
+        </a:solidFill>
+        <a:latin typeface="+mn-lt"/>
+        <a:ea typeface="+mn-ea"/>
+        <a:cs typeface="+mn-cs"/>
+      </a:defRPr>
+    </a:lvl2pPr>
+    <a:lvl3pPr marL="914400" algn="l" defTabSz="914400" rtl="0" eaLnBrk="1" latinLnBrk="0" hangingPunct="1">
+      <a:defRPr sz="1200" kern="1200">
+        <a:solidFill>
+          <a:schemeClr val="tx1"/>
+        </a:solidFill>
+        <a:latin typeface="+mn-lt"/>
+        <a:ea typeface="+mn-ea"/>
+        <a:cs typeface="+mn-cs"/>
+      </a:defRPr>
+    </a:lvl3pPr>
+    <a:lvl4pPr marL="1371600" algn="l" defTabSz="914400" rtl="0" eaLnBrk="1" latinLnBrk="0" hangingPunct="1">
+      <a:defRPr sz="1200" kern="1200">
+        <a:solidFill>
+          <a:schemeClr val="tx1"/>
+        </a:solidFill>
+        <a:latin typeface="+mn-lt"/>
+        <a:ea typeface="+mn-ea"/>
+        <a:cs typeface="+mn-cs"/>
+      </a:defRPr>
+    </a:lvl4pPr>
+    <a:lvl5pPr marL="1828800" algn="l" defTabSz="914400" rtl="0" eaLnBrk="1" latinLnBrk="0" hangingPunct="1">
+      <a:defRPr sz="1200" kern="1200">
+        <a:solidFill>
+          <a:schemeClr val="tx1"/>
+        </a:solidFill>
+        <a:latin typeface="+mn-lt"/>
+        <a:ea typeface="+mn-ea"/>
+        <a:cs typeface="+mn-cs"/>
+      </a:defRPr>
+    </a:lvl5pPr>
+    <a:lvl6pPr marL="2286000" algn="l" defTabSz="914400" rtl="0" eaLnBrk="1" latinLnBrk="0" hangingPunct="1">
+      <a:defRPr sz="1200" kern="1200">
+        <a:solidFill>
+          <a:schemeClr val="tx1"/>
+        </a:solidFill>
+        <a:latin typeface="+mn-lt"/>
+        <a:ea typeface="+mn-ea"/>
+        <a:cs typeface="+mn-cs"/>
+      </a:defRPr>
+    </a:lvl6pPr>
+    <a:lvl7pPr marL="2743200" algn="l" defTabSz="914400" rtl="0" eaLnBrk="1" latinLnBrk="0" hangingPunct="1">
+      <a:defRPr sz="1200" kern="1200">
+        <a:solidFill>
+          <a:schemeClr val="tx1"/>
+        </a:solidFill>
+        <a:latin typeface="+mn-lt"/>
+        <a:ea typeface="+mn-ea"/>
+        <a:cs typeface="+mn-cs"/>
+      </a:defRPr>
+    </a:lvl7pPr>
+    <a:lvl8pPr marL="3200400" algn="l" defTabSz="914400" rtl="0" eaLnBrk="1" latinLnBrk="0" hangingPunct="1">
+      <a:defRPr sz="1200" kern="1200">
+        <a:solidFill>
+          <a:schemeClr val="tx1"/>
+        </a:solidFill>
+        <a:latin typeface="+mn-lt"/>
+        <a:ea typeface="+mn-ea"/>
+        <a:cs typeface="+mn-cs"/>
+      </a:defRPr>
+    </a:lvl8pPr>
+    <a:lvl9pPr marL="3657600" algn="l" defTabSz="914400" rtl="0" eaLnBrk="1" latinLnBrk="0" hangingPunct="1">
+      <a:defRPr sz="1200" kern="1200">
+        <a:solidFill>
+          <a:schemeClr val="tx1"/>
+        </a:solidFill>
+        <a:latin typeface="+mn-lt"/>
+        <a:ea typeface="+mn-ea"/>
+        <a:cs typeface="+mn-cs"/>
+      </a:defRPr>
+    </a:lvl9pPr>
+  </p:notesStyle>
+</p:notesMaster>
 </file>
 
 <file path=ppt/slideLayouts/slideLayout1.xml><?xml version="1.0" encoding="utf-8"?>
@@ -11925,11 +12279,7 @@
             </a:r>
             <a:r>
               <a:rPr lang="en-US" sz="1800" dirty="0" smtClean="0"/>
-              <a:t>nsemble</a:t>
-            </a:r>
-            <a:r>
-              <a:rPr lang="en-US" sz="1800" dirty="0" smtClean="0"/>
-              <a:t>)</a:t>
+              <a:t>nsemble)</a:t>
             </a:r>
             <a:endParaRPr lang="en-US" sz="2400" b="1" dirty="0" smtClean="0"/>
           </a:p>
@@ -11946,7 +12296,6 @@
               <a:rPr lang="en-US" sz="2800" b="1" dirty="0" smtClean="0"/>
               <a:t> </a:t>
             </a:r>
-            <a:endParaRPr lang="en-US" sz="2800" b="1" dirty="0" smtClean="0"/>
           </a:p>
         </p:txBody>
       </p:sp>
@@ -12139,6 +12488,2332 @@
 </file>
 
 <file path=ppt/slides/slide10.xml><?xml version="1.0" encoding="utf-8"?>
+<p:sld xmlns:a="http://schemas.openxmlformats.org/drawingml/2006/main" xmlns:r="http://schemas.openxmlformats.org/officeDocument/2006/relationships" xmlns:p="http://schemas.openxmlformats.org/presentationml/2006/main" show="0">
+  <p:cSld>
+    <p:spTree>
+      <p:nvGrpSpPr>
+        <p:cNvPr id="1" name=""/>
+        <p:cNvGrpSpPr/>
+        <p:nvPr/>
+      </p:nvGrpSpPr>
+      <p:grpSpPr>
+        <a:xfrm>
+          <a:off x="0" y="0"/>
+          <a:ext cx="0" cy="0"/>
+          <a:chOff x="0" y="0"/>
+          <a:chExt cx="0" cy="0"/>
+        </a:xfrm>
+      </p:grpSpPr>
+      <p:sp>
+        <p:nvSpPr>
+          <p:cNvPr id="2" name="Text Placeholder 1"/>
+          <p:cNvSpPr>
+            <a:spLocks noGrp="1"/>
+          </p:cNvSpPr>
+          <p:nvPr>
+            <p:ph type="body" sz="quarter" idx="10"/>
+          </p:nvPr>
+        </p:nvSpPr>
+        <p:spPr/>
+        <p:txBody>
+          <a:bodyPr/>
+          <a:lstStyle/>
+          <a:p>
+            <a:r>
+              <a:rPr lang="en-US" b="1" dirty="0" smtClean="0"/>
+              <a:t>User Case Example</a:t>
+            </a:r>
+            <a:endParaRPr lang="en-US" b="1" dirty="0"/>
+          </a:p>
+        </p:txBody>
+      </p:sp>
+      <p:grpSp>
+        <p:nvGrpSpPr>
+          <p:cNvPr id="185" name="Group 184"/>
+          <p:cNvGrpSpPr/>
+          <p:nvPr/>
+        </p:nvGrpSpPr>
+        <p:grpSpPr>
+          <a:xfrm>
+            <a:off x="277820" y="1694067"/>
+            <a:ext cx="8578600" cy="2903333"/>
+            <a:chOff x="-2058981" y="1567067"/>
+            <a:chExt cx="14798055" cy="5312766"/>
+          </a:xfrm>
+        </p:grpSpPr>
+        <p:cxnSp>
+          <p:nvCxnSpPr>
+            <p:cNvPr id="92" name="Straight Arrow Connector 91"/>
+            <p:cNvCxnSpPr/>
+            <p:nvPr/>
+          </p:nvCxnSpPr>
+          <p:spPr>
+            <a:xfrm>
+              <a:off x="1905285" y="6384644"/>
+              <a:ext cx="7763447" cy="0"/>
+            </a:xfrm>
+            <a:prstGeom prst="straightConnector1">
+              <a:avLst/>
+            </a:prstGeom>
+            <a:ln>
+              <a:solidFill>
+                <a:srgbClr val="00B050"/>
+              </a:solidFill>
+              <a:tailEnd type="triangle"/>
+            </a:ln>
+          </p:spPr>
+          <p:style>
+            <a:lnRef idx="2">
+              <a:schemeClr val="accent1"/>
+            </a:lnRef>
+            <a:fillRef idx="0">
+              <a:schemeClr val="accent1"/>
+            </a:fillRef>
+            <a:effectRef idx="1">
+              <a:schemeClr val="accent1"/>
+            </a:effectRef>
+            <a:fontRef idx="minor">
+              <a:schemeClr val="tx1"/>
+            </a:fontRef>
+          </p:style>
+        </p:cxnSp>
+        <p:grpSp>
+          <p:nvGrpSpPr>
+            <p:cNvPr id="9" name="Group 8"/>
+            <p:cNvGrpSpPr/>
+            <p:nvPr/>
+          </p:nvGrpSpPr>
+          <p:grpSpPr>
+            <a:xfrm>
+              <a:off x="-2058981" y="1568833"/>
+              <a:ext cx="1797843" cy="1078706"/>
+              <a:chOff x="1043404" y="436"/>
+              <a:chExt cx="1797843" cy="1078706"/>
+            </a:xfrm>
+          </p:grpSpPr>
+          <p:sp>
+            <p:nvSpPr>
+              <p:cNvPr id="10" name="Rectangle 9"/>
+              <p:cNvSpPr/>
+              <p:nvPr/>
+            </p:nvSpPr>
+            <p:spPr>
+              <a:xfrm>
+                <a:off x="1043404" y="436"/>
+                <a:ext cx="1797843" cy="1078706"/>
+              </a:xfrm>
+              <a:prstGeom prst="rect">
+                <a:avLst/>
+              </a:prstGeom>
+            </p:spPr>
+            <p:style>
+              <a:lnRef idx="0">
+                <a:schemeClr val="lt1">
+                  <a:hueOff val="0"/>
+                  <a:satOff val="0"/>
+                  <a:lumOff val="0"/>
+                  <a:alphaOff val="0"/>
+                </a:schemeClr>
+              </a:lnRef>
+              <a:fillRef idx="3">
+                <a:schemeClr val="accent1">
+                  <a:hueOff val="0"/>
+                  <a:satOff val="0"/>
+                  <a:lumOff val="0"/>
+                  <a:alphaOff val="0"/>
+                </a:schemeClr>
+              </a:fillRef>
+              <a:effectRef idx="2">
+                <a:schemeClr val="accent1">
+                  <a:hueOff val="0"/>
+                  <a:satOff val="0"/>
+                  <a:lumOff val="0"/>
+                  <a:alphaOff val="0"/>
+                </a:schemeClr>
+              </a:effectRef>
+              <a:fontRef idx="minor">
+                <a:schemeClr val="lt1"/>
+              </a:fontRef>
+            </p:style>
+          </p:sp>
+          <p:sp>
+            <p:nvSpPr>
+              <p:cNvPr id="11" name="Rectangle 10"/>
+              <p:cNvSpPr/>
+              <p:nvPr/>
+            </p:nvSpPr>
+            <p:spPr>
+              <a:xfrm>
+                <a:off x="1043404" y="436"/>
+                <a:ext cx="1797843" cy="1078706"/>
+              </a:xfrm>
+              <a:prstGeom prst="rect">
+                <a:avLst/>
+              </a:prstGeom>
+            </p:spPr>
+            <p:style>
+              <a:lnRef idx="0">
+                <a:scrgbClr r="0" g="0" b="0"/>
+              </a:lnRef>
+              <a:fillRef idx="0">
+                <a:scrgbClr r="0" g="0" b="0"/>
+              </a:fillRef>
+              <a:effectRef idx="0">
+                <a:scrgbClr r="0" g="0" b="0"/>
+              </a:effectRef>
+              <a:fontRef idx="minor">
+                <a:schemeClr val="lt1"/>
+              </a:fontRef>
+            </p:style>
+            <p:txBody>
+              <a:bodyPr spcFirstLastPara="0" vert="horz" wrap="square" lIns="99568" tIns="99568" rIns="99568" bIns="99568" numCol="1" spcCol="1270" anchor="ctr" anchorCtr="0">
+                <a:noAutofit/>
+              </a:bodyPr>
+              <a:lstStyle/>
+              <a:p>
+                <a:pPr lvl="0" algn="ctr" defTabSz="622300">
+                  <a:lnSpc>
+                    <a:spcPct val="90000"/>
+                  </a:lnSpc>
+                  <a:spcBef>
+                    <a:spcPct val="0"/>
+                  </a:spcBef>
+                  <a:spcAft>
+                    <a:spcPct val="35000"/>
+                  </a:spcAft>
+                </a:pPr>
+                <a:r>
+                  <a:rPr lang="en-US" sz="1100" b="1" kern="1200" dirty="0" smtClean="0">
+                    <a:solidFill>
+                      <a:schemeClr val="bg2"/>
+                    </a:solidFill>
+                  </a:rPr>
+                  <a:t>USER INPUT</a:t>
+                </a:r>
+              </a:p>
+              <a:p>
+                <a:pPr lvl="0" algn="ctr" defTabSz="622300">
+                  <a:lnSpc>
+                    <a:spcPct val="90000"/>
+                  </a:lnSpc>
+                  <a:spcBef>
+                    <a:spcPct val="0"/>
+                  </a:spcBef>
+                  <a:spcAft>
+                    <a:spcPct val="35000"/>
+                  </a:spcAft>
+                </a:pPr>
+                <a:r>
+                  <a:rPr lang="en-US" sz="1050" kern="1200" dirty="0" smtClean="0"/>
+                  <a:t>*City in the States*</a:t>
+                </a:r>
+              </a:p>
+            </p:txBody>
+          </p:sp>
+        </p:grpSp>
+        <p:grpSp>
+          <p:nvGrpSpPr>
+            <p:cNvPr id="12" name="Group 11"/>
+            <p:cNvGrpSpPr/>
+            <p:nvPr/>
+          </p:nvGrpSpPr>
+          <p:grpSpPr>
+            <a:xfrm>
+              <a:off x="107443" y="1568833"/>
+              <a:ext cx="1797843" cy="1078706"/>
+              <a:chOff x="3254752" y="436"/>
+              <a:chExt cx="1797843" cy="1078706"/>
+            </a:xfrm>
+          </p:grpSpPr>
+          <p:sp>
+            <p:nvSpPr>
+              <p:cNvPr id="13" name="Rectangle 12"/>
+              <p:cNvSpPr/>
+              <p:nvPr/>
+            </p:nvSpPr>
+            <p:spPr>
+              <a:xfrm>
+                <a:off x="3254752" y="436"/>
+                <a:ext cx="1797843" cy="1078706"/>
+              </a:xfrm>
+              <a:prstGeom prst="rect">
+                <a:avLst/>
+              </a:prstGeom>
+            </p:spPr>
+            <p:style>
+              <a:lnRef idx="0">
+                <a:schemeClr val="lt1">
+                  <a:hueOff val="0"/>
+                  <a:satOff val="0"/>
+                  <a:lumOff val="0"/>
+                  <a:alphaOff val="0"/>
+                </a:schemeClr>
+              </a:lnRef>
+              <a:fillRef idx="3">
+                <a:schemeClr val="accent1">
+                  <a:hueOff val="0"/>
+                  <a:satOff val="0"/>
+                  <a:lumOff val="0"/>
+                  <a:alphaOff val="0"/>
+                </a:schemeClr>
+              </a:fillRef>
+              <a:effectRef idx="2">
+                <a:schemeClr val="accent1">
+                  <a:hueOff val="0"/>
+                  <a:satOff val="0"/>
+                  <a:lumOff val="0"/>
+                  <a:alphaOff val="0"/>
+                </a:schemeClr>
+              </a:effectRef>
+              <a:fontRef idx="minor">
+                <a:schemeClr val="lt1"/>
+              </a:fontRef>
+            </p:style>
+          </p:sp>
+          <p:sp>
+            <p:nvSpPr>
+              <p:cNvPr id="14" name="Rectangle 13"/>
+              <p:cNvSpPr/>
+              <p:nvPr/>
+            </p:nvSpPr>
+            <p:spPr>
+              <a:xfrm>
+                <a:off x="3254752" y="436"/>
+                <a:ext cx="1797843" cy="1078706"/>
+              </a:xfrm>
+              <a:prstGeom prst="rect">
+                <a:avLst/>
+              </a:prstGeom>
+            </p:spPr>
+            <p:style>
+              <a:lnRef idx="0">
+                <a:scrgbClr r="0" g="0" b="0"/>
+              </a:lnRef>
+              <a:fillRef idx="0">
+                <a:scrgbClr r="0" g="0" b="0"/>
+              </a:fillRef>
+              <a:effectRef idx="0">
+                <a:scrgbClr r="0" g="0" b="0"/>
+              </a:effectRef>
+              <a:fontRef idx="minor">
+                <a:schemeClr val="lt1"/>
+              </a:fontRef>
+            </p:style>
+            <p:txBody>
+              <a:bodyPr spcFirstLastPara="0" vert="horz" wrap="square" lIns="99568" tIns="99568" rIns="99568" bIns="99568" numCol="1" spcCol="1270" anchor="ctr" anchorCtr="0">
+                <a:noAutofit/>
+              </a:bodyPr>
+              <a:lstStyle/>
+              <a:p>
+                <a:pPr lvl="0" algn="ctr" defTabSz="622300">
+                  <a:lnSpc>
+                    <a:spcPct val="90000"/>
+                  </a:lnSpc>
+                  <a:spcBef>
+                    <a:spcPct val="0"/>
+                  </a:spcBef>
+                  <a:spcAft>
+                    <a:spcPct val="35000"/>
+                  </a:spcAft>
+                </a:pPr>
+                <a:r>
+                  <a:rPr lang="en-US" sz="1000" b="1" kern="1200" dirty="0" smtClean="0">
+                    <a:solidFill>
+                      <a:schemeClr val="bg2"/>
+                    </a:solidFill>
+                  </a:rPr>
+                  <a:t>PIN-POINT</a:t>
+                </a:r>
+              </a:p>
+              <a:p>
+                <a:pPr lvl="0" algn="ctr" defTabSz="622300">
+                  <a:lnSpc>
+                    <a:spcPct val="90000"/>
+                  </a:lnSpc>
+                  <a:spcBef>
+                    <a:spcPct val="0"/>
+                  </a:spcBef>
+                  <a:spcAft>
+                    <a:spcPct val="35000"/>
+                  </a:spcAft>
+                </a:pPr>
+                <a:r>
+                  <a:rPr lang="en-US" sz="900" kern="1200" dirty="0" smtClean="0"/>
+                  <a:t>*</a:t>
+                </a:r>
+                <a:r>
+                  <a:rPr lang="en-US" sz="1000" kern="1200" dirty="0" smtClean="0"/>
+                  <a:t>Longitude/Altitude*</a:t>
+                </a:r>
+                <a:endParaRPr lang="en-US" sz="1000" kern="1200" dirty="0"/>
+              </a:p>
+            </p:txBody>
+          </p:sp>
+        </p:grpSp>
+        <p:grpSp>
+          <p:nvGrpSpPr>
+            <p:cNvPr id="15" name="Group 14"/>
+            <p:cNvGrpSpPr/>
+            <p:nvPr/>
+          </p:nvGrpSpPr>
+          <p:grpSpPr>
+            <a:xfrm>
+              <a:off x="2275531" y="1567067"/>
+              <a:ext cx="1797843" cy="1078706"/>
+              <a:chOff x="1043404" y="1492646"/>
+              <a:chExt cx="1797843" cy="1078706"/>
+            </a:xfrm>
+          </p:grpSpPr>
+          <p:sp>
+            <p:nvSpPr>
+              <p:cNvPr id="16" name="Rectangle 15"/>
+              <p:cNvSpPr/>
+              <p:nvPr/>
+            </p:nvSpPr>
+            <p:spPr>
+              <a:xfrm>
+                <a:off x="1043404" y="1492646"/>
+                <a:ext cx="1797843" cy="1078706"/>
+              </a:xfrm>
+              <a:prstGeom prst="rect">
+                <a:avLst/>
+              </a:prstGeom>
+            </p:spPr>
+            <p:style>
+              <a:lnRef idx="0">
+                <a:schemeClr val="lt1">
+                  <a:hueOff val="0"/>
+                  <a:satOff val="0"/>
+                  <a:lumOff val="0"/>
+                  <a:alphaOff val="0"/>
+                </a:schemeClr>
+              </a:lnRef>
+              <a:fillRef idx="3">
+                <a:schemeClr val="accent1">
+                  <a:hueOff val="0"/>
+                  <a:satOff val="0"/>
+                  <a:lumOff val="0"/>
+                  <a:alphaOff val="0"/>
+                </a:schemeClr>
+              </a:fillRef>
+              <a:effectRef idx="2">
+                <a:schemeClr val="accent1">
+                  <a:hueOff val="0"/>
+                  <a:satOff val="0"/>
+                  <a:lumOff val="0"/>
+                  <a:alphaOff val="0"/>
+                </a:schemeClr>
+              </a:effectRef>
+              <a:fontRef idx="minor">
+                <a:schemeClr val="lt1"/>
+              </a:fontRef>
+            </p:style>
+          </p:sp>
+          <p:sp>
+            <p:nvSpPr>
+              <p:cNvPr id="17" name="Rectangle 16"/>
+              <p:cNvSpPr/>
+              <p:nvPr/>
+            </p:nvSpPr>
+            <p:spPr>
+              <a:xfrm>
+                <a:off x="1043404" y="1492646"/>
+                <a:ext cx="1797843" cy="1078706"/>
+              </a:xfrm>
+              <a:prstGeom prst="rect">
+                <a:avLst/>
+              </a:prstGeom>
+            </p:spPr>
+            <p:style>
+              <a:lnRef idx="0">
+                <a:scrgbClr r="0" g="0" b="0"/>
+              </a:lnRef>
+              <a:fillRef idx="0">
+                <a:scrgbClr r="0" g="0" b="0"/>
+              </a:fillRef>
+              <a:effectRef idx="0">
+                <a:scrgbClr r="0" g="0" b="0"/>
+              </a:effectRef>
+              <a:fontRef idx="minor">
+                <a:schemeClr val="lt1"/>
+              </a:fontRef>
+            </p:style>
+            <p:txBody>
+              <a:bodyPr spcFirstLastPara="0" vert="horz" wrap="square" lIns="99568" tIns="99568" rIns="99568" bIns="99568" numCol="1" spcCol="1270" anchor="ctr" anchorCtr="0">
+                <a:noAutofit/>
+              </a:bodyPr>
+              <a:lstStyle/>
+              <a:p>
+                <a:pPr lvl="0" algn="ctr" defTabSz="622300">
+                  <a:lnSpc>
+                    <a:spcPct val="90000"/>
+                  </a:lnSpc>
+                  <a:spcBef>
+                    <a:spcPct val="0"/>
+                  </a:spcBef>
+                  <a:spcAft>
+                    <a:spcPct val="35000"/>
+                  </a:spcAft>
+                </a:pPr>
+                <a:r>
+                  <a:rPr lang="en-US" sz="1000" b="1" kern="1200" dirty="0" smtClean="0">
+                    <a:solidFill>
+                      <a:schemeClr val="bg2"/>
+                    </a:solidFill>
+                  </a:rPr>
+                  <a:t>CHECK</a:t>
+                </a:r>
+              </a:p>
+              <a:p>
+                <a:pPr lvl="0" algn="ctr" defTabSz="622300">
+                  <a:lnSpc>
+                    <a:spcPct val="90000"/>
+                  </a:lnSpc>
+                  <a:spcBef>
+                    <a:spcPct val="0"/>
+                  </a:spcBef>
+                  <a:spcAft>
+                    <a:spcPct val="35000"/>
+                  </a:spcAft>
+                </a:pPr>
+                <a:r>
+                  <a:rPr lang="en-US" sz="900" kern="1200" dirty="0" smtClean="0"/>
+                  <a:t>*user-input city longitude/altitude in </a:t>
+                </a:r>
+                <a:r>
+                  <a:rPr lang="en-US" sz="900" dirty="0" smtClean="0"/>
+                  <a:t>STATES</a:t>
+                </a:r>
+                <a:r>
+                  <a:rPr lang="en-US" sz="900" kern="1200" dirty="0" smtClean="0"/>
+                  <a:t>* </a:t>
+                </a:r>
+                <a:endParaRPr lang="en-US" sz="900" kern="1200" dirty="0"/>
+              </a:p>
+            </p:txBody>
+          </p:sp>
+        </p:grpSp>
+        <p:cxnSp>
+          <p:nvCxnSpPr>
+            <p:cNvPr id="30" name="Straight Arrow Connector 29"/>
+            <p:cNvCxnSpPr>
+              <a:stCxn id="10" idx="3"/>
+              <a:endCxn id="13" idx="1"/>
+            </p:cNvCxnSpPr>
+            <p:nvPr/>
+          </p:nvCxnSpPr>
+          <p:spPr>
+            <a:xfrm>
+              <a:off x="-261138" y="2108186"/>
+              <a:ext cx="368581" cy="0"/>
+            </a:xfrm>
+            <a:prstGeom prst="straightConnector1">
+              <a:avLst/>
+            </a:prstGeom>
+            <a:ln>
+              <a:solidFill>
+                <a:srgbClr val="00B050"/>
+              </a:solidFill>
+              <a:tailEnd type="triangle"/>
+            </a:ln>
+          </p:spPr>
+          <p:style>
+            <a:lnRef idx="2">
+              <a:schemeClr val="accent1"/>
+            </a:lnRef>
+            <a:fillRef idx="0">
+              <a:schemeClr val="accent1"/>
+            </a:fillRef>
+            <a:effectRef idx="1">
+              <a:schemeClr val="accent1"/>
+            </a:effectRef>
+            <a:fontRef idx="minor">
+              <a:schemeClr val="tx1"/>
+            </a:fontRef>
+          </p:style>
+        </p:cxnSp>
+        <p:cxnSp>
+          <p:nvCxnSpPr>
+            <p:cNvPr id="37" name="Straight Arrow Connector 36"/>
+            <p:cNvCxnSpPr/>
+            <p:nvPr/>
+          </p:nvCxnSpPr>
+          <p:spPr>
+            <a:xfrm>
+              <a:off x="1905285" y="2108186"/>
+              <a:ext cx="368581" cy="0"/>
+            </a:xfrm>
+            <a:prstGeom prst="straightConnector1">
+              <a:avLst/>
+            </a:prstGeom>
+            <a:ln>
+              <a:solidFill>
+                <a:srgbClr val="00B050"/>
+              </a:solidFill>
+              <a:tailEnd type="triangle"/>
+            </a:ln>
+          </p:spPr>
+          <p:style>
+            <a:lnRef idx="2">
+              <a:schemeClr val="accent1"/>
+            </a:lnRef>
+            <a:fillRef idx="0">
+              <a:schemeClr val="accent1"/>
+            </a:fillRef>
+            <a:effectRef idx="1">
+              <a:schemeClr val="accent1"/>
+            </a:effectRef>
+            <a:fontRef idx="minor">
+              <a:schemeClr val="tx1"/>
+            </a:fontRef>
+          </p:style>
+        </p:cxnSp>
+        <p:cxnSp>
+          <p:nvCxnSpPr>
+            <p:cNvPr id="39" name="Straight Arrow Connector 38"/>
+            <p:cNvCxnSpPr>
+              <a:stCxn id="16" idx="3"/>
+              <a:endCxn id="51" idx="1"/>
+            </p:cNvCxnSpPr>
+            <p:nvPr/>
+          </p:nvCxnSpPr>
+          <p:spPr>
+            <a:xfrm>
+              <a:off x="4073374" y="2106420"/>
+              <a:ext cx="366918" cy="0"/>
+            </a:xfrm>
+            <a:prstGeom prst="straightConnector1">
+              <a:avLst/>
+            </a:prstGeom>
+            <a:ln>
+              <a:solidFill>
+                <a:srgbClr val="00B050"/>
+              </a:solidFill>
+              <a:tailEnd type="triangle"/>
+            </a:ln>
+          </p:spPr>
+          <p:style>
+            <a:lnRef idx="2">
+              <a:schemeClr val="accent1"/>
+            </a:lnRef>
+            <a:fillRef idx="0">
+              <a:schemeClr val="accent1"/>
+            </a:fillRef>
+            <a:effectRef idx="1">
+              <a:schemeClr val="accent1"/>
+            </a:effectRef>
+            <a:fontRef idx="minor">
+              <a:schemeClr val="tx1"/>
+            </a:fontRef>
+          </p:style>
+        </p:cxnSp>
+        <p:grpSp>
+          <p:nvGrpSpPr>
+            <p:cNvPr id="41" name="Group 40"/>
+            <p:cNvGrpSpPr/>
+            <p:nvPr/>
+          </p:nvGrpSpPr>
+          <p:grpSpPr>
+            <a:xfrm>
+              <a:off x="107442" y="2980018"/>
+              <a:ext cx="1797843" cy="1078706"/>
+              <a:chOff x="3254752" y="436"/>
+              <a:chExt cx="1797843" cy="1078706"/>
+            </a:xfrm>
+          </p:grpSpPr>
+          <p:sp>
+            <p:nvSpPr>
+              <p:cNvPr id="42" name="Rectangle 41"/>
+              <p:cNvSpPr/>
+              <p:nvPr/>
+            </p:nvSpPr>
+            <p:spPr>
+              <a:xfrm>
+                <a:off x="3254752" y="436"/>
+                <a:ext cx="1797843" cy="1078706"/>
+              </a:xfrm>
+              <a:prstGeom prst="rect">
+                <a:avLst/>
+              </a:prstGeom>
+            </p:spPr>
+            <p:style>
+              <a:lnRef idx="0">
+                <a:schemeClr val="lt1">
+                  <a:hueOff val="0"/>
+                  <a:satOff val="0"/>
+                  <a:lumOff val="0"/>
+                  <a:alphaOff val="0"/>
+                </a:schemeClr>
+              </a:lnRef>
+              <a:fillRef idx="3">
+                <a:schemeClr val="accent1">
+                  <a:hueOff val="0"/>
+                  <a:satOff val="0"/>
+                  <a:lumOff val="0"/>
+                  <a:alphaOff val="0"/>
+                </a:schemeClr>
+              </a:fillRef>
+              <a:effectRef idx="2">
+                <a:schemeClr val="accent1">
+                  <a:hueOff val="0"/>
+                  <a:satOff val="0"/>
+                  <a:lumOff val="0"/>
+                  <a:alphaOff val="0"/>
+                </a:schemeClr>
+              </a:effectRef>
+              <a:fontRef idx="minor">
+                <a:schemeClr val="lt1"/>
+              </a:fontRef>
+            </p:style>
+          </p:sp>
+          <p:sp>
+            <p:nvSpPr>
+              <p:cNvPr id="43" name="Rectangle 42"/>
+              <p:cNvSpPr/>
+              <p:nvPr/>
+            </p:nvSpPr>
+            <p:spPr>
+              <a:xfrm>
+                <a:off x="3254752" y="436"/>
+                <a:ext cx="1797843" cy="1078706"/>
+              </a:xfrm>
+              <a:prstGeom prst="rect">
+                <a:avLst/>
+              </a:prstGeom>
+            </p:spPr>
+            <p:style>
+              <a:lnRef idx="0">
+                <a:scrgbClr r="0" g="0" b="0"/>
+              </a:lnRef>
+              <a:fillRef idx="0">
+                <a:scrgbClr r="0" g="0" b="0"/>
+              </a:fillRef>
+              <a:effectRef idx="0">
+                <a:scrgbClr r="0" g="0" b="0"/>
+              </a:effectRef>
+              <a:fontRef idx="minor">
+                <a:schemeClr val="lt1"/>
+              </a:fontRef>
+            </p:style>
+            <p:txBody>
+              <a:bodyPr spcFirstLastPara="0" vert="horz" wrap="square" lIns="99568" tIns="99568" rIns="99568" bIns="99568" numCol="1" spcCol="1270" anchor="ctr" anchorCtr="0">
+                <a:noAutofit/>
+              </a:bodyPr>
+              <a:lstStyle/>
+              <a:p>
+                <a:pPr lvl="0" algn="ctr" defTabSz="622300">
+                  <a:lnSpc>
+                    <a:spcPct val="90000"/>
+                  </a:lnSpc>
+                  <a:spcBef>
+                    <a:spcPct val="0"/>
+                  </a:spcBef>
+                  <a:spcAft>
+                    <a:spcPct val="35000"/>
+                  </a:spcAft>
+                </a:pPr>
+                <a:r>
+                  <a:rPr lang="en-US" sz="1000" b="1" kern="1200" dirty="0" smtClean="0">
+                    <a:solidFill>
+                      <a:srgbClr val="FF0000"/>
+                    </a:solidFill>
+                  </a:rPr>
+                  <a:t>RETURN ERROR</a:t>
+                </a:r>
+              </a:p>
+              <a:p>
+                <a:pPr lvl="0" algn="ctr" defTabSz="622300">
+                  <a:lnSpc>
+                    <a:spcPct val="90000"/>
+                  </a:lnSpc>
+                  <a:spcBef>
+                    <a:spcPct val="0"/>
+                  </a:spcBef>
+                  <a:spcAft>
+                    <a:spcPct val="35000"/>
+                  </a:spcAft>
+                </a:pPr>
+                <a:r>
+                  <a:rPr lang="en-US" sz="900" kern="1200" dirty="0" smtClean="0"/>
+                  <a:t> *Prompt user to input city in the States*</a:t>
+                </a:r>
+                <a:endParaRPr lang="en-US" sz="900" kern="1200" dirty="0"/>
+              </a:p>
+            </p:txBody>
+          </p:sp>
+        </p:grpSp>
+        <p:grpSp>
+          <p:nvGrpSpPr>
+            <p:cNvPr id="46" name="Group 45"/>
+            <p:cNvGrpSpPr/>
+            <p:nvPr/>
+          </p:nvGrpSpPr>
+          <p:grpSpPr>
+            <a:xfrm>
+              <a:off x="2275531" y="2980834"/>
+              <a:ext cx="1797843" cy="1078706"/>
+              <a:chOff x="3254752" y="436"/>
+              <a:chExt cx="1797843" cy="1078706"/>
+            </a:xfrm>
+          </p:grpSpPr>
+          <p:sp>
+            <p:nvSpPr>
+              <p:cNvPr id="47" name="Rectangle 46"/>
+              <p:cNvSpPr/>
+              <p:nvPr/>
+            </p:nvSpPr>
+            <p:spPr>
+              <a:xfrm>
+                <a:off x="3254752" y="436"/>
+                <a:ext cx="1797843" cy="1078706"/>
+              </a:xfrm>
+              <a:prstGeom prst="rect">
+                <a:avLst/>
+              </a:prstGeom>
+            </p:spPr>
+            <p:style>
+              <a:lnRef idx="0">
+                <a:schemeClr val="lt1">
+                  <a:hueOff val="0"/>
+                  <a:satOff val="0"/>
+                  <a:lumOff val="0"/>
+                  <a:alphaOff val="0"/>
+                </a:schemeClr>
+              </a:lnRef>
+              <a:fillRef idx="3">
+                <a:schemeClr val="accent1">
+                  <a:hueOff val="0"/>
+                  <a:satOff val="0"/>
+                  <a:lumOff val="0"/>
+                  <a:alphaOff val="0"/>
+                </a:schemeClr>
+              </a:fillRef>
+              <a:effectRef idx="2">
+                <a:schemeClr val="accent1">
+                  <a:hueOff val="0"/>
+                  <a:satOff val="0"/>
+                  <a:lumOff val="0"/>
+                  <a:alphaOff val="0"/>
+                </a:schemeClr>
+              </a:effectRef>
+              <a:fontRef idx="minor">
+                <a:schemeClr val="lt1"/>
+              </a:fontRef>
+            </p:style>
+          </p:sp>
+          <p:sp>
+            <p:nvSpPr>
+              <p:cNvPr id="48" name="Rectangle 47"/>
+              <p:cNvSpPr/>
+              <p:nvPr/>
+            </p:nvSpPr>
+            <p:spPr>
+              <a:xfrm>
+                <a:off x="3254752" y="436"/>
+                <a:ext cx="1797843" cy="1078706"/>
+              </a:xfrm>
+              <a:prstGeom prst="rect">
+                <a:avLst/>
+              </a:prstGeom>
+            </p:spPr>
+            <p:style>
+              <a:lnRef idx="0">
+                <a:scrgbClr r="0" g="0" b="0"/>
+              </a:lnRef>
+              <a:fillRef idx="0">
+                <a:scrgbClr r="0" g="0" b="0"/>
+              </a:fillRef>
+              <a:effectRef idx="0">
+                <a:scrgbClr r="0" g="0" b="0"/>
+              </a:effectRef>
+              <a:fontRef idx="minor">
+                <a:schemeClr val="lt1"/>
+              </a:fontRef>
+            </p:style>
+            <p:txBody>
+              <a:bodyPr spcFirstLastPara="0" vert="horz" wrap="square" lIns="99568" tIns="99568" rIns="99568" bIns="99568" numCol="1" spcCol="1270" anchor="ctr" anchorCtr="0">
+                <a:noAutofit/>
+              </a:bodyPr>
+              <a:lstStyle/>
+              <a:p>
+                <a:pPr lvl="0" algn="ctr" defTabSz="622300">
+                  <a:lnSpc>
+                    <a:spcPct val="90000"/>
+                  </a:lnSpc>
+                  <a:spcBef>
+                    <a:spcPct val="0"/>
+                  </a:spcBef>
+                  <a:spcAft>
+                    <a:spcPct val="35000"/>
+                  </a:spcAft>
+                </a:pPr>
+                <a:r>
+                  <a:rPr lang="en-US" sz="900" b="1" kern="1200" dirty="0" smtClean="0">
+                    <a:solidFill>
+                      <a:srgbClr val="FF0000"/>
+                    </a:solidFill>
+                  </a:rPr>
+                  <a:t>CITY NOT VERIFIED IN STATES</a:t>
+                </a:r>
+              </a:p>
+              <a:p>
+                <a:pPr lvl="0" algn="ctr" defTabSz="622300">
+                  <a:lnSpc>
+                    <a:spcPct val="90000"/>
+                  </a:lnSpc>
+                  <a:spcBef>
+                    <a:spcPct val="0"/>
+                  </a:spcBef>
+                  <a:spcAft>
+                    <a:spcPct val="35000"/>
+                  </a:spcAft>
+                </a:pPr>
+                <a:r>
+                  <a:rPr lang="en-US" sz="900" kern="1200" dirty="0" smtClean="0"/>
+                  <a:t> *Raise Error*</a:t>
+                </a:r>
+                <a:endParaRPr lang="en-US" sz="900" kern="1200" dirty="0"/>
+              </a:p>
+            </p:txBody>
+          </p:sp>
+        </p:grpSp>
+        <p:grpSp>
+          <p:nvGrpSpPr>
+            <p:cNvPr id="50" name="Group 49"/>
+            <p:cNvGrpSpPr/>
+            <p:nvPr/>
+          </p:nvGrpSpPr>
+          <p:grpSpPr>
+            <a:xfrm>
+              <a:off x="4440292" y="1567067"/>
+              <a:ext cx="1797843" cy="1078706"/>
+              <a:chOff x="1043404" y="1492646"/>
+              <a:chExt cx="1797843" cy="1078706"/>
+            </a:xfrm>
+          </p:grpSpPr>
+          <p:sp>
+            <p:nvSpPr>
+              <p:cNvPr id="51" name="Rectangle 50"/>
+              <p:cNvSpPr/>
+              <p:nvPr/>
+            </p:nvSpPr>
+            <p:spPr>
+              <a:xfrm>
+                <a:off x="1043404" y="1492646"/>
+                <a:ext cx="1797843" cy="1078706"/>
+              </a:xfrm>
+              <a:prstGeom prst="rect">
+                <a:avLst/>
+              </a:prstGeom>
+            </p:spPr>
+            <p:style>
+              <a:lnRef idx="0">
+                <a:schemeClr val="lt1">
+                  <a:hueOff val="0"/>
+                  <a:satOff val="0"/>
+                  <a:lumOff val="0"/>
+                  <a:alphaOff val="0"/>
+                </a:schemeClr>
+              </a:lnRef>
+              <a:fillRef idx="3">
+                <a:schemeClr val="accent1">
+                  <a:hueOff val="0"/>
+                  <a:satOff val="0"/>
+                  <a:lumOff val="0"/>
+                  <a:alphaOff val="0"/>
+                </a:schemeClr>
+              </a:fillRef>
+              <a:effectRef idx="2">
+                <a:schemeClr val="accent1">
+                  <a:hueOff val="0"/>
+                  <a:satOff val="0"/>
+                  <a:lumOff val="0"/>
+                  <a:alphaOff val="0"/>
+                </a:schemeClr>
+              </a:effectRef>
+              <a:fontRef idx="minor">
+                <a:schemeClr val="lt1"/>
+              </a:fontRef>
+            </p:style>
+          </p:sp>
+          <p:sp>
+            <p:nvSpPr>
+              <p:cNvPr id="52" name="Rectangle 51"/>
+              <p:cNvSpPr/>
+              <p:nvPr/>
+            </p:nvSpPr>
+            <p:spPr>
+              <a:xfrm>
+                <a:off x="1043404" y="1492646"/>
+                <a:ext cx="1797843" cy="1078706"/>
+              </a:xfrm>
+              <a:prstGeom prst="rect">
+                <a:avLst/>
+              </a:prstGeom>
+            </p:spPr>
+            <p:style>
+              <a:lnRef idx="0">
+                <a:scrgbClr r="0" g="0" b="0"/>
+              </a:lnRef>
+              <a:fillRef idx="0">
+                <a:scrgbClr r="0" g="0" b="0"/>
+              </a:fillRef>
+              <a:effectRef idx="0">
+                <a:scrgbClr r="0" g="0" b="0"/>
+              </a:effectRef>
+              <a:fontRef idx="minor">
+                <a:schemeClr val="lt1"/>
+              </a:fontRef>
+            </p:style>
+            <p:txBody>
+              <a:bodyPr spcFirstLastPara="0" vert="horz" wrap="square" lIns="99568" tIns="99568" rIns="99568" bIns="99568" numCol="1" spcCol="1270" anchor="ctr" anchorCtr="0">
+                <a:noAutofit/>
+              </a:bodyPr>
+              <a:lstStyle/>
+              <a:p>
+                <a:pPr lvl="0" algn="ctr" defTabSz="622300">
+                  <a:lnSpc>
+                    <a:spcPct val="90000"/>
+                  </a:lnSpc>
+                  <a:spcBef>
+                    <a:spcPct val="0"/>
+                  </a:spcBef>
+                  <a:spcAft>
+                    <a:spcPct val="35000"/>
+                  </a:spcAft>
+                </a:pPr>
+                <a:r>
+                  <a:rPr lang="en-US" sz="900" b="1" dirty="0" smtClean="0">
+                    <a:solidFill>
+                      <a:srgbClr val="92D050"/>
+                    </a:solidFill>
+                  </a:rPr>
+                  <a:t>CITY VERIFIED IN STATES</a:t>
+                </a:r>
+                <a:endParaRPr lang="en-US" sz="900" b="1" kern="1200" dirty="0" smtClean="0">
+                  <a:solidFill>
+                    <a:srgbClr val="92D050"/>
+                  </a:solidFill>
+                </a:endParaRPr>
+              </a:p>
+              <a:p>
+                <a:pPr lvl="0" algn="ctr" defTabSz="622300">
+                  <a:lnSpc>
+                    <a:spcPct val="90000"/>
+                  </a:lnSpc>
+                  <a:spcBef>
+                    <a:spcPct val="0"/>
+                  </a:spcBef>
+                  <a:spcAft>
+                    <a:spcPct val="35000"/>
+                  </a:spcAft>
+                </a:pPr>
+                <a:r>
+                  <a:rPr lang="en-US" sz="700" dirty="0" smtClean="0"/>
+                  <a:t>*Proceed to identify city longitude and altitude*</a:t>
+                </a:r>
+                <a:endParaRPr lang="en-US" sz="700" kern="1200" dirty="0"/>
+              </a:p>
+            </p:txBody>
+          </p:sp>
+        </p:grpSp>
+        <p:cxnSp>
+          <p:nvCxnSpPr>
+            <p:cNvPr id="57" name="Straight Arrow Connector 56"/>
+            <p:cNvCxnSpPr>
+              <a:stCxn id="47" idx="1"/>
+              <a:endCxn id="42" idx="3"/>
+            </p:cNvCxnSpPr>
+            <p:nvPr/>
+          </p:nvCxnSpPr>
+          <p:spPr>
+            <a:xfrm flipH="1" flipV="1">
+              <a:off x="1905285" y="3519371"/>
+              <a:ext cx="370246" cy="816"/>
+            </a:xfrm>
+            <a:prstGeom prst="straightConnector1">
+              <a:avLst/>
+            </a:prstGeom>
+            <a:ln>
+              <a:solidFill>
+                <a:srgbClr val="FF0000"/>
+              </a:solidFill>
+              <a:tailEnd type="triangle"/>
+            </a:ln>
+          </p:spPr>
+          <p:style>
+            <a:lnRef idx="2">
+              <a:schemeClr val="accent1"/>
+            </a:lnRef>
+            <a:fillRef idx="0">
+              <a:schemeClr val="accent1"/>
+            </a:fillRef>
+            <a:effectRef idx="1">
+              <a:schemeClr val="accent1"/>
+            </a:effectRef>
+            <a:fontRef idx="minor">
+              <a:schemeClr val="tx1"/>
+            </a:fontRef>
+          </p:style>
+        </p:cxnSp>
+        <p:cxnSp>
+          <p:nvCxnSpPr>
+            <p:cNvPr id="61" name="Straight Arrow Connector 60"/>
+            <p:cNvCxnSpPr>
+              <a:stCxn id="42" idx="1"/>
+            </p:cNvCxnSpPr>
+            <p:nvPr/>
+          </p:nvCxnSpPr>
+          <p:spPr>
+            <a:xfrm flipH="1">
+              <a:off x="-1147407" y="3519371"/>
+              <a:ext cx="1254849" cy="0"/>
+            </a:xfrm>
+            <a:prstGeom prst="straightConnector1">
+              <a:avLst/>
+            </a:prstGeom>
+            <a:ln>
+              <a:solidFill>
+                <a:srgbClr val="FF0000"/>
+              </a:solidFill>
+              <a:tailEnd type="triangle"/>
+            </a:ln>
+          </p:spPr>
+          <p:style>
+            <a:lnRef idx="2">
+              <a:schemeClr val="accent1"/>
+            </a:lnRef>
+            <a:fillRef idx="0">
+              <a:schemeClr val="accent1"/>
+            </a:fillRef>
+            <a:effectRef idx="1">
+              <a:schemeClr val="accent1"/>
+            </a:effectRef>
+            <a:fontRef idx="minor">
+              <a:schemeClr val="tx1"/>
+            </a:fontRef>
+          </p:style>
+        </p:cxnSp>
+        <p:grpSp>
+          <p:nvGrpSpPr>
+            <p:cNvPr id="64" name="Group 63"/>
+            <p:cNvGrpSpPr/>
+            <p:nvPr/>
+          </p:nvGrpSpPr>
+          <p:grpSpPr>
+            <a:xfrm>
+              <a:off x="105780" y="4391202"/>
+              <a:ext cx="1797843" cy="1078706"/>
+              <a:chOff x="3254752" y="436"/>
+              <a:chExt cx="1797843" cy="1078706"/>
+            </a:xfrm>
+          </p:grpSpPr>
+          <p:sp>
+            <p:nvSpPr>
+              <p:cNvPr id="65" name="Rectangle 64"/>
+              <p:cNvSpPr/>
+              <p:nvPr/>
+            </p:nvSpPr>
+            <p:spPr>
+              <a:xfrm>
+                <a:off x="3254752" y="436"/>
+                <a:ext cx="1797843" cy="1078706"/>
+              </a:xfrm>
+              <a:prstGeom prst="rect">
+                <a:avLst/>
+              </a:prstGeom>
+            </p:spPr>
+            <p:style>
+              <a:lnRef idx="0">
+                <a:schemeClr val="lt1">
+                  <a:hueOff val="0"/>
+                  <a:satOff val="0"/>
+                  <a:lumOff val="0"/>
+                  <a:alphaOff val="0"/>
+                </a:schemeClr>
+              </a:lnRef>
+              <a:fillRef idx="3">
+                <a:schemeClr val="accent1">
+                  <a:hueOff val="0"/>
+                  <a:satOff val="0"/>
+                  <a:lumOff val="0"/>
+                  <a:alphaOff val="0"/>
+                </a:schemeClr>
+              </a:fillRef>
+              <a:effectRef idx="2">
+                <a:schemeClr val="accent1">
+                  <a:hueOff val="0"/>
+                  <a:satOff val="0"/>
+                  <a:lumOff val="0"/>
+                  <a:alphaOff val="0"/>
+                </a:schemeClr>
+              </a:effectRef>
+              <a:fontRef idx="minor">
+                <a:schemeClr val="lt1"/>
+              </a:fontRef>
+            </p:style>
+          </p:sp>
+          <p:sp>
+            <p:nvSpPr>
+              <p:cNvPr id="66" name="Rectangle 65"/>
+              <p:cNvSpPr/>
+              <p:nvPr/>
+            </p:nvSpPr>
+            <p:spPr>
+              <a:xfrm>
+                <a:off x="3254752" y="436"/>
+                <a:ext cx="1797843" cy="1078706"/>
+              </a:xfrm>
+              <a:prstGeom prst="rect">
+                <a:avLst/>
+              </a:prstGeom>
+            </p:spPr>
+            <p:style>
+              <a:lnRef idx="0">
+                <a:scrgbClr r="0" g="0" b="0"/>
+              </a:lnRef>
+              <a:fillRef idx="0">
+                <a:scrgbClr r="0" g="0" b="0"/>
+              </a:fillRef>
+              <a:effectRef idx="0">
+                <a:scrgbClr r="0" g="0" b="0"/>
+              </a:effectRef>
+              <a:fontRef idx="minor">
+                <a:schemeClr val="lt1"/>
+              </a:fontRef>
+            </p:style>
+            <p:txBody>
+              <a:bodyPr spcFirstLastPara="0" vert="horz" wrap="square" lIns="99568" tIns="99568" rIns="99568" bIns="99568" numCol="1" spcCol="1270" anchor="ctr" anchorCtr="0">
+                <a:noAutofit/>
+              </a:bodyPr>
+              <a:lstStyle/>
+              <a:p>
+                <a:pPr lvl="0" algn="ctr" defTabSz="622300">
+                  <a:lnSpc>
+                    <a:spcPct val="90000"/>
+                  </a:lnSpc>
+                  <a:spcBef>
+                    <a:spcPct val="0"/>
+                  </a:spcBef>
+                  <a:spcAft>
+                    <a:spcPct val="35000"/>
+                  </a:spcAft>
+                </a:pPr>
+                <a:r>
+                  <a:rPr lang="en-US" sz="1000" b="1" kern="1200" dirty="0" smtClean="0">
+                    <a:solidFill>
+                      <a:srgbClr val="FF0000"/>
+                    </a:solidFill>
+                  </a:rPr>
+                  <a:t>RETURN</a:t>
+                </a:r>
+              </a:p>
+              <a:p>
+                <a:pPr lvl="0" algn="ctr" defTabSz="622300">
+                  <a:lnSpc>
+                    <a:spcPct val="90000"/>
+                  </a:lnSpc>
+                  <a:spcBef>
+                    <a:spcPct val="0"/>
+                  </a:spcBef>
+                  <a:spcAft>
+                    <a:spcPct val="35000"/>
+                  </a:spcAft>
+                </a:pPr>
+                <a:r>
+                  <a:rPr lang="en-US" sz="800" kern="1200" dirty="0" smtClean="0"/>
+                  <a:t> *list of closest city location (within certain mileage)*</a:t>
+                </a:r>
+                <a:endParaRPr lang="en-US" sz="800" kern="1200" dirty="0"/>
+              </a:p>
+            </p:txBody>
+          </p:sp>
+        </p:grpSp>
+        <p:cxnSp>
+          <p:nvCxnSpPr>
+            <p:cNvPr id="67" name="Straight Arrow Connector 66"/>
+            <p:cNvCxnSpPr>
+              <a:stCxn id="10" idx="2"/>
+            </p:cNvCxnSpPr>
+            <p:nvPr/>
+          </p:nvCxnSpPr>
+          <p:spPr>
+            <a:xfrm>
+              <a:off x="-1160059" y="2647539"/>
+              <a:ext cx="0" cy="3737105"/>
+            </a:xfrm>
+            <a:prstGeom prst="straightConnector1">
+              <a:avLst/>
+            </a:prstGeom>
+            <a:ln>
+              <a:solidFill>
+                <a:srgbClr val="002060"/>
+              </a:solidFill>
+              <a:tailEnd type="triangle"/>
+            </a:ln>
+          </p:spPr>
+          <p:style>
+            <a:lnRef idx="2">
+              <a:schemeClr val="accent1"/>
+            </a:lnRef>
+            <a:fillRef idx="0">
+              <a:schemeClr val="accent1"/>
+            </a:fillRef>
+            <a:effectRef idx="1">
+              <a:schemeClr val="accent1"/>
+            </a:effectRef>
+            <a:fontRef idx="minor">
+              <a:schemeClr val="tx1"/>
+            </a:fontRef>
+          </p:style>
+        </p:cxnSp>
+        <p:cxnSp>
+          <p:nvCxnSpPr>
+            <p:cNvPr id="70" name="Straight Arrow Connector 69"/>
+            <p:cNvCxnSpPr/>
+            <p:nvPr/>
+          </p:nvCxnSpPr>
+          <p:spPr>
+            <a:xfrm>
+              <a:off x="-1160060" y="6384644"/>
+              <a:ext cx="1267502" cy="0"/>
+            </a:xfrm>
+            <a:prstGeom prst="straightConnector1">
+              <a:avLst/>
+            </a:prstGeom>
+            <a:ln>
+              <a:solidFill>
+                <a:srgbClr val="00B050"/>
+              </a:solidFill>
+              <a:tailEnd type="triangle"/>
+            </a:ln>
+          </p:spPr>
+          <p:style>
+            <a:lnRef idx="2">
+              <a:schemeClr val="accent1"/>
+            </a:lnRef>
+            <a:fillRef idx="0">
+              <a:schemeClr val="accent1"/>
+            </a:fillRef>
+            <a:effectRef idx="1">
+              <a:schemeClr val="accent1"/>
+            </a:effectRef>
+            <a:fontRef idx="minor">
+              <a:schemeClr val="tx1"/>
+            </a:fontRef>
+          </p:style>
+        </p:cxnSp>
+        <p:cxnSp>
+          <p:nvCxnSpPr>
+            <p:cNvPr id="103" name="Straight Arrow Connector 102"/>
+            <p:cNvCxnSpPr>
+              <a:stCxn id="132" idx="2"/>
+              <a:endCxn id="152" idx="0"/>
+            </p:cNvCxnSpPr>
+            <p:nvPr/>
+          </p:nvCxnSpPr>
+          <p:spPr>
+            <a:xfrm>
+              <a:off x="7503973" y="2645773"/>
+              <a:ext cx="0" cy="1747196"/>
+            </a:xfrm>
+            <a:prstGeom prst="straightConnector1">
+              <a:avLst/>
+            </a:prstGeom>
+            <a:ln>
+              <a:solidFill>
+                <a:srgbClr val="FF0000"/>
+              </a:solidFill>
+              <a:tailEnd type="triangle"/>
+            </a:ln>
+          </p:spPr>
+          <p:style>
+            <a:lnRef idx="2">
+              <a:schemeClr val="accent1"/>
+            </a:lnRef>
+            <a:fillRef idx="0">
+              <a:schemeClr val="accent1"/>
+            </a:fillRef>
+            <a:effectRef idx="1">
+              <a:schemeClr val="accent1"/>
+            </a:effectRef>
+            <a:fontRef idx="minor">
+              <a:schemeClr val="tx1"/>
+            </a:fontRef>
+          </p:style>
+        </p:cxnSp>
+        <p:cxnSp>
+          <p:nvCxnSpPr>
+            <p:cNvPr id="118" name="Straight Arrow Connector 117"/>
+            <p:cNvCxnSpPr>
+              <a:endCxn id="142" idx="2"/>
+            </p:cNvCxnSpPr>
+            <p:nvPr/>
+          </p:nvCxnSpPr>
+          <p:spPr>
+            <a:xfrm flipV="1">
+              <a:off x="9668732" y="2645773"/>
+              <a:ext cx="3331" cy="3738871"/>
+            </a:xfrm>
+            <a:prstGeom prst="straightConnector1">
+              <a:avLst/>
+            </a:prstGeom>
+            <a:ln>
+              <a:solidFill>
+                <a:srgbClr val="00B050"/>
+              </a:solidFill>
+              <a:tailEnd type="triangle"/>
+            </a:ln>
+          </p:spPr>
+          <p:style>
+            <a:lnRef idx="2">
+              <a:schemeClr val="accent1"/>
+            </a:lnRef>
+            <a:fillRef idx="0">
+              <a:schemeClr val="accent1"/>
+            </a:fillRef>
+            <a:effectRef idx="1">
+              <a:schemeClr val="accent1"/>
+            </a:effectRef>
+            <a:fontRef idx="minor">
+              <a:schemeClr val="tx1"/>
+            </a:fontRef>
+          </p:style>
+        </p:cxnSp>
+        <p:cxnSp>
+          <p:nvCxnSpPr>
+            <p:cNvPr id="123" name="Straight Arrow Connector 122"/>
+            <p:cNvCxnSpPr>
+              <a:stCxn id="16" idx="2"/>
+              <a:endCxn id="47" idx="0"/>
+            </p:cNvCxnSpPr>
+            <p:nvPr/>
+          </p:nvCxnSpPr>
+          <p:spPr>
+            <a:xfrm>
+              <a:off x="3174453" y="2645773"/>
+              <a:ext cx="0" cy="335061"/>
+            </a:xfrm>
+            <a:prstGeom prst="straightConnector1">
+              <a:avLst/>
+            </a:prstGeom>
+            <a:ln>
+              <a:solidFill>
+                <a:srgbClr val="FF0000"/>
+              </a:solidFill>
+              <a:tailEnd type="triangle"/>
+            </a:ln>
+          </p:spPr>
+          <p:style>
+            <a:lnRef idx="2">
+              <a:schemeClr val="accent1"/>
+            </a:lnRef>
+            <a:fillRef idx="0">
+              <a:schemeClr val="accent1"/>
+            </a:fillRef>
+            <a:effectRef idx="1">
+              <a:schemeClr val="accent1"/>
+            </a:effectRef>
+            <a:fontRef idx="minor">
+              <a:schemeClr val="tx1"/>
+            </a:fontRef>
+          </p:style>
+        </p:cxnSp>
+        <p:grpSp>
+          <p:nvGrpSpPr>
+            <p:cNvPr id="131" name="Group 130"/>
+            <p:cNvGrpSpPr/>
+            <p:nvPr/>
+          </p:nvGrpSpPr>
+          <p:grpSpPr>
+            <a:xfrm>
+              <a:off x="6605051" y="1567067"/>
+              <a:ext cx="1797843" cy="1078706"/>
+              <a:chOff x="1043404" y="1492646"/>
+              <a:chExt cx="1797843" cy="1078706"/>
+            </a:xfrm>
+          </p:grpSpPr>
+          <p:sp>
+            <p:nvSpPr>
+              <p:cNvPr id="132" name="Rectangle 131"/>
+              <p:cNvSpPr/>
+              <p:nvPr/>
+            </p:nvSpPr>
+            <p:spPr>
+              <a:xfrm>
+                <a:off x="1043404" y="1492646"/>
+                <a:ext cx="1797843" cy="1078706"/>
+              </a:xfrm>
+              <a:prstGeom prst="rect">
+                <a:avLst/>
+              </a:prstGeom>
+            </p:spPr>
+            <p:style>
+              <a:lnRef idx="0">
+                <a:schemeClr val="lt1">
+                  <a:hueOff val="0"/>
+                  <a:satOff val="0"/>
+                  <a:lumOff val="0"/>
+                  <a:alphaOff val="0"/>
+                </a:schemeClr>
+              </a:lnRef>
+              <a:fillRef idx="3">
+                <a:schemeClr val="accent1">
+                  <a:hueOff val="0"/>
+                  <a:satOff val="0"/>
+                  <a:lumOff val="0"/>
+                  <a:alphaOff val="0"/>
+                </a:schemeClr>
+              </a:fillRef>
+              <a:effectRef idx="2">
+                <a:schemeClr val="accent1">
+                  <a:hueOff val="0"/>
+                  <a:satOff val="0"/>
+                  <a:lumOff val="0"/>
+                  <a:alphaOff val="0"/>
+                </a:schemeClr>
+              </a:effectRef>
+              <a:fontRef idx="minor">
+                <a:schemeClr val="lt1"/>
+              </a:fontRef>
+            </p:style>
+          </p:sp>
+          <p:sp>
+            <p:nvSpPr>
+              <p:cNvPr id="133" name="Rectangle 132"/>
+              <p:cNvSpPr/>
+              <p:nvPr/>
+            </p:nvSpPr>
+            <p:spPr>
+              <a:xfrm>
+                <a:off x="1043404" y="1492646"/>
+                <a:ext cx="1797843" cy="1078706"/>
+              </a:xfrm>
+              <a:prstGeom prst="rect">
+                <a:avLst/>
+              </a:prstGeom>
+            </p:spPr>
+            <p:style>
+              <a:lnRef idx="0">
+                <a:scrgbClr r="0" g="0" b="0"/>
+              </a:lnRef>
+              <a:fillRef idx="0">
+                <a:scrgbClr r="0" g="0" b="0"/>
+              </a:fillRef>
+              <a:effectRef idx="0">
+                <a:scrgbClr r="0" g="0" b="0"/>
+              </a:effectRef>
+              <a:fontRef idx="minor">
+                <a:schemeClr val="lt1"/>
+              </a:fontRef>
+            </p:style>
+            <p:txBody>
+              <a:bodyPr spcFirstLastPara="0" vert="horz" wrap="square" lIns="99568" tIns="99568" rIns="99568" bIns="99568" numCol="1" spcCol="1270" anchor="ctr" anchorCtr="0">
+                <a:noAutofit/>
+              </a:bodyPr>
+              <a:lstStyle/>
+              <a:p>
+                <a:pPr lvl="0" algn="ctr" defTabSz="622300">
+                  <a:lnSpc>
+                    <a:spcPct val="90000"/>
+                  </a:lnSpc>
+                  <a:spcBef>
+                    <a:spcPct val="0"/>
+                  </a:spcBef>
+                  <a:spcAft>
+                    <a:spcPct val="35000"/>
+                  </a:spcAft>
+                </a:pPr>
+                <a:r>
+                  <a:rPr lang="en-US" sz="1100" b="1" kern="1200" dirty="0" smtClean="0">
+                    <a:solidFill>
+                      <a:schemeClr val="bg2"/>
+                    </a:solidFill>
+                  </a:rPr>
+                  <a:t>SEARCH</a:t>
+                </a:r>
+              </a:p>
+              <a:p>
+                <a:pPr lvl="0" algn="ctr" defTabSz="622300">
+                  <a:lnSpc>
+                    <a:spcPct val="90000"/>
+                  </a:lnSpc>
+                  <a:spcBef>
+                    <a:spcPct val="0"/>
+                  </a:spcBef>
+                  <a:spcAft>
+                    <a:spcPct val="35000"/>
+                  </a:spcAft>
+                </a:pPr>
+                <a:r>
+                  <a:rPr lang="en-US" sz="900" kern="1200" dirty="0" smtClean="0"/>
+                  <a:t>*user-input city’s related database* </a:t>
+                </a:r>
+                <a:endParaRPr lang="en-US" sz="900" kern="1200" dirty="0"/>
+              </a:p>
+            </p:txBody>
+          </p:sp>
+        </p:grpSp>
+        <p:cxnSp>
+          <p:nvCxnSpPr>
+            <p:cNvPr id="134" name="Straight Arrow Connector 133"/>
+            <p:cNvCxnSpPr>
+              <a:stCxn id="51" idx="3"/>
+              <a:endCxn id="132" idx="1"/>
+            </p:cNvCxnSpPr>
+            <p:nvPr/>
+          </p:nvCxnSpPr>
+          <p:spPr>
+            <a:xfrm>
+              <a:off x="6238135" y="2106420"/>
+              <a:ext cx="366916" cy="0"/>
+            </a:xfrm>
+            <a:prstGeom prst="straightConnector1">
+              <a:avLst/>
+            </a:prstGeom>
+            <a:ln>
+              <a:solidFill>
+                <a:srgbClr val="00B050"/>
+              </a:solidFill>
+              <a:tailEnd type="triangle"/>
+            </a:ln>
+          </p:spPr>
+          <p:style>
+            <a:lnRef idx="2">
+              <a:schemeClr val="accent1"/>
+            </a:lnRef>
+            <a:fillRef idx="0">
+              <a:schemeClr val="accent1"/>
+            </a:fillRef>
+            <a:effectRef idx="1">
+              <a:schemeClr val="accent1"/>
+            </a:effectRef>
+            <a:fontRef idx="minor">
+              <a:schemeClr val="tx1"/>
+            </a:fontRef>
+          </p:style>
+        </p:cxnSp>
+        <p:grpSp>
+          <p:nvGrpSpPr>
+            <p:cNvPr id="141" name="Group 140"/>
+            <p:cNvGrpSpPr/>
+            <p:nvPr/>
+          </p:nvGrpSpPr>
+          <p:grpSpPr>
+            <a:xfrm>
+              <a:off x="8773141" y="1567067"/>
+              <a:ext cx="1797843" cy="1078706"/>
+              <a:chOff x="1043404" y="1492646"/>
+              <a:chExt cx="1797843" cy="1078706"/>
+            </a:xfrm>
+          </p:grpSpPr>
+          <p:sp>
+            <p:nvSpPr>
+              <p:cNvPr id="142" name="Rectangle 141"/>
+              <p:cNvSpPr/>
+              <p:nvPr/>
+            </p:nvSpPr>
+            <p:spPr>
+              <a:xfrm>
+                <a:off x="1043404" y="1492646"/>
+                <a:ext cx="1797843" cy="1078706"/>
+              </a:xfrm>
+              <a:prstGeom prst="rect">
+                <a:avLst/>
+              </a:prstGeom>
+            </p:spPr>
+            <p:style>
+              <a:lnRef idx="0">
+                <a:schemeClr val="lt1">
+                  <a:hueOff val="0"/>
+                  <a:satOff val="0"/>
+                  <a:lumOff val="0"/>
+                  <a:alphaOff val="0"/>
+                </a:schemeClr>
+              </a:lnRef>
+              <a:fillRef idx="3">
+                <a:schemeClr val="accent1">
+                  <a:hueOff val="0"/>
+                  <a:satOff val="0"/>
+                  <a:lumOff val="0"/>
+                  <a:alphaOff val="0"/>
+                </a:schemeClr>
+              </a:fillRef>
+              <a:effectRef idx="2">
+                <a:schemeClr val="accent1">
+                  <a:hueOff val="0"/>
+                  <a:satOff val="0"/>
+                  <a:lumOff val="0"/>
+                  <a:alphaOff val="0"/>
+                </a:schemeClr>
+              </a:effectRef>
+              <a:fontRef idx="minor">
+                <a:schemeClr val="lt1"/>
+              </a:fontRef>
+            </p:style>
+          </p:sp>
+          <p:sp>
+            <p:nvSpPr>
+              <p:cNvPr id="143" name="Rectangle 142"/>
+              <p:cNvSpPr/>
+              <p:nvPr/>
+            </p:nvSpPr>
+            <p:spPr>
+              <a:xfrm>
+                <a:off x="1043404" y="1492646"/>
+                <a:ext cx="1797843" cy="1078706"/>
+              </a:xfrm>
+              <a:prstGeom prst="rect">
+                <a:avLst/>
+              </a:prstGeom>
+            </p:spPr>
+            <p:style>
+              <a:lnRef idx="0">
+                <a:scrgbClr r="0" g="0" b="0"/>
+              </a:lnRef>
+              <a:fillRef idx="0">
+                <a:scrgbClr r="0" g="0" b="0"/>
+              </a:fillRef>
+              <a:effectRef idx="0">
+                <a:scrgbClr r="0" g="0" b="0"/>
+              </a:effectRef>
+              <a:fontRef idx="minor">
+                <a:schemeClr val="lt1"/>
+              </a:fontRef>
+            </p:style>
+            <p:txBody>
+              <a:bodyPr spcFirstLastPara="0" vert="horz" wrap="square" lIns="99568" tIns="99568" rIns="99568" bIns="99568" numCol="1" spcCol="1270" anchor="ctr" anchorCtr="0">
+                <a:noAutofit/>
+              </a:bodyPr>
+              <a:lstStyle/>
+              <a:p>
+                <a:pPr lvl="0" algn="ctr" defTabSz="622300">
+                  <a:lnSpc>
+                    <a:spcPct val="90000"/>
+                  </a:lnSpc>
+                  <a:spcBef>
+                    <a:spcPct val="0"/>
+                  </a:spcBef>
+                  <a:spcAft>
+                    <a:spcPct val="35000"/>
+                  </a:spcAft>
+                </a:pPr>
+                <a:r>
+                  <a:rPr lang="en-US" sz="800" b="1" dirty="0" smtClean="0">
+                    <a:solidFill>
+                      <a:srgbClr val="92D050"/>
+                    </a:solidFill>
+                  </a:rPr>
+                  <a:t>CITY INFORMATION IDENTIFIED IN STATES</a:t>
+                </a:r>
+                <a:endParaRPr lang="en-US" sz="800" b="1" kern="1200" dirty="0" smtClean="0">
+                  <a:solidFill>
+                    <a:srgbClr val="92D050"/>
+                  </a:solidFill>
+                </a:endParaRPr>
+              </a:p>
+              <a:p>
+                <a:pPr lvl="0" algn="ctr" defTabSz="622300">
+                  <a:lnSpc>
+                    <a:spcPct val="90000"/>
+                  </a:lnSpc>
+                  <a:spcBef>
+                    <a:spcPct val="0"/>
+                  </a:spcBef>
+                  <a:spcAft>
+                    <a:spcPct val="35000"/>
+                  </a:spcAft>
+                </a:pPr>
+                <a:r>
+                  <a:rPr lang="en-US" sz="800" dirty="0" smtClean="0"/>
+                  <a:t>*Create input parameter matrix*</a:t>
+                </a:r>
+                <a:endParaRPr lang="en-US" sz="800" kern="1200" dirty="0"/>
+              </a:p>
+            </p:txBody>
+          </p:sp>
+        </p:grpSp>
+        <p:cxnSp>
+          <p:nvCxnSpPr>
+            <p:cNvPr id="144" name="Straight Arrow Connector 143"/>
+            <p:cNvCxnSpPr>
+              <a:stCxn id="132" idx="3"/>
+              <a:endCxn id="142" idx="1"/>
+            </p:cNvCxnSpPr>
+            <p:nvPr/>
+          </p:nvCxnSpPr>
+          <p:spPr>
+            <a:xfrm>
+              <a:off x="8402894" y="2106420"/>
+              <a:ext cx="370247" cy="0"/>
+            </a:xfrm>
+            <a:prstGeom prst="straightConnector1">
+              <a:avLst/>
+            </a:prstGeom>
+            <a:ln>
+              <a:solidFill>
+                <a:srgbClr val="00B050"/>
+              </a:solidFill>
+              <a:tailEnd type="triangle"/>
+            </a:ln>
+          </p:spPr>
+          <p:style>
+            <a:lnRef idx="2">
+              <a:schemeClr val="accent1"/>
+            </a:lnRef>
+            <a:fillRef idx="0">
+              <a:schemeClr val="accent1"/>
+            </a:fillRef>
+            <a:effectRef idx="1">
+              <a:schemeClr val="accent1"/>
+            </a:effectRef>
+            <a:fontRef idx="minor">
+              <a:schemeClr val="tx1"/>
+            </a:fontRef>
+          </p:style>
+        </p:cxnSp>
+        <p:grpSp>
+          <p:nvGrpSpPr>
+            <p:cNvPr id="151" name="Group 150"/>
+            <p:cNvGrpSpPr/>
+            <p:nvPr/>
+          </p:nvGrpSpPr>
+          <p:grpSpPr>
+            <a:xfrm>
+              <a:off x="6605051" y="4392969"/>
+              <a:ext cx="1797843" cy="1078706"/>
+              <a:chOff x="3254752" y="436"/>
+              <a:chExt cx="1797843" cy="1078706"/>
+            </a:xfrm>
+          </p:grpSpPr>
+          <p:sp>
+            <p:nvSpPr>
+              <p:cNvPr id="152" name="Rectangle 151"/>
+              <p:cNvSpPr/>
+              <p:nvPr/>
+            </p:nvSpPr>
+            <p:spPr>
+              <a:xfrm>
+                <a:off x="3254752" y="436"/>
+                <a:ext cx="1797843" cy="1078706"/>
+              </a:xfrm>
+              <a:prstGeom prst="rect">
+                <a:avLst/>
+              </a:prstGeom>
+            </p:spPr>
+            <p:style>
+              <a:lnRef idx="0">
+                <a:schemeClr val="lt1">
+                  <a:hueOff val="0"/>
+                  <a:satOff val="0"/>
+                  <a:lumOff val="0"/>
+                  <a:alphaOff val="0"/>
+                </a:schemeClr>
+              </a:lnRef>
+              <a:fillRef idx="3">
+                <a:schemeClr val="accent1">
+                  <a:hueOff val="0"/>
+                  <a:satOff val="0"/>
+                  <a:lumOff val="0"/>
+                  <a:alphaOff val="0"/>
+                </a:schemeClr>
+              </a:fillRef>
+              <a:effectRef idx="2">
+                <a:schemeClr val="accent1">
+                  <a:hueOff val="0"/>
+                  <a:satOff val="0"/>
+                  <a:lumOff val="0"/>
+                  <a:alphaOff val="0"/>
+                </a:schemeClr>
+              </a:effectRef>
+              <a:fontRef idx="minor">
+                <a:schemeClr val="lt1"/>
+              </a:fontRef>
+            </p:style>
+          </p:sp>
+          <p:sp>
+            <p:nvSpPr>
+              <p:cNvPr id="153" name="Rectangle 152"/>
+              <p:cNvSpPr/>
+              <p:nvPr/>
+            </p:nvSpPr>
+            <p:spPr>
+              <a:xfrm>
+                <a:off x="3254752" y="436"/>
+                <a:ext cx="1797843" cy="1078706"/>
+              </a:xfrm>
+              <a:prstGeom prst="rect">
+                <a:avLst/>
+              </a:prstGeom>
+            </p:spPr>
+            <p:style>
+              <a:lnRef idx="0">
+                <a:scrgbClr r="0" g="0" b="0"/>
+              </a:lnRef>
+              <a:fillRef idx="0">
+                <a:scrgbClr r="0" g="0" b="0"/>
+              </a:fillRef>
+              <a:effectRef idx="0">
+                <a:scrgbClr r="0" g="0" b="0"/>
+              </a:effectRef>
+              <a:fontRef idx="minor">
+                <a:schemeClr val="lt1"/>
+              </a:fontRef>
+            </p:style>
+            <p:txBody>
+              <a:bodyPr spcFirstLastPara="0" vert="horz" wrap="square" lIns="99568" tIns="99568" rIns="99568" bIns="99568" numCol="1" spcCol="1270" anchor="ctr" anchorCtr="0">
+                <a:noAutofit/>
+              </a:bodyPr>
+              <a:lstStyle/>
+              <a:p>
+                <a:pPr lvl="0" algn="ctr" defTabSz="622300">
+                  <a:lnSpc>
+                    <a:spcPct val="90000"/>
+                  </a:lnSpc>
+                  <a:spcBef>
+                    <a:spcPct val="0"/>
+                  </a:spcBef>
+                  <a:spcAft>
+                    <a:spcPct val="35000"/>
+                  </a:spcAft>
+                </a:pPr>
+                <a:r>
+                  <a:rPr lang="en-US" sz="900" b="1" kern="1200" dirty="0" smtClean="0">
+                    <a:solidFill>
+                      <a:srgbClr val="FF0000"/>
+                    </a:solidFill>
+                  </a:rPr>
+                  <a:t>CITY INFORMATION NOTIDENTIFIED </a:t>
+                </a:r>
+              </a:p>
+              <a:p>
+                <a:pPr lvl="0" algn="ctr" defTabSz="622300">
+                  <a:lnSpc>
+                    <a:spcPct val="90000"/>
+                  </a:lnSpc>
+                  <a:spcBef>
+                    <a:spcPct val="0"/>
+                  </a:spcBef>
+                  <a:spcAft>
+                    <a:spcPct val="35000"/>
+                  </a:spcAft>
+                </a:pPr>
+                <a:r>
+                  <a:rPr lang="en-US" sz="1000" kern="1200" dirty="0" smtClean="0"/>
+                  <a:t> </a:t>
+                </a:r>
+                <a:r>
+                  <a:rPr lang="en-US" sz="900" kern="1200" dirty="0" smtClean="0"/>
+                  <a:t>*Raise Error*</a:t>
+                </a:r>
+                <a:endParaRPr lang="en-US" sz="900" kern="1200" dirty="0"/>
+              </a:p>
+            </p:txBody>
+          </p:sp>
+        </p:grpSp>
+        <p:cxnSp>
+          <p:nvCxnSpPr>
+            <p:cNvPr id="158" name="Straight Arrow Connector 157"/>
+            <p:cNvCxnSpPr>
+              <a:stCxn id="152" idx="1"/>
+              <a:endCxn id="65" idx="3"/>
+            </p:cNvCxnSpPr>
+            <p:nvPr/>
+          </p:nvCxnSpPr>
+          <p:spPr>
+            <a:xfrm flipH="1" flipV="1">
+              <a:off x="1903623" y="4930555"/>
+              <a:ext cx="4701428" cy="1767"/>
+            </a:xfrm>
+            <a:prstGeom prst="straightConnector1">
+              <a:avLst/>
+            </a:prstGeom>
+            <a:ln>
+              <a:solidFill>
+                <a:srgbClr val="FF0000"/>
+              </a:solidFill>
+              <a:tailEnd type="triangle"/>
+            </a:ln>
+          </p:spPr>
+          <p:style>
+            <a:lnRef idx="2">
+              <a:schemeClr val="accent1"/>
+            </a:lnRef>
+            <a:fillRef idx="0">
+              <a:schemeClr val="accent1"/>
+            </a:fillRef>
+            <a:effectRef idx="1">
+              <a:schemeClr val="accent1"/>
+            </a:effectRef>
+            <a:fontRef idx="minor">
+              <a:schemeClr val="tx1"/>
+            </a:fontRef>
+          </p:style>
+        </p:cxnSp>
+        <p:cxnSp>
+          <p:nvCxnSpPr>
+            <p:cNvPr id="161" name="Straight Arrow Connector 160"/>
+            <p:cNvCxnSpPr>
+              <a:stCxn id="65" idx="1"/>
+            </p:cNvCxnSpPr>
+            <p:nvPr/>
+          </p:nvCxnSpPr>
+          <p:spPr>
+            <a:xfrm flipH="1" flipV="1">
+              <a:off x="-1160060" y="4930554"/>
+              <a:ext cx="1265840" cy="1"/>
+            </a:xfrm>
+            <a:prstGeom prst="straightConnector1">
+              <a:avLst/>
+            </a:prstGeom>
+            <a:ln>
+              <a:solidFill>
+                <a:srgbClr val="FF0000"/>
+              </a:solidFill>
+              <a:tailEnd type="triangle"/>
+            </a:ln>
+          </p:spPr>
+          <p:style>
+            <a:lnRef idx="2">
+              <a:schemeClr val="accent1"/>
+            </a:lnRef>
+            <a:fillRef idx="0">
+              <a:schemeClr val="accent1"/>
+            </a:fillRef>
+            <a:effectRef idx="1">
+              <a:schemeClr val="accent1"/>
+            </a:effectRef>
+            <a:fontRef idx="minor">
+              <a:schemeClr val="tx1"/>
+            </a:fontRef>
+          </p:style>
+        </p:cxnSp>
+        <p:grpSp>
+          <p:nvGrpSpPr>
+            <p:cNvPr id="165" name="Group 164"/>
+            <p:cNvGrpSpPr/>
+            <p:nvPr/>
+          </p:nvGrpSpPr>
+          <p:grpSpPr>
+            <a:xfrm>
+              <a:off x="128497" y="5801127"/>
+              <a:ext cx="1797843" cy="1078706"/>
+              <a:chOff x="3254752" y="436"/>
+              <a:chExt cx="1797843" cy="1078706"/>
+            </a:xfrm>
+          </p:grpSpPr>
+          <p:sp>
+            <p:nvSpPr>
+              <p:cNvPr id="166" name="Rectangle 165"/>
+              <p:cNvSpPr/>
+              <p:nvPr/>
+            </p:nvSpPr>
+            <p:spPr>
+              <a:xfrm>
+                <a:off x="3254752" y="436"/>
+                <a:ext cx="1797843" cy="1078706"/>
+              </a:xfrm>
+              <a:prstGeom prst="rect">
+                <a:avLst/>
+              </a:prstGeom>
+            </p:spPr>
+            <p:style>
+              <a:lnRef idx="0">
+                <a:schemeClr val="lt1">
+                  <a:hueOff val="0"/>
+                  <a:satOff val="0"/>
+                  <a:lumOff val="0"/>
+                  <a:alphaOff val="0"/>
+                </a:schemeClr>
+              </a:lnRef>
+              <a:fillRef idx="3">
+                <a:schemeClr val="accent1">
+                  <a:hueOff val="0"/>
+                  <a:satOff val="0"/>
+                  <a:lumOff val="0"/>
+                  <a:alphaOff val="0"/>
+                </a:schemeClr>
+              </a:fillRef>
+              <a:effectRef idx="2">
+                <a:schemeClr val="accent1">
+                  <a:hueOff val="0"/>
+                  <a:satOff val="0"/>
+                  <a:lumOff val="0"/>
+                  <a:alphaOff val="0"/>
+                </a:schemeClr>
+              </a:effectRef>
+              <a:fontRef idx="minor">
+                <a:schemeClr val="lt1"/>
+              </a:fontRef>
+            </p:style>
+          </p:sp>
+          <p:sp>
+            <p:nvSpPr>
+              <p:cNvPr id="167" name="Rectangle 166"/>
+              <p:cNvSpPr/>
+              <p:nvPr/>
+            </p:nvSpPr>
+            <p:spPr>
+              <a:xfrm>
+                <a:off x="3254752" y="436"/>
+                <a:ext cx="1797843" cy="1078706"/>
+              </a:xfrm>
+              <a:prstGeom prst="rect">
+                <a:avLst/>
+              </a:prstGeom>
+            </p:spPr>
+            <p:style>
+              <a:lnRef idx="0">
+                <a:scrgbClr r="0" g="0" b="0"/>
+              </a:lnRef>
+              <a:fillRef idx="0">
+                <a:scrgbClr r="0" g="0" b="0"/>
+              </a:fillRef>
+              <a:effectRef idx="0">
+                <a:scrgbClr r="0" g="0" b="0"/>
+              </a:effectRef>
+              <a:fontRef idx="minor">
+                <a:schemeClr val="lt1"/>
+              </a:fontRef>
+            </p:style>
+            <p:txBody>
+              <a:bodyPr spcFirstLastPara="0" vert="horz" wrap="square" lIns="99568" tIns="99568" rIns="99568" bIns="99568" numCol="1" spcCol="1270" anchor="ctr" anchorCtr="0">
+                <a:noAutofit/>
+              </a:bodyPr>
+              <a:lstStyle/>
+              <a:p>
+                <a:pPr lvl="0" algn="ctr" defTabSz="622300">
+                  <a:lnSpc>
+                    <a:spcPct val="90000"/>
+                  </a:lnSpc>
+                  <a:spcBef>
+                    <a:spcPct val="0"/>
+                  </a:spcBef>
+                  <a:spcAft>
+                    <a:spcPct val="35000"/>
+                  </a:spcAft>
+                </a:pPr>
+                <a:r>
+                  <a:rPr lang="en-US" sz="1000" b="1" kern="1200" dirty="0" smtClean="0">
+                    <a:solidFill>
+                      <a:srgbClr val="92D050"/>
+                    </a:solidFill>
+                  </a:rPr>
+                  <a:t>USER RETURN</a:t>
+                </a:r>
+              </a:p>
+              <a:p>
+                <a:pPr lvl="0" algn="ctr" defTabSz="622300">
+                  <a:lnSpc>
+                    <a:spcPct val="90000"/>
+                  </a:lnSpc>
+                  <a:spcBef>
+                    <a:spcPct val="0"/>
+                  </a:spcBef>
+                  <a:spcAft>
+                    <a:spcPct val="35000"/>
+                  </a:spcAft>
+                </a:pPr>
+                <a:r>
+                  <a:rPr lang="en-US" sz="1000" kern="1200" dirty="0" smtClean="0"/>
+                  <a:t> *city choice in the return list*</a:t>
+                </a:r>
+                <a:endParaRPr lang="en-US" sz="1000" kern="1200" dirty="0"/>
+              </a:p>
+            </p:txBody>
+          </p:sp>
+        </p:grpSp>
+        <p:cxnSp>
+          <p:nvCxnSpPr>
+            <p:cNvPr id="175" name="Straight Arrow Connector 174"/>
+            <p:cNvCxnSpPr>
+              <a:stCxn id="142" idx="3"/>
+              <a:endCxn id="173" idx="1"/>
+            </p:cNvCxnSpPr>
+            <p:nvPr/>
+          </p:nvCxnSpPr>
+          <p:spPr>
+            <a:xfrm>
+              <a:off x="10570984" y="2106420"/>
+              <a:ext cx="370247" cy="0"/>
+            </a:xfrm>
+            <a:prstGeom prst="straightConnector1">
+              <a:avLst/>
+            </a:prstGeom>
+            <a:ln>
+              <a:solidFill>
+                <a:srgbClr val="00B050"/>
+              </a:solidFill>
+              <a:tailEnd type="triangle"/>
+            </a:ln>
+          </p:spPr>
+          <p:style>
+            <a:lnRef idx="2">
+              <a:schemeClr val="accent1"/>
+            </a:lnRef>
+            <a:fillRef idx="0">
+              <a:schemeClr val="accent1"/>
+            </a:fillRef>
+            <a:effectRef idx="1">
+              <a:schemeClr val="accent1"/>
+            </a:effectRef>
+            <a:fontRef idx="minor">
+              <a:schemeClr val="tx1"/>
+            </a:fontRef>
+          </p:style>
+        </p:cxnSp>
+        <p:grpSp>
+          <p:nvGrpSpPr>
+            <p:cNvPr id="178" name="Group 177"/>
+            <p:cNvGrpSpPr/>
+            <p:nvPr/>
+          </p:nvGrpSpPr>
+          <p:grpSpPr>
+            <a:xfrm>
+              <a:off x="10941231" y="1567067"/>
+              <a:ext cx="1797843" cy="1078706"/>
+              <a:chOff x="1043404" y="1492646"/>
+              <a:chExt cx="1797843" cy="1078706"/>
+            </a:xfrm>
+          </p:grpSpPr>
+          <p:sp>
+            <p:nvSpPr>
+              <p:cNvPr id="179" name="Rectangle 178"/>
+              <p:cNvSpPr/>
+              <p:nvPr/>
+            </p:nvSpPr>
+            <p:spPr>
+              <a:xfrm>
+                <a:off x="1043404" y="1492646"/>
+                <a:ext cx="1797843" cy="1078706"/>
+              </a:xfrm>
+              <a:prstGeom prst="rect">
+                <a:avLst/>
+              </a:prstGeom>
+            </p:spPr>
+            <p:style>
+              <a:lnRef idx="0">
+                <a:schemeClr val="lt1">
+                  <a:hueOff val="0"/>
+                  <a:satOff val="0"/>
+                  <a:lumOff val="0"/>
+                  <a:alphaOff val="0"/>
+                </a:schemeClr>
+              </a:lnRef>
+              <a:fillRef idx="3">
+                <a:schemeClr val="accent1">
+                  <a:hueOff val="0"/>
+                  <a:satOff val="0"/>
+                  <a:lumOff val="0"/>
+                  <a:alphaOff val="0"/>
+                </a:schemeClr>
+              </a:fillRef>
+              <a:effectRef idx="2">
+                <a:schemeClr val="accent1">
+                  <a:hueOff val="0"/>
+                  <a:satOff val="0"/>
+                  <a:lumOff val="0"/>
+                  <a:alphaOff val="0"/>
+                </a:schemeClr>
+              </a:effectRef>
+              <a:fontRef idx="minor">
+                <a:schemeClr val="lt1"/>
+              </a:fontRef>
+            </p:style>
+          </p:sp>
+          <p:sp>
+            <p:nvSpPr>
+              <p:cNvPr id="180" name="Rectangle 179"/>
+              <p:cNvSpPr/>
+              <p:nvPr/>
+            </p:nvSpPr>
+            <p:spPr>
+              <a:xfrm>
+                <a:off x="1043404" y="1492646"/>
+                <a:ext cx="1797843" cy="1078706"/>
+              </a:xfrm>
+              <a:prstGeom prst="rect">
+                <a:avLst/>
+              </a:prstGeom>
+            </p:spPr>
+            <p:style>
+              <a:lnRef idx="0">
+                <a:scrgbClr r="0" g="0" b="0"/>
+              </a:lnRef>
+              <a:fillRef idx="0">
+                <a:scrgbClr r="0" g="0" b="0"/>
+              </a:fillRef>
+              <a:effectRef idx="0">
+                <a:scrgbClr r="0" g="0" b="0"/>
+              </a:effectRef>
+              <a:fontRef idx="minor">
+                <a:schemeClr val="lt1"/>
+              </a:fontRef>
+            </p:style>
+            <p:txBody>
+              <a:bodyPr spcFirstLastPara="0" vert="horz" wrap="square" lIns="99568" tIns="99568" rIns="99568" bIns="99568" numCol="1" spcCol="1270" anchor="ctr" anchorCtr="0">
+                <a:noAutofit/>
+              </a:bodyPr>
+              <a:lstStyle/>
+              <a:p>
+                <a:pPr lvl="0" algn="ctr" defTabSz="622300">
+                  <a:lnSpc>
+                    <a:spcPct val="90000"/>
+                  </a:lnSpc>
+                  <a:spcBef>
+                    <a:spcPct val="0"/>
+                  </a:spcBef>
+                  <a:spcAft>
+                    <a:spcPct val="35000"/>
+                  </a:spcAft>
+                </a:pPr>
+                <a:r>
+                  <a:rPr lang="en-US" sz="1400" b="1" dirty="0" smtClean="0">
+                    <a:solidFill>
+                      <a:schemeClr val="accent3"/>
+                    </a:solidFill>
+                  </a:rPr>
+                  <a:t>PROCEED TO MODEL</a:t>
+                </a:r>
+                <a:endParaRPr lang="en-US" sz="1400" b="1" kern="1200" dirty="0" smtClean="0">
+                  <a:solidFill>
+                    <a:schemeClr val="accent3"/>
+                  </a:solidFill>
+                </a:endParaRPr>
+              </a:p>
+            </p:txBody>
+          </p:sp>
+        </p:grpSp>
+      </p:grpSp>
+    </p:spTree>
+    <p:extLst>
+      <p:ext uri="{BB962C8B-B14F-4D97-AF65-F5344CB8AC3E}">
+        <p14:creationId xmlns:p14="http://schemas.microsoft.com/office/powerpoint/2010/main" val="71043580"/>
+      </p:ext>
+    </p:extLst>
+  </p:cSld>
+  <p:clrMapOvr>
+    <a:masterClrMapping/>
+  </p:clrMapOvr>
+  <mc:AlternateContent xmlns:mc="http://schemas.openxmlformats.org/markup-compatibility/2006">
+    <mc:Choice xmlns:p14="http://schemas.microsoft.com/office/powerpoint/2010/main" Requires="p14">
+      <p:transition spd="slow" p14:dur="2000"/>
+    </mc:Choice>
+    <mc:Fallback>
+      <p:transition spd="slow"/>
+    </mc:Fallback>
+  </mc:AlternateContent>
+  <p:timing>
+    <p:tnLst>
+      <p:par>
+        <p:cTn id="1" dur="indefinite" restart="never" nodeType="tmRoot"/>
+      </p:par>
+    </p:tnLst>
+  </p:timing>
+</p:sld>
+</file>
+
+<file path=ppt/slides/slide11.xml><?xml version="1.0" encoding="utf-8"?>
 <p:sld xmlns:a="http://schemas.openxmlformats.org/drawingml/2006/main" xmlns:r="http://schemas.openxmlformats.org/officeDocument/2006/relationships" xmlns:p="http://schemas.openxmlformats.org/presentationml/2006/main" show="0">
   <p:cSld>
     <p:spTree>
@@ -17789,31 +20464,22 @@
           <a:lstStyle/>
           <a:p>
             <a:r>
-              <a:rPr lang="en-US" sz="2000" b="0" dirty="0" err="1" smtClean="0"/>
-              <a:t>RandomForests</a:t>
+              <a:rPr lang="en-US" sz="2200" b="0" dirty="0" smtClean="0"/>
+              <a:t>Decision </a:t>
             </a:r>
             <a:r>
-              <a:rPr lang="en-US" sz="2000" b="0" dirty="0" smtClean="0"/>
-              <a:t> consists of an ensemble of classification decision trees, and outputting the mode of the classes of the individual trees.</a:t>
-            </a:r>
-          </a:p>
-          <a:p>
-            <a:pPr lvl="1"/>
-            <a:r>
-              <a:rPr lang="en-US" sz="1800" b="0" dirty="0"/>
-              <a:t>Decision trees are individual learners that are combined. They are one of the most popular learning methods commonly used for data exploration</a:t>
+              <a:rPr lang="en-US" sz="2200" b="0" dirty="0"/>
+              <a:t>trees are individual learners that are combined. They are one of the most popular learning methods commonly used for data </a:t>
             </a:r>
             <a:r>
-              <a:rPr lang="en-US" sz="1800" b="0" dirty="0" smtClean="0"/>
+              <a:rPr lang="en-US" sz="2200" b="0" dirty="0" smtClean="0"/>
+              <a:t>exploration</a:t>
+            </a:r>
+            <a:r>
+              <a:rPr lang="en-US" sz="2200" b="0" dirty="0"/>
               <a:t>.</a:t>
             </a:r>
-          </a:p>
-          <a:p>
-            <a:pPr lvl="1"/>
-            <a:r>
-              <a:rPr lang="en-US" sz="1800" b="0" dirty="0" smtClean="0"/>
-              <a:t>Corrects Decision Tree’s overfitting and inaccuracy by voting.</a:t>
-            </a:r>
+            <a:endParaRPr lang="en-US" sz="2200" b="0" dirty="0" smtClean="0"/>
           </a:p>
         </p:txBody>
       </p:sp>
@@ -17839,38 +20505,8 @@
         </p:blipFill>
         <p:spPr>
           <a:xfrm>
-            <a:off x="1292388" y="3964690"/>
-            <a:ext cx="3164954" cy="2346332"/>
-          </a:xfrm>
-          <a:prstGeom prst="rect">
-            <a:avLst/>
-          </a:prstGeom>
-        </p:spPr>
-      </p:pic>
-      <p:pic>
-        <p:nvPicPr>
-          <p:cNvPr id="5" name="Picture 4"/>
-          <p:cNvPicPr>
-            <a:picLocks noChangeAspect="1"/>
-          </p:cNvPicPr>
-          <p:nvPr/>
-        </p:nvPicPr>
-        <p:blipFill>
-          <a:blip r:embed="rId3">
-            <a:extLst>
-              <a:ext uri="{28A0092B-C50C-407E-A947-70E740481C1C}">
-                <a14:useLocalDpi xmlns:a14="http://schemas.microsoft.com/office/drawing/2010/main" val="0"/>
-              </a:ext>
-            </a:extLst>
-          </a:blip>
-          <a:stretch>
-            <a:fillRect/>
-          </a:stretch>
-        </p:blipFill>
-        <p:spPr>
-          <a:xfrm>
-            <a:off x="4773883" y="3964690"/>
-            <a:ext cx="3765090" cy="2364285"/>
+            <a:off x="2372420" y="2935990"/>
+            <a:ext cx="4485222" cy="3325110"/>
           </a:xfrm>
           <a:prstGeom prst="rect">
             <a:avLst/>
@@ -17898,6 +20534,134 @@
 </file>
 
 <file path=ppt/slides/slide6.xml><?xml version="1.0" encoding="utf-8"?>
+<p:sld xmlns:a="http://schemas.openxmlformats.org/drawingml/2006/main" xmlns:r="http://schemas.openxmlformats.org/officeDocument/2006/relationships" xmlns:p="http://schemas.openxmlformats.org/presentationml/2006/main">
+  <p:cSld>
+    <p:spTree>
+      <p:nvGrpSpPr>
+        <p:cNvPr id="1" name=""/>
+        <p:cNvGrpSpPr/>
+        <p:nvPr/>
+      </p:nvGrpSpPr>
+      <p:grpSpPr>
+        <a:xfrm>
+          <a:off x="0" y="0"/>
+          <a:ext cx="0" cy="0"/>
+          <a:chOff x="0" y="0"/>
+          <a:chExt cx="0" cy="0"/>
+        </a:xfrm>
+      </p:grpSpPr>
+      <p:sp>
+        <p:nvSpPr>
+          <p:cNvPr id="2" name="Text Placeholder 1"/>
+          <p:cNvSpPr>
+            <a:spLocks noGrp="1"/>
+          </p:cNvSpPr>
+          <p:nvPr>
+            <p:ph type="body" sz="quarter" idx="10"/>
+          </p:nvPr>
+        </p:nvSpPr>
+        <p:spPr/>
+        <p:txBody>
+          <a:bodyPr/>
+          <a:lstStyle/>
+          <a:p>
+            <a:r>
+              <a:rPr lang="en-US" b="1" dirty="0" smtClean="0"/>
+              <a:t>How it works</a:t>
+            </a:r>
+            <a:endParaRPr lang="en-US" b="1" dirty="0"/>
+          </a:p>
+        </p:txBody>
+      </p:sp>
+      <p:sp>
+        <p:nvSpPr>
+          <p:cNvPr id="3" name="Text Placeholder 2"/>
+          <p:cNvSpPr>
+            <a:spLocks noGrp="1"/>
+          </p:cNvSpPr>
+          <p:nvPr>
+            <p:ph type="body" sz="quarter" idx="11"/>
+          </p:nvPr>
+        </p:nvSpPr>
+        <p:spPr/>
+        <p:txBody>
+          <a:bodyPr/>
+          <a:lstStyle/>
+          <a:p>
+            <a:r>
+              <a:rPr lang="en-US" sz="2000" b="0" dirty="0" err="1" smtClean="0"/>
+              <a:t>RandomForests</a:t>
+            </a:r>
+            <a:r>
+              <a:rPr lang="en-US" sz="2000" b="0" dirty="0" smtClean="0"/>
+              <a:t> consists of an ensemble of classification decision trees, and outputting the mode of the classes of the individual </a:t>
+            </a:r>
+            <a:r>
+              <a:rPr lang="en-US" sz="2000" b="0" dirty="0" smtClean="0"/>
+              <a:t>trees.</a:t>
+            </a:r>
+          </a:p>
+          <a:p>
+            <a:pPr lvl="1"/>
+            <a:r>
+              <a:rPr lang="en-US" sz="1800" b="0" dirty="0" smtClean="0"/>
+              <a:t>Corrects Decision Tree’s overfitting and inaccuracy by voting.</a:t>
+            </a:r>
+            <a:endParaRPr lang="en-US" sz="1800" b="0" dirty="0" smtClean="0"/>
+          </a:p>
+        </p:txBody>
+      </p:sp>
+      <p:pic>
+        <p:nvPicPr>
+          <p:cNvPr id="5" name="Picture 4"/>
+          <p:cNvPicPr>
+            <a:picLocks noChangeAspect="1"/>
+          </p:cNvPicPr>
+          <p:nvPr/>
+        </p:nvPicPr>
+        <p:blipFill>
+          <a:blip r:embed="rId2">
+            <a:extLst>
+              <a:ext uri="{28A0092B-C50C-407E-A947-70E740481C1C}">
+                <a14:useLocalDpi xmlns:a14="http://schemas.microsoft.com/office/drawing/2010/main" val="0"/>
+              </a:ext>
+            </a:extLst>
+          </a:blip>
+          <a:stretch>
+            <a:fillRect/>
+          </a:stretch>
+        </p:blipFill>
+        <p:spPr>
+          <a:xfrm>
+            <a:off x="1877386" y="3162301"/>
+            <a:ext cx="5379735" cy="3378200"/>
+          </a:xfrm>
+          <a:prstGeom prst="rect">
+            <a:avLst/>
+          </a:prstGeom>
+        </p:spPr>
+      </p:pic>
+    </p:spTree>
+    <p:extLst>
+      <p:ext uri="{BB962C8B-B14F-4D97-AF65-F5344CB8AC3E}">
+        <p14:creationId xmlns:p14="http://schemas.microsoft.com/office/powerpoint/2010/main" val="661243325"/>
+      </p:ext>
+    </p:extLst>
+  </p:cSld>
+  <p:clrMapOvr>
+    <a:masterClrMapping/>
+  </p:clrMapOvr>
+  <p:timing>
+    <p:tnLst>
+      <p:par>
+        <p:cTn id="1" dur="indefinite" restart="never" nodeType="tmRoot"/>
+      </p:par>
+    </p:tnLst>
+  </p:timing>
+</p:sld>
+</file>
+
+<file path=ppt/slides/slide7.xml><?xml version="1.0" encoding="utf-8"?>
 <p:sld xmlns:a="http://schemas.openxmlformats.org/drawingml/2006/main" xmlns:r="http://schemas.openxmlformats.org/officeDocument/2006/relationships" xmlns:p="http://schemas.openxmlformats.org/presentationml/2006/main">
   <p:cSld>
     <p:spTree>
@@ -18050,7 +20814,7 @@
 </p:sld>
 </file>
 
-<file path=ppt/slides/slide7.xml><?xml version="1.0" encoding="utf-8"?>
+<file path=ppt/slides/slide8.xml><?xml version="1.0" encoding="utf-8"?>
 <p:sld xmlns:a="http://schemas.openxmlformats.org/drawingml/2006/main" xmlns:r="http://schemas.openxmlformats.org/officeDocument/2006/relationships" xmlns:p="http://schemas.openxmlformats.org/presentationml/2006/main">
   <p:cSld>
     <p:spTree>
@@ -18297,7 +21061,7 @@
 </p:sld>
 </file>
 
-<file path=ppt/slides/slide8.xml><?xml version="1.0" encoding="utf-8"?>
+<file path=ppt/slides/slide9.xml><?xml version="1.0" encoding="utf-8"?>
 <p:sld xmlns:a="http://schemas.openxmlformats.org/drawingml/2006/main" xmlns:r="http://schemas.openxmlformats.org/officeDocument/2006/relationships" xmlns:p="http://schemas.openxmlformats.org/presentationml/2006/main">
   <p:cSld>
     <p:spTree>
@@ -18464,2332 +21228,6 @@
   <p:clrMapOvr>
     <a:masterClrMapping/>
   </p:clrMapOvr>
-  <p:timing>
-    <p:tnLst>
-      <p:par>
-        <p:cTn id="1" dur="indefinite" restart="never" nodeType="tmRoot"/>
-      </p:par>
-    </p:tnLst>
-  </p:timing>
-</p:sld>
-</file>
-
-<file path=ppt/slides/slide9.xml><?xml version="1.0" encoding="utf-8"?>
-<p:sld xmlns:a="http://schemas.openxmlformats.org/drawingml/2006/main" xmlns:r="http://schemas.openxmlformats.org/officeDocument/2006/relationships" xmlns:p="http://schemas.openxmlformats.org/presentationml/2006/main" show="0">
-  <p:cSld>
-    <p:spTree>
-      <p:nvGrpSpPr>
-        <p:cNvPr id="1" name=""/>
-        <p:cNvGrpSpPr/>
-        <p:nvPr/>
-      </p:nvGrpSpPr>
-      <p:grpSpPr>
-        <a:xfrm>
-          <a:off x="0" y="0"/>
-          <a:ext cx="0" cy="0"/>
-          <a:chOff x="0" y="0"/>
-          <a:chExt cx="0" cy="0"/>
-        </a:xfrm>
-      </p:grpSpPr>
-      <p:sp>
-        <p:nvSpPr>
-          <p:cNvPr id="2" name="Text Placeholder 1"/>
-          <p:cNvSpPr>
-            <a:spLocks noGrp="1"/>
-          </p:cNvSpPr>
-          <p:nvPr>
-            <p:ph type="body" sz="quarter" idx="10"/>
-          </p:nvPr>
-        </p:nvSpPr>
-        <p:spPr/>
-        <p:txBody>
-          <a:bodyPr/>
-          <a:lstStyle/>
-          <a:p>
-            <a:r>
-              <a:rPr lang="en-US" b="1" dirty="0" smtClean="0"/>
-              <a:t>User Case Example</a:t>
-            </a:r>
-            <a:endParaRPr lang="en-US" b="1" dirty="0"/>
-          </a:p>
-        </p:txBody>
-      </p:sp>
-      <p:grpSp>
-        <p:nvGrpSpPr>
-          <p:cNvPr id="185" name="Group 184"/>
-          <p:cNvGrpSpPr/>
-          <p:nvPr/>
-        </p:nvGrpSpPr>
-        <p:grpSpPr>
-          <a:xfrm>
-            <a:off x="277820" y="1694067"/>
-            <a:ext cx="8578600" cy="2903333"/>
-            <a:chOff x="-2058981" y="1567067"/>
-            <a:chExt cx="14798055" cy="5312766"/>
-          </a:xfrm>
-        </p:grpSpPr>
-        <p:cxnSp>
-          <p:nvCxnSpPr>
-            <p:cNvPr id="92" name="Straight Arrow Connector 91"/>
-            <p:cNvCxnSpPr/>
-            <p:nvPr/>
-          </p:nvCxnSpPr>
-          <p:spPr>
-            <a:xfrm>
-              <a:off x="1905285" y="6384644"/>
-              <a:ext cx="7763447" cy="0"/>
-            </a:xfrm>
-            <a:prstGeom prst="straightConnector1">
-              <a:avLst/>
-            </a:prstGeom>
-            <a:ln>
-              <a:solidFill>
-                <a:srgbClr val="00B050"/>
-              </a:solidFill>
-              <a:tailEnd type="triangle"/>
-            </a:ln>
-          </p:spPr>
-          <p:style>
-            <a:lnRef idx="2">
-              <a:schemeClr val="accent1"/>
-            </a:lnRef>
-            <a:fillRef idx="0">
-              <a:schemeClr val="accent1"/>
-            </a:fillRef>
-            <a:effectRef idx="1">
-              <a:schemeClr val="accent1"/>
-            </a:effectRef>
-            <a:fontRef idx="minor">
-              <a:schemeClr val="tx1"/>
-            </a:fontRef>
-          </p:style>
-        </p:cxnSp>
-        <p:grpSp>
-          <p:nvGrpSpPr>
-            <p:cNvPr id="9" name="Group 8"/>
-            <p:cNvGrpSpPr/>
-            <p:nvPr/>
-          </p:nvGrpSpPr>
-          <p:grpSpPr>
-            <a:xfrm>
-              <a:off x="-2058981" y="1568833"/>
-              <a:ext cx="1797843" cy="1078706"/>
-              <a:chOff x="1043404" y="436"/>
-              <a:chExt cx="1797843" cy="1078706"/>
-            </a:xfrm>
-          </p:grpSpPr>
-          <p:sp>
-            <p:nvSpPr>
-              <p:cNvPr id="10" name="Rectangle 9"/>
-              <p:cNvSpPr/>
-              <p:nvPr/>
-            </p:nvSpPr>
-            <p:spPr>
-              <a:xfrm>
-                <a:off x="1043404" y="436"/>
-                <a:ext cx="1797843" cy="1078706"/>
-              </a:xfrm>
-              <a:prstGeom prst="rect">
-                <a:avLst/>
-              </a:prstGeom>
-            </p:spPr>
-            <p:style>
-              <a:lnRef idx="0">
-                <a:schemeClr val="lt1">
-                  <a:hueOff val="0"/>
-                  <a:satOff val="0"/>
-                  <a:lumOff val="0"/>
-                  <a:alphaOff val="0"/>
-                </a:schemeClr>
-              </a:lnRef>
-              <a:fillRef idx="3">
-                <a:schemeClr val="accent1">
-                  <a:hueOff val="0"/>
-                  <a:satOff val="0"/>
-                  <a:lumOff val="0"/>
-                  <a:alphaOff val="0"/>
-                </a:schemeClr>
-              </a:fillRef>
-              <a:effectRef idx="2">
-                <a:schemeClr val="accent1">
-                  <a:hueOff val="0"/>
-                  <a:satOff val="0"/>
-                  <a:lumOff val="0"/>
-                  <a:alphaOff val="0"/>
-                </a:schemeClr>
-              </a:effectRef>
-              <a:fontRef idx="minor">
-                <a:schemeClr val="lt1"/>
-              </a:fontRef>
-            </p:style>
-          </p:sp>
-          <p:sp>
-            <p:nvSpPr>
-              <p:cNvPr id="11" name="Rectangle 10"/>
-              <p:cNvSpPr/>
-              <p:nvPr/>
-            </p:nvSpPr>
-            <p:spPr>
-              <a:xfrm>
-                <a:off x="1043404" y="436"/>
-                <a:ext cx="1797843" cy="1078706"/>
-              </a:xfrm>
-              <a:prstGeom prst="rect">
-                <a:avLst/>
-              </a:prstGeom>
-            </p:spPr>
-            <p:style>
-              <a:lnRef idx="0">
-                <a:scrgbClr r="0" g="0" b="0"/>
-              </a:lnRef>
-              <a:fillRef idx="0">
-                <a:scrgbClr r="0" g="0" b="0"/>
-              </a:fillRef>
-              <a:effectRef idx="0">
-                <a:scrgbClr r="0" g="0" b="0"/>
-              </a:effectRef>
-              <a:fontRef idx="minor">
-                <a:schemeClr val="lt1"/>
-              </a:fontRef>
-            </p:style>
-            <p:txBody>
-              <a:bodyPr spcFirstLastPara="0" vert="horz" wrap="square" lIns="99568" tIns="99568" rIns="99568" bIns="99568" numCol="1" spcCol="1270" anchor="ctr" anchorCtr="0">
-                <a:noAutofit/>
-              </a:bodyPr>
-              <a:lstStyle/>
-              <a:p>
-                <a:pPr lvl="0" algn="ctr" defTabSz="622300">
-                  <a:lnSpc>
-                    <a:spcPct val="90000"/>
-                  </a:lnSpc>
-                  <a:spcBef>
-                    <a:spcPct val="0"/>
-                  </a:spcBef>
-                  <a:spcAft>
-                    <a:spcPct val="35000"/>
-                  </a:spcAft>
-                </a:pPr>
-                <a:r>
-                  <a:rPr lang="en-US" sz="1100" b="1" kern="1200" dirty="0" smtClean="0">
-                    <a:solidFill>
-                      <a:schemeClr val="bg2"/>
-                    </a:solidFill>
-                  </a:rPr>
-                  <a:t>USER INPUT</a:t>
-                </a:r>
-              </a:p>
-              <a:p>
-                <a:pPr lvl="0" algn="ctr" defTabSz="622300">
-                  <a:lnSpc>
-                    <a:spcPct val="90000"/>
-                  </a:lnSpc>
-                  <a:spcBef>
-                    <a:spcPct val="0"/>
-                  </a:spcBef>
-                  <a:spcAft>
-                    <a:spcPct val="35000"/>
-                  </a:spcAft>
-                </a:pPr>
-                <a:r>
-                  <a:rPr lang="en-US" sz="1050" kern="1200" dirty="0" smtClean="0"/>
-                  <a:t>*City in the States*</a:t>
-                </a:r>
-              </a:p>
-            </p:txBody>
-          </p:sp>
-        </p:grpSp>
-        <p:grpSp>
-          <p:nvGrpSpPr>
-            <p:cNvPr id="12" name="Group 11"/>
-            <p:cNvGrpSpPr/>
-            <p:nvPr/>
-          </p:nvGrpSpPr>
-          <p:grpSpPr>
-            <a:xfrm>
-              <a:off x="107443" y="1568833"/>
-              <a:ext cx="1797843" cy="1078706"/>
-              <a:chOff x="3254752" y="436"/>
-              <a:chExt cx="1797843" cy="1078706"/>
-            </a:xfrm>
-          </p:grpSpPr>
-          <p:sp>
-            <p:nvSpPr>
-              <p:cNvPr id="13" name="Rectangle 12"/>
-              <p:cNvSpPr/>
-              <p:nvPr/>
-            </p:nvSpPr>
-            <p:spPr>
-              <a:xfrm>
-                <a:off x="3254752" y="436"/>
-                <a:ext cx="1797843" cy="1078706"/>
-              </a:xfrm>
-              <a:prstGeom prst="rect">
-                <a:avLst/>
-              </a:prstGeom>
-            </p:spPr>
-            <p:style>
-              <a:lnRef idx="0">
-                <a:schemeClr val="lt1">
-                  <a:hueOff val="0"/>
-                  <a:satOff val="0"/>
-                  <a:lumOff val="0"/>
-                  <a:alphaOff val="0"/>
-                </a:schemeClr>
-              </a:lnRef>
-              <a:fillRef idx="3">
-                <a:schemeClr val="accent1">
-                  <a:hueOff val="0"/>
-                  <a:satOff val="0"/>
-                  <a:lumOff val="0"/>
-                  <a:alphaOff val="0"/>
-                </a:schemeClr>
-              </a:fillRef>
-              <a:effectRef idx="2">
-                <a:schemeClr val="accent1">
-                  <a:hueOff val="0"/>
-                  <a:satOff val="0"/>
-                  <a:lumOff val="0"/>
-                  <a:alphaOff val="0"/>
-                </a:schemeClr>
-              </a:effectRef>
-              <a:fontRef idx="minor">
-                <a:schemeClr val="lt1"/>
-              </a:fontRef>
-            </p:style>
-          </p:sp>
-          <p:sp>
-            <p:nvSpPr>
-              <p:cNvPr id="14" name="Rectangle 13"/>
-              <p:cNvSpPr/>
-              <p:nvPr/>
-            </p:nvSpPr>
-            <p:spPr>
-              <a:xfrm>
-                <a:off x="3254752" y="436"/>
-                <a:ext cx="1797843" cy="1078706"/>
-              </a:xfrm>
-              <a:prstGeom prst="rect">
-                <a:avLst/>
-              </a:prstGeom>
-            </p:spPr>
-            <p:style>
-              <a:lnRef idx="0">
-                <a:scrgbClr r="0" g="0" b="0"/>
-              </a:lnRef>
-              <a:fillRef idx="0">
-                <a:scrgbClr r="0" g="0" b="0"/>
-              </a:fillRef>
-              <a:effectRef idx="0">
-                <a:scrgbClr r="0" g="0" b="0"/>
-              </a:effectRef>
-              <a:fontRef idx="minor">
-                <a:schemeClr val="lt1"/>
-              </a:fontRef>
-            </p:style>
-            <p:txBody>
-              <a:bodyPr spcFirstLastPara="0" vert="horz" wrap="square" lIns="99568" tIns="99568" rIns="99568" bIns="99568" numCol="1" spcCol="1270" anchor="ctr" anchorCtr="0">
-                <a:noAutofit/>
-              </a:bodyPr>
-              <a:lstStyle/>
-              <a:p>
-                <a:pPr lvl="0" algn="ctr" defTabSz="622300">
-                  <a:lnSpc>
-                    <a:spcPct val="90000"/>
-                  </a:lnSpc>
-                  <a:spcBef>
-                    <a:spcPct val="0"/>
-                  </a:spcBef>
-                  <a:spcAft>
-                    <a:spcPct val="35000"/>
-                  </a:spcAft>
-                </a:pPr>
-                <a:r>
-                  <a:rPr lang="en-US" sz="1000" b="1" kern="1200" dirty="0" smtClean="0">
-                    <a:solidFill>
-                      <a:schemeClr val="bg2"/>
-                    </a:solidFill>
-                  </a:rPr>
-                  <a:t>PIN-POINT</a:t>
-                </a:r>
-              </a:p>
-              <a:p>
-                <a:pPr lvl="0" algn="ctr" defTabSz="622300">
-                  <a:lnSpc>
-                    <a:spcPct val="90000"/>
-                  </a:lnSpc>
-                  <a:spcBef>
-                    <a:spcPct val="0"/>
-                  </a:spcBef>
-                  <a:spcAft>
-                    <a:spcPct val="35000"/>
-                  </a:spcAft>
-                </a:pPr>
-                <a:r>
-                  <a:rPr lang="en-US" sz="900" kern="1200" dirty="0" smtClean="0"/>
-                  <a:t>*</a:t>
-                </a:r>
-                <a:r>
-                  <a:rPr lang="en-US" sz="1000" kern="1200" dirty="0" smtClean="0"/>
-                  <a:t>Longitude/Altitude*</a:t>
-                </a:r>
-                <a:endParaRPr lang="en-US" sz="1000" kern="1200" dirty="0"/>
-              </a:p>
-            </p:txBody>
-          </p:sp>
-        </p:grpSp>
-        <p:grpSp>
-          <p:nvGrpSpPr>
-            <p:cNvPr id="15" name="Group 14"/>
-            <p:cNvGrpSpPr/>
-            <p:nvPr/>
-          </p:nvGrpSpPr>
-          <p:grpSpPr>
-            <a:xfrm>
-              <a:off x="2275531" y="1567067"/>
-              <a:ext cx="1797843" cy="1078706"/>
-              <a:chOff x="1043404" y="1492646"/>
-              <a:chExt cx="1797843" cy="1078706"/>
-            </a:xfrm>
-          </p:grpSpPr>
-          <p:sp>
-            <p:nvSpPr>
-              <p:cNvPr id="16" name="Rectangle 15"/>
-              <p:cNvSpPr/>
-              <p:nvPr/>
-            </p:nvSpPr>
-            <p:spPr>
-              <a:xfrm>
-                <a:off x="1043404" y="1492646"/>
-                <a:ext cx="1797843" cy="1078706"/>
-              </a:xfrm>
-              <a:prstGeom prst="rect">
-                <a:avLst/>
-              </a:prstGeom>
-            </p:spPr>
-            <p:style>
-              <a:lnRef idx="0">
-                <a:schemeClr val="lt1">
-                  <a:hueOff val="0"/>
-                  <a:satOff val="0"/>
-                  <a:lumOff val="0"/>
-                  <a:alphaOff val="0"/>
-                </a:schemeClr>
-              </a:lnRef>
-              <a:fillRef idx="3">
-                <a:schemeClr val="accent1">
-                  <a:hueOff val="0"/>
-                  <a:satOff val="0"/>
-                  <a:lumOff val="0"/>
-                  <a:alphaOff val="0"/>
-                </a:schemeClr>
-              </a:fillRef>
-              <a:effectRef idx="2">
-                <a:schemeClr val="accent1">
-                  <a:hueOff val="0"/>
-                  <a:satOff val="0"/>
-                  <a:lumOff val="0"/>
-                  <a:alphaOff val="0"/>
-                </a:schemeClr>
-              </a:effectRef>
-              <a:fontRef idx="minor">
-                <a:schemeClr val="lt1"/>
-              </a:fontRef>
-            </p:style>
-          </p:sp>
-          <p:sp>
-            <p:nvSpPr>
-              <p:cNvPr id="17" name="Rectangle 16"/>
-              <p:cNvSpPr/>
-              <p:nvPr/>
-            </p:nvSpPr>
-            <p:spPr>
-              <a:xfrm>
-                <a:off x="1043404" y="1492646"/>
-                <a:ext cx="1797843" cy="1078706"/>
-              </a:xfrm>
-              <a:prstGeom prst="rect">
-                <a:avLst/>
-              </a:prstGeom>
-            </p:spPr>
-            <p:style>
-              <a:lnRef idx="0">
-                <a:scrgbClr r="0" g="0" b="0"/>
-              </a:lnRef>
-              <a:fillRef idx="0">
-                <a:scrgbClr r="0" g="0" b="0"/>
-              </a:fillRef>
-              <a:effectRef idx="0">
-                <a:scrgbClr r="0" g="0" b="0"/>
-              </a:effectRef>
-              <a:fontRef idx="minor">
-                <a:schemeClr val="lt1"/>
-              </a:fontRef>
-            </p:style>
-            <p:txBody>
-              <a:bodyPr spcFirstLastPara="0" vert="horz" wrap="square" lIns="99568" tIns="99568" rIns="99568" bIns="99568" numCol="1" spcCol="1270" anchor="ctr" anchorCtr="0">
-                <a:noAutofit/>
-              </a:bodyPr>
-              <a:lstStyle/>
-              <a:p>
-                <a:pPr lvl="0" algn="ctr" defTabSz="622300">
-                  <a:lnSpc>
-                    <a:spcPct val="90000"/>
-                  </a:lnSpc>
-                  <a:spcBef>
-                    <a:spcPct val="0"/>
-                  </a:spcBef>
-                  <a:spcAft>
-                    <a:spcPct val="35000"/>
-                  </a:spcAft>
-                </a:pPr>
-                <a:r>
-                  <a:rPr lang="en-US" sz="1000" b="1" kern="1200" dirty="0" smtClean="0">
-                    <a:solidFill>
-                      <a:schemeClr val="bg2"/>
-                    </a:solidFill>
-                  </a:rPr>
-                  <a:t>CHECK</a:t>
-                </a:r>
-              </a:p>
-              <a:p>
-                <a:pPr lvl="0" algn="ctr" defTabSz="622300">
-                  <a:lnSpc>
-                    <a:spcPct val="90000"/>
-                  </a:lnSpc>
-                  <a:spcBef>
-                    <a:spcPct val="0"/>
-                  </a:spcBef>
-                  <a:spcAft>
-                    <a:spcPct val="35000"/>
-                  </a:spcAft>
-                </a:pPr>
-                <a:r>
-                  <a:rPr lang="en-US" sz="900" kern="1200" dirty="0" smtClean="0"/>
-                  <a:t>*user-input city longitude/altitude in </a:t>
-                </a:r>
-                <a:r>
-                  <a:rPr lang="en-US" sz="900" dirty="0" smtClean="0"/>
-                  <a:t>STATES</a:t>
-                </a:r>
-                <a:r>
-                  <a:rPr lang="en-US" sz="900" kern="1200" dirty="0" smtClean="0"/>
-                  <a:t>* </a:t>
-                </a:r>
-                <a:endParaRPr lang="en-US" sz="900" kern="1200" dirty="0"/>
-              </a:p>
-            </p:txBody>
-          </p:sp>
-        </p:grpSp>
-        <p:cxnSp>
-          <p:nvCxnSpPr>
-            <p:cNvPr id="30" name="Straight Arrow Connector 29"/>
-            <p:cNvCxnSpPr>
-              <a:stCxn id="10" idx="3"/>
-              <a:endCxn id="13" idx="1"/>
-            </p:cNvCxnSpPr>
-            <p:nvPr/>
-          </p:nvCxnSpPr>
-          <p:spPr>
-            <a:xfrm>
-              <a:off x="-261138" y="2108186"/>
-              <a:ext cx="368581" cy="0"/>
-            </a:xfrm>
-            <a:prstGeom prst="straightConnector1">
-              <a:avLst/>
-            </a:prstGeom>
-            <a:ln>
-              <a:solidFill>
-                <a:srgbClr val="00B050"/>
-              </a:solidFill>
-              <a:tailEnd type="triangle"/>
-            </a:ln>
-          </p:spPr>
-          <p:style>
-            <a:lnRef idx="2">
-              <a:schemeClr val="accent1"/>
-            </a:lnRef>
-            <a:fillRef idx="0">
-              <a:schemeClr val="accent1"/>
-            </a:fillRef>
-            <a:effectRef idx="1">
-              <a:schemeClr val="accent1"/>
-            </a:effectRef>
-            <a:fontRef idx="minor">
-              <a:schemeClr val="tx1"/>
-            </a:fontRef>
-          </p:style>
-        </p:cxnSp>
-        <p:cxnSp>
-          <p:nvCxnSpPr>
-            <p:cNvPr id="37" name="Straight Arrow Connector 36"/>
-            <p:cNvCxnSpPr/>
-            <p:nvPr/>
-          </p:nvCxnSpPr>
-          <p:spPr>
-            <a:xfrm>
-              <a:off x="1905285" y="2108186"/>
-              <a:ext cx="368581" cy="0"/>
-            </a:xfrm>
-            <a:prstGeom prst="straightConnector1">
-              <a:avLst/>
-            </a:prstGeom>
-            <a:ln>
-              <a:solidFill>
-                <a:srgbClr val="00B050"/>
-              </a:solidFill>
-              <a:tailEnd type="triangle"/>
-            </a:ln>
-          </p:spPr>
-          <p:style>
-            <a:lnRef idx="2">
-              <a:schemeClr val="accent1"/>
-            </a:lnRef>
-            <a:fillRef idx="0">
-              <a:schemeClr val="accent1"/>
-            </a:fillRef>
-            <a:effectRef idx="1">
-              <a:schemeClr val="accent1"/>
-            </a:effectRef>
-            <a:fontRef idx="minor">
-              <a:schemeClr val="tx1"/>
-            </a:fontRef>
-          </p:style>
-        </p:cxnSp>
-        <p:cxnSp>
-          <p:nvCxnSpPr>
-            <p:cNvPr id="39" name="Straight Arrow Connector 38"/>
-            <p:cNvCxnSpPr>
-              <a:stCxn id="16" idx="3"/>
-              <a:endCxn id="51" idx="1"/>
-            </p:cNvCxnSpPr>
-            <p:nvPr/>
-          </p:nvCxnSpPr>
-          <p:spPr>
-            <a:xfrm>
-              <a:off x="4073374" y="2106420"/>
-              <a:ext cx="366918" cy="0"/>
-            </a:xfrm>
-            <a:prstGeom prst="straightConnector1">
-              <a:avLst/>
-            </a:prstGeom>
-            <a:ln>
-              <a:solidFill>
-                <a:srgbClr val="00B050"/>
-              </a:solidFill>
-              <a:tailEnd type="triangle"/>
-            </a:ln>
-          </p:spPr>
-          <p:style>
-            <a:lnRef idx="2">
-              <a:schemeClr val="accent1"/>
-            </a:lnRef>
-            <a:fillRef idx="0">
-              <a:schemeClr val="accent1"/>
-            </a:fillRef>
-            <a:effectRef idx="1">
-              <a:schemeClr val="accent1"/>
-            </a:effectRef>
-            <a:fontRef idx="minor">
-              <a:schemeClr val="tx1"/>
-            </a:fontRef>
-          </p:style>
-        </p:cxnSp>
-        <p:grpSp>
-          <p:nvGrpSpPr>
-            <p:cNvPr id="41" name="Group 40"/>
-            <p:cNvGrpSpPr/>
-            <p:nvPr/>
-          </p:nvGrpSpPr>
-          <p:grpSpPr>
-            <a:xfrm>
-              <a:off x="107442" y="2980018"/>
-              <a:ext cx="1797843" cy="1078706"/>
-              <a:chOff x="3254752" y="436"/>
-              <a:chExt cx="1797843" cy="1078706"/>
-            </a:xfrm>
-          </p:grpSpPr>
-          <p:sp>
-            <p:nvSpPr>
-              <p:cNvPr id="42" name="Rectangle 41"/>
-              <p:cNvSpPr/>
-              <p:nvPr/>
-            </p:nvSpPr>
-            <p:spPr>
-              <a:xfrm>
-                <a:off x="3254752" y="436"/>
-                <a:ext cx="1797843" cy="1078706"/>
-              </a:xfrm>
-              <a:prstGeom prst="rect">
-                <a:avLst/>
-              </a:prstGeom>
-            </p:spPr>
-            <p:style>
-              <a:lnRef idx="0">
-                <a:schemeClr val="lt1">
-                  <a:hueOff val="0"/>
-                  <a:satOff val="0"/>
-                  <a:lumOff val="0"/>
-                  <a:alphaOff val="0"/>
-                </a:schemeClr>
-              </a:lnRef>
-              <a:fillRef idx="3">
-                <a:schemeClr val="accent1">
-                  <a:hueOff val="0"/>
-                  <a:satOff val="0"/>
-                  <a:lumOff val="0"/>
-                  <a:alphaOff val="0"/>
-                </a:schemeClr>
-              </a:fillRef>
-              <a:effectRef idx="2">
-                <a:schemeClr val="accent1">
-                  <a:hueOff val="0"/>
-                  <a:satOff val="0"/>
-                  <a:lumOff val="0"/>
-                  <a:alphaOff val="0"/>
-                </a:schemeClr>
-              </a:effectRef>
-              <a:fontRef idx="minor">
-                <a:schemeClr val="lt1"/>
-              </a:fontRef>
-            </p:style>
-          </p:sp>
-          <p:sp>
-            <p:nvSpPr>
-              <p:cNvPr id="43" name="Rectangle 42"/>
-              <p:cNvSpPr/>
-              <p:nvPr/>
-            </p:nvSpPr>
-            <p:spPr>
-              <a:xfrm>
-                <a:off x="3254752" y="436"/>
-                <a:ext cx="1797843" cy="1078706"/>
-              </a:xfrm>
-              <a:prstGeom prst="rect">
-                <a:avLst/>
-              </a:prstGeom>
-            </p:spPr>
-            <p:style>
-              <a:lnRef idx="0">
-                <a:scrgbClr r="0" g="0" b="0"/>
-              </a:lnRef>
-              <a:fillRef idx="0">
-                <a:scrgbClr r="0" g="0" b="0"/>
-              </a:fillRef>
-              <a:effectRef idx="0">
-                <a:scrgbClr r="0" g="0" b="0"/>
-              </a:effectRef>
-              <a:fontRef idx="minor">
-                <a:schemeClr val="lt1"/>
-              </a:fontRef>
-            </p:style>
-            <p:txBody>
-              <a:bodyPr spcFirstLastPara="0" vert="horz" wrap="square" lIns="99568" tIns="99568" rIns="99568" bIns="99568" numCol="1" spcCol="1270" anchor="ctr" anchorCtr="0">
-                <a:noAutofit/>
-              </a:bodyPr>
-              <a:lstStyle/>
-              <a:p>
-                <a:pPr lvl="0" algn="ctr" defTabSz="622300">
-                  <a:lnSpc>
-                    <a:spcPct val="90000"/>
-                  </a:lnSpc>
-                  <a:spcBef>
-                    <a:spcPct val="0"/>
-                  </a:spcBef>
-                  <a:spcAft>
-                    <a:spcPct val="35000"/>
-                  </a:spcAft>
-                </a:pPr>
-                <a:r>
-                  <a:rPr lang="en-US" sz="1000" b="1" kern="1200" dirty="0" smtClean="0">
-                    <a:solidFill>
-                      <a:srgbClr val="FF0000"/>
-                    </a:solidFill>
-                  </a:rPr>
-                  <a:t>RETURN ERROR</a:t>
-                </a:r>
-              </a:p>
-              <a:p>
-                <a:pPr lvl="0" algn="ctr" defTabSz="622300">
-                  <a:lnSpc>
-                    <a:spcPct val="90000"/>
-                  </a:lnSpc>
-                  <a:spcBef>
-                    <a:spcPct val="0"/>
-                  </a:spcBef>
-                  <a:spcAft>
-                    <a:spcPct val="35000"/>
-                  </a:spcAft>
-                </a:pPr>
-                <a:r>
-                  <a:rPr lang="en-US" sz="900" kern="1200" dirty="0" smtClean="0"/>
-                  <a:t> *Prompt user to input city in the States*</a:t>
-                </a:r>
-                <a:endParaRPr lang="en-US" sz="900" kern="1200" dirty="0"/>
-              </a:p>
-            </p:txBody>
-          </p:sp>
-        </p:grpSp>
-        <p:grpSp>
-          <p:nvGrpSpPr>
-            <p:cNvPr id="46" name="Group 45"/>
-            <p:cNvGrpSpPr/>
-            <p:nvPr/>
-          </p:nvGrpSpPr>
-          <p:grpSpPr>
-            <a:xfrm>
-              <a:off x="2275531" y="2980834"/>
-              <a:ext cx="1797843" cy="1078706"/>
-              <a:chOff x="3254752" y="436"/>
-              <a:chExt cx="1797843" cy="1078706"/>
-            </a:xfrm>
-          </p:grpSpPr>
-          <p:sp>
-            <p:nvSpPr>
-              <p:cNvPr id="47" name="Rectangle 46"/>
-              <p:cNvSpPr/>
-              <p:nvPr/>
-            </p:nvSpPr>
-            <p:spPr>
-              <a:xfrm>
-                <a:off x="3254752" y="436"/>
-                <a:ext cx="1797843" cy="1078706"/>
-              </a:xfrm>
-              <a:prstGeom prst="rect">
-                <a:avLst/>
-              </a:prstGeom>
-            </p:spPr>
-            <p:style>
-              <a:lnRef idx="0">
-                <a:schemeClr val="lt1">
-                  <a:hueOff val="0"/>
-                  <a:satOff val="0"/>
-                  <a:lumOff val="0"/>
-                  <a:alphaOff val="0"/>
-                </a:schemeClr>
-              </a:lnRef>
-              <a:fillRef idx="3">
-                <a:schemeClr val="accent1">
-                  <a:hueOff val="0"/>
-                  <a:satOff val="0"/>
-                  <a:lumOff val="0"/>
-                  <a:alphaOff val="0"/>
-                </a:schemeClr>
-              </a:fillRef>
-              <a:effectRef idx="2">
-                <a:schemeClr val="accent1">
-                  <a:hueOff val="0"/>
-                  <a:satOff val="0"/>
-                  <a:lumOff val="0"/>
-                  <a:alphaOff val="0"/>
-                </a:schemeClr>
-              </a:effectRef>
-              <a:fontRef idx="minor">
-                <a:schemeClr val="lt1"/>
-              </a:fontRef>
-            </p:style>
-          </p:sp>
-          <p:sp>
-            <p:nvSpPr>
-              <p:cNvPr id="48" name="Rectangle 47"/>
-              <p:cNvSpPr/>
-              <p:nvPr/>
-            </p:nvSpPr>
-            <p:spPr>
-              <a:xfrm>
-                <a:off x="3254752" y="436"/>
-                <a:ext cx="1797843" cy="1078706"/>
-              </a:xfrm>
-              <a:prstGeom prst="rect">
-                <a:avLst/>
-              </a:prstGeom>
-            </p:spPr>
-            <p:style>
-              <a:lnRef idx="0">
-                <a:scrgbClr r="0" g="0" b="0"/>
-              </a:lnRef>
-              <a:fillRef idx="0">
-                <a:scrgbClr r="0" g="0" b="0"/>
-              </a:fillRef>
-              <a:effectRef idx="0">
-                <a:scrgbClr r="0" g="0" b="0"/>
-              </a:effectRef>
-              <a:fontRef idx="minor">
-                <a:schemeClr val="lt1"/>
-              </a:fontRef>
-            </p:style>
-            <p:txBody>
-              <a:bodyPr spcFirstLastPara="0" vert="horz" wrap="square" lIns="99568" tIns="99568" rIns="99568" bIns="99568" numCol="1" spcCol="1270" anchor="ctr" anchorCtr="0">
-                <a:noAutofit/>
-              </a:bodyPr>
-              <a:lstStyle/>
-              <a:p>
-                <a:pPr lvl="0" algn="ctr" defTabSz="622300">
-                  <a:lnSpc>
-                    <a:spcPct val="90000"/>
-                  </a:lnSpc>
-                  <a:spcBef>
-                    <a:spcPct val="0"/>
-                  </a:spcBef>
-                  <a:spcAft>
-                    <a:spcPct val="35000"/>
-                  </a:spcAft>
-                </a:pPr>
-                <a:r>
-                  <a:rPr lang="en-US" sz="900" b="1" kern="1200" dirty="0" smtClean="0">
-                    <a:solidFill>
-                      <a:srgbClr val="FF0000"/>
-                    </a:solidFill>
-                  </a:rPr>
-                  <a:t>CITY NOT VERIFIED IN STATES</a:t>
-                </a:r>
-              </a:p>
-              <a:p>
-                <a:pPr lvl="0" algn="ctr" defTabSz="622300">
-                  <a:lnSpc>
-                    <a:spcPct val="90000"/>
-                  </a:lnSpc>
-                  <a:spcBef>
-                    <a:spcPct val="0"/>
-                  </a:spcBef>
-                  <a:spcAft>
-                    <a:spcPct val="35000"/>
-                  </a:spcAft>
-                </a:pPr>
-                <a:r>
-                  <a:rPr lang="en-US" sz="900" kern="1200" dirty="0" smtClean="0"/>
-                  <a:t> *Raise Error*</a:t>
-                </a:r>
-                <a:endParaRPr lang="en-US" sz="900" kern="1200" dirty="0"/>
-              </a:p>
-            </p:txBody>
-          </p:sp>
-        </p:grpSp>
-        <p:grpSp>
-          <p:nvGrpSpPr>
-            <p:cNvPr id="50" name="Group 49"/>
-            <p:cNvGrpSpPr/>
-            <p:nvPr/>
-          </p:nvGrpSpPr>
-          <p:grpSpPr>
-            <a:xfrm>
-              <a:off x="4440292" y="1567067"/>
-              <a:ext cx="1797843" cy="1078706"/>
-              <a:chOff x="1043404" y="1492646"/>
-              <a:chExt cx="1797843" cy="1078706"/>
-            </a:xfrm>
-          </p:grpSpPr>
-          <p:sp>
-            <p:nvSpPr>
-              <p:cNvPr id="51" name="Rectangle 50"/>
-              <p:cNvSpPr/>
-              <p:nvPr/>
-            </p:nvSpPr>
-            <p:spPr>
-              <a:xfrm>
-                <a:off x="1043404" y="1492646"/>
-                <a:ext cx="1797843" cy="1078706"/>
-              </a:xfrm>
-              <a:prstGeom prst="rect">
-                <a:avLst/>
-              </a:prstGeom>
-            </p:spPr>
-            <p:style>
-              <a:lnRef idx="0">
-                <a:schemeClr val="lt1">
-                  <a:hueOff val="0"/>
-                  <a:satOff val="0"/>
-                  <a:lumOff val="0"/>
-                  <a:alphaOff val="0"/>
-                </a:schemeClr>
-              </a:lnRef>
-              <a:fillRef idx="3">
-                <a:schemeClr val="accent1">
-                  <a:hueOff val="0"/>
-                  <a:satOff val="0"/>
-                  <a:lumOff val="0"/>
-                  <a:alphaOff val="0"/>
-                </a:schemeClr>
-              </a:fillRef>
-              <a:effectRef idx="2">
-                <a:schemeClr val="accent1">
-                  <a:hueOff val="0"/>
-                  <a:satOff val="0"/>
-                  <a:lumOff val="0"/>
-                  <a:alphaOff val="0"/>
-                </a:schemeClr>
-              </a:effectRef>
-              <a:fontRef idx="minor">
-                <a:schemeClr val="lt1"/>
-              </a:fontRef>
-            </p:style>
-          </p:sp>
-          <p:sp>
-            <p:nvSpPr>
-              <p:cNvPr id="52" name="Rectangle 51"/>
-              <p:cNvSpPr/>
-              <p:nvPr/>
-            </p:nvSpPr>
-            <p:spPr>
-              <a:xfrm>
-                <a:off x="1043404" y="1492646"/>
-                <a:ext cx="1797843" cy="1078706"/>
-              </a:xfrm>
-              <a:prstGeom prst="rect">
-                <a:avLst/>
-              </a:prstGeom>
-            </p:spPr>
-            <p:style>
-              <a:lnRef idx="0">
-                <a:scrgbClr r="0" g="0" b="0"/>
-              </a:lnRef>
-              <a:fillRef idx="0">
-                <a:scrgbClr r="0" g="0" b="0"/>
-              </a:fillRef>
-              <a:effectRef idx="0">
-                <a:scrgbClr r="0" g="0" b="0"/>
-              </a:effectRef>
-              <a:fontRef idx="minor">
-                <a:schemeClr val="lt1"/>
-              </a:fontRef>
-            </p:style>
-            <p:txBody>
-              <a:bodyPr spcFirstLastPara="0" vert="horz" wrap="square" lIns="99568" tIns="99568" rIns="99568" bIns="99568" numCol="1" spcCol="1270" anchor="ctr" anchorCtr="0">
-                <a:noAutofit/>
-              </a:bodyPr>
-              <a:lstStyle/>
-              <a:p>
-                <a:pPr lvl="0" algn="ctr" defTabSz="622300">
-                  <a:lnSpc>
-                    <a:spcPct val="90000"/>
-                  </a:lnSpc>
-                  <a:spcBef>
-                    <a:spcPct val="0"/>
-                  </a:spcBef>
-                  <a:spcAft>
-                    <a:spcPct val="35000"/>
-                  </a:spcAft>
-                </a:pPr>
-                <a:r>
-                  <a:rPr lang="en-US" sz="900" b="1" dirty="0" smtClean="0">
-                    <a:solidFill>
-                      <a:srgbClr val="92D050"/>
-                    </a:solidFill>
-                  </a:rPr>
-                  <a:t>CITY VERIFIED IN STATES</a:t>
-                </a:r>
-                <a:endParaRPr lang="en-US" sz="900" b="1" kern="1200" dirty="0" smtClean="0">
-                  <a:solidFill>
-                    <a:srgbClr val="92D050"/>
-                  </a:solidFill>
-                </a:endParaRPr>
-              </a:p>
-              <a:p>
-                <a:pPr lvl="0" algn="ctr" defTabSz="622300">
-                  <a:lnSpc>
-                    <a:spcPct val="90000"/>
-                  </a:lnSpc>
-                  <a:spcBef>
-                    <a:spcPct val="0"/>
-                  </a:spcBef>
-                  <a:spcAft>
-                    <a:spcPct val="35000"/>
-                  </a:spcAft>
-                </a:pPr>
-                <a:r>
-                  <a:rPr lang="en-US" sz="700" dirty="0" smtClean="0"/>
-                  <a:t>*Proceed to identify city longitude and altitude*</a:t>
-                </a:r>
-                <a:endParaRPr lang="en-US" sz="700" kern="1200" dirty="0"/>
-              </a:p>
-            </p:txBody>
-          </p:sp>
-        </p:grpSp>
-        <p:cxnSp>
-          <p:nvCxnSpPr>
-            <p:cNvPr id="57" name="Straight Arrow Connector 56"/>
-            <p:cNvCxnSpPr>
-              <a:stCxn id="47" idx="1"/>
-              <a:endCxn id="42" idx="3"/>
-            </p:cNvCxnSpPr>
-            <p:nvPr/>
-          </p:nvCxnSpPr>
-          <p:spPr>
-            <a:xfrm flipH="1" flipV="1">
-              <a:off x="1905285" y="3519371"/>
-              <a:ext cx="370246" cy="816"/>
-            </a:xfrm>
-            <a:prstGeom prst="straightConnector1">
-              <a:avLst/>
-            </a:prstGeom>
-            <a:ln>
-              <a:solidFill>
-                <a:srgbClr val="FF0000"/>
-              </a:solidFill>
-              <a:tailEnd type="triangle"/>
-            </a:ln>
-          </p:spPr>
-          <p:style>
-            <a:lnRef idx="2">
-              <a:schemeClr val="accent1"/>
-            </a:lnRef>
-            <a:fillRef idx="0">
-              <a:schemeClr val="accent1"/>
-            </a:fillRef>
-            <a:effectRef idx="1">
-              <a:schemeClr val="accent1"/>
-            </a:effectRef>
-            <a:fontRef idx="minor">
-              <a:schemeClr val="tx1"/>
-            </a:fontRef>
-          </p:style>
-        </p:cxnSp>
-        <p:cxnSp>
-          <p:nvCxnSpPr>
-            <p:cNvPr id="61" name="Straight Arrow Connector 60"/>
-            <p:cNvCxnSpPr>
-              <a:stCxn id="42" idx="1"/>
-            </p:cNvCxnSpPr>
-            <p:nvPr/>
-          </p:nvCxnSpPr>
-          <p:spPr>
-            <a:xfrm flipH="1">
-              <a:off x="-1147407" y="3519371"/>
-              <a:ext cx="1254849" cy="0"/>
-            </a:xfrm>
-            <a:prstGeom prst="straightConnector1">
-              <a:avLst/>
-            </a:prstGeom>
-            <a:ln>
-              <a:solidFill>
-                <a:srgbClr val="FF0000"/>
-              </a:solidFill>
-              <a:tailEnd type="triangle"/>
-            </a:ln>
-          </p:spPr>
-          <p:style>
-            <a:lnRef idx="2">
-              <a:schemeClr val="accent1"/>
-            </a:lnRef>
-            <a:fillRef idx="0">
-              <a:schemeClr val="accent1"/>
-            </a:fillRef>
-            <a:effectRef idx="1">
-              <a:schemeClr val="accent1"/>
-            </a:effectRef>
-            <a:fontRef idx="minor">
-              <a:schemeClr val="tx1"/>
-            </a:fontRef>
-          </p:style>
-        </p:cxnSp>
-        <p:grpSp>
-          <p:nvGrpSpPr>
-            <p:cNvPr id="64" name="Group 63"/>
-            <p:cNvGrpSpPr/>
-            <p:nvPr/>
-          </p:nvGrpSpPr>
-          <p:grpSpPr>
-            <a:xfrm>
-              <a:off x="105780" y="4391202"/>
-              <a:ext cx="1797843" cy="1078706"/>
-              <a:chOff x="3254752" y="436"/>
-              <a:chExt cx="1797843" cy="1078706"/>
-            </a:xfrm>
-          </p:grpSpPr>
-          <p:sp>
-            <p:nvSpPr>
-              <p:cNvPr id="65" name="Rectangle 64"/>
-              <p:cNvSpPr/>
-              <p:nvPr/>
-            </p:nvSpPr>
-            <p:spPr>
-              <a:xfrm>
-                <a:off x="3254752" y="436"/>
-                <a:ext cx="1797843" cy="1078706"/>
-              </a:xfrm>
-              <a:prstGeom prst="rect">
-                <a:avLst/>
-              </a:prstGeom>
-            </p:spPr>
-            <p:style>
-              <a:lnRef idx="0">
-                <a:schemeClr val="lt1">
-                  <a:hueOff val="0"/>
-                  <a:satOff val="0"/>
-                  <a:lumOff val="0"/>
-                  <a:alphaOff val="0"/>
-                </a:schemeClr>
-              </a:lnRef>
-              <a:fillRef idx="3">
-                <a:schemeClr val="accent1">
-                  <a:hueOff val="0"/>
-                  <a:satOff val="0"/>
-                  <a:lumOff val="0"/>
-                  <a:alphaOff val="0"/>
-                </a:schemeClr>
-              </a:fillRef>
-              <a:effectRef idx="2">
-                <a:schemeClr val="accent1">
-                  <a:hueOff val="0"/>
-                  <a:satOff val="0"/>
-                  <a:lumOff val="0"/>
-                  <a:alphaOff val="0"/>
-                </a:schemeClr>
-              </a:effectRef>
-              <a:fontRef idx="minor">
-                <a:schemeClr val="lt1"/>
-              </a:fontRef>
-            </p:style>
-          </p:sp>
-          <p:sp>
-            <p:nvSpPr>
-              <p:cNvPr id="66" name="Rectangle 65"/>
-              <p:cNvSpPr/>
-              <p:nvPr/>
-            </p:nvSpPr>
-            <p:spPr>
-              <a:xfrm>
-                <a:off x="3254752" y="436"/>
-                <a:ext cx="1797843" cy="1078706"/>
-              </a:xfrm>
-              <a:prstGeom prst="rect">
-                <a:avLst/>
-              </a:prstGeom>
-            </p:spPr>
-            <p:style>
-              <a:lnRef idx="0">
-                <a:scrgbClr r="0" g="0" b="0"/>
-              </a:lnRef>
-              <a:fillRef idx="0">
-                <a:scrgbClr r="0" g="0" b="0"/>
-              </a:fillRef>
-              <a:effectRef idx="0">
-                <a:scrgbClr r="0" g="0" b="0"/>
-              </a:effectRef>
-              <a:fontRef idx="minor">
-                <a:schemeClr val="lt1"/>
-              </a:fontRef>
-            </p:style>
-            <p:txBody>
-              <a:bodyPr spcFirstLastPara="0" vert="horz" wrap="square" lIns="99568" tIns="99568" rIns="99568" bIns="99568" numCol="1" spcCol="1270" anchor="ctr" anchorCtr="0">
-                <a:noAutofit/>
-              </a:bodyPr>
-              <a:lstStyle/>
-              <a:p>
-                <a:pPr lvl="0" algn="ctr" defTabSz="622300">
-                  <a:lnSpc>
-                    <a:spcPct val="90000"/>
-                  </a:lnSpc>
-                  <a:spcBef>
-                    <a:spcPct val="0"/>
-                  </a:spcBef>
-                  <a:spcAft>
-                    <a:spcPct val="35000"/>
-                  </a:spcAft>
-                </a:pPr>
-                <a:r>
-                  <a:rPr lang="en-US" sz="1000" b="1" kern="1200" dirty="0" smtClean="0">
-                    <a:solidFill>
-                      <a:srgbClr val="FF0000"/>
-                    </a:solidFill>
-                  </a:rPr>
-                  <a:t>RETURN</a:t>
-                </a:r>
-              </a:p>
-              <a:p>
-                <a:pPr lvl="0" algn="ctr" defTabSz="622300">
-                  <a:lnSpc>
-                    <a:spcPct val="90000"/>
-                  </a:lnSpc>
-                  <a:spcBef>
-                    <a:spcPct val="0"/>
-                  </a:spcBef>
-                  <a:spcAft>
-                    <a:spcPct val="35000"/>
-                  </a:spcAft>
-                </a:pPr>
-                <a:r>
-                  <a:rPr lang="en-US" sz="800" kern="1200" dirty="0" smtClean="0"/>
-                  <a:t> *list of closest city location (within certain mileage)*</a:t>
-                </a:r>
-                <a:endParaRPr lang="en-US" sz="800" kern="1200" dirty="0"/>
-              </a:p>
-            </p:txBody>
-          </p:sp>
-        </p:grpSp>
-        <p:cxnSp>
-          <p:nvCxnSpPr>
-            <p:cNvPr id="67" name="Straight Arrow Connector 66"/>
-            <p:cNvCxnSpPr>
-              <a:stCxn id="10" idx="2"/>
-            </p:cNvCxnSpPr>
-            <p:nvPr/>
-          </p:nvCxnSpPr>
-          <p:spPr>
-            <a:xfrm>
-              <a:off x="-1160059" y="2647539"/>
-              <a:ext cx="0" cy="3737105"/>
-            </a:xfrm>
-            <a:prstGeom prst="straightConnector1">
-              <a:avLst/>
-            </a:prstGeom>
-            <a:ln>
-              <a:solidFill>
-                <a:srgbClr val="002060"/>
-              </a:solidFill>
-              <a:tailEnd type="triangle"/>
-            </a:ln>
-          </p:spPr>
-          <p:style>
-            <a:lnRef idx="2">
-              <a:schemeClr val="accent1"/>
-            </a:lnRef>
-            <a:fillRef idx="0">
-              <a:schemeClr val="accent1"/>
-            </a:fillRef>
-            <a:effectRef idx="1">
-              <a:schemeClr val="accent1"/>
-            </a:effectRef>
-            <a:fontRef idx="minor">
-              <a:schemeClr val="tx1"/>
-            </a:fontRef>
-          </p:style>
-        </p:cxnSp>
-        <p:cxnSp>
-          <p:nvCxnSpPr>
-            <p:cNvPr id="70" name="Straight Arrow Connector 69"/>
-            <p:cNvCxnSpPr/>
-            <p:nvPr/>
-          </p:nvCxnSpPr>
-          <p:spPr>
-            <a:xfrm>
-              <a:off x="-1160060" y="6384644"/>
-              <a:ext cx="1267502" cy="0"/>
-            </a:xfrm>
-            <a:prstGeom prst="straightConnector1">
-              <a:avLst/>
-            </a:prstGeom>
-            <a:ln>
-              <a:solidFill>
-                <a:srgbClr val="00B050"/>
-              </a:solidFill>
-              <a:tailEnd type="triangle"/>
-            </a:ln>
-          </p:spPr>
-          <p:style>
-            <a:lnRef idx="2">
-              <a:schemeClr val="accent1"/>
-            </a:lnRef>
-            <a:fillRef idx="0">
-              <a:schemeClr val="accent1"/>
-            </a:fillRef>
-            <a:effectRef idx="1">
-              <a:schemeClr val="accent1"/>
-            </a:effectRef>
-            <a:fontRef idx="minor">
-              <a:schemeClr val="tx1"/>
-            </a:fontRef>
-          </p:style>
-        </p:cxnSp>
-        <p:cxnSp>
-          <p:nvCxnSpPr>
-            <p:cNvPr id="103" name="Straight Arrow Connector 102"/>
-            <p:cNvCxnSpPr>
-              <a:stCxn id="132" idx="2"/>
-              <a:endCxn id="152" idx="0"/>
-            </p:cNvCxnSpPr>
-            <p:nvPr/>
-          </p:nvCxnSpPr>
-          <p:spPr>
-            <a:xfrm>
-              <a:off x="7503973" y="2645773"/>
-              <a:ext cx="0" cy="1747196"/>
-            </a:xfrm>
-            <a:prstGeom prst="straightConnector1">
-              <a:avLst/>
-            </a:prstGeom>
-            <a:ln>
-              <a:solidFill>
-                <a:srgbClr val="FF0000"/>
-              </a:solidFill>
-              <a:tailEnd type="triangle"/>
-            </a:ln>
-          </p:spPr>
-          <p:style>
-            <a:lnRef idx="2">
-              <a:schemeClr val="accent1"/>
-            </a:lnRef>
-            <a:fillRef idx="0">
-              <a:schemeClr val="accent1"/>
-            </a:fillRef>
-            <a:effectRef idx="1">
-              <a:schemeClr val="accent1"/>
-            </a:effectRef>
-            <a:fontRef idx="minor">
-              <a:schemeClr val="tx1"/>
-            </a:fontRef>
-          </p:style>
-        </p:cxnSp>
-        <p:cxnSp>
-          <p:nvCxnSpPr>
-            <p:cNvPr id="118" name="Straight Arrow Connector 117"/>
-            <p:cNvCxnSpPr>
-              <a:endCxn id="142" idx="2"/>
-            </p:cNvCxnSpPr>
-            <p:nvPr/>
-          </p:nvCxnSpPr>
-          <p:spPr>
-            <a:xfrm flipV="1">
-              <a:off x="9668732" y="2645773"/>
-              <a:ext cx="3331" cy="3738871"/>
-            </a:xfrm>
-            <a:prstGeom prst="straightConnector1">
-              <a:avLst/>
-            </a:prstGeom>
-            <a:ln>
-              <a:solidFill>
-                <a:srgbClr val="00B050"/>
-              </a:solidFill>
-              <a:tailEnd type="triangle"/>
-            </a:ln>
-          </p:spPr>
-          <p:style>
-            <a:lnRef idx="2">
-              <a:schemeClr val="accent1"/>
-            </a:lnRef>
-            <a:fillRef idx="0">
-              <a:schemeClr val="accent1"/>
-            </a:fillRef>
-            <a:effectRef idx="1">
-              <a:schemeClr val="accent1"/>
-            </a:effectRef>
-            <a:fontRef idx="minor">
-              <a:schemeClr val="tx1"/>
-            </a:fontRef>
-          </p:style>
-        </p:cxnSp>
-        <p:cxnSp>
-          <p:nvCxnSpPr>
-            <p:cNvPr id="123" name="Straight Arrow Connector 122"/>
-            <p:cNvCxnSpPr>
-              <a:stCxn id="16" idx="2"/>
-              <a:endCxn id="47" idx="0"/>
-            </p:cNvCxnSpPr>
-            <p:nvPr/>
-          </p:nvCxnSpPr>
-          <p:spPr>
-            <a:xfrm>
-              <a:off x="3174453" y="2645773"/>
-              <a:ext cx="0" cy="335061"/>
-            </a:xfrm>
-            <a:prstGeom prst="straightConnector1">
-              <a:avLst/>
-            </a:prstGeom>
-            <a:ln>
-              <a:solidFill>
-                <a:srgbClr val="FF0000"/>
-              </a:solidFill>
-              <a:tailEnd type="triangle"/>
-            </a:ln>
-          </p:spPr>
-          <p:style>
-            <a:lnRef idx="2">
-              <a:schemeClr val="accent1"/>
-            </a:lnRef>
-            <a:fillRef idx="0">
-              <a:schemeClr val="accent1"/>
-            </a:fillRef>
-            <a:effectRef idx="1">
-              <a:schemeClr val="accent1"/>
-            </a:effectRef>
-            <a:fontRef idx="minor">
-              <a:schemeClr val="tx1"/>
-            </a:fontRef>
-          </p:style>
-        </p:cxnSp>
-        <p:grpSp>
-          <p:nvGrpSpPr>
-            <p:cNvPr id="131" name="Group 130"/>
-            <p:cNvGrpSpPr/>
-            <p:nvPr/>
-          </p:nvGrpSpPr>
-          <p:grpSpPr>
-            <a:xfrm>
-              <a:off x="6605051" y="1567067"/>
-              <a:ext cx="1797843" cy="1078706"/>
-              <a:chOff x="1043404" y="1492646"/>
-              <a:chExt cx="1797843" cy="1078706"/>
-            </a:xfrm>
-          </p:grpSpPr>
-          <p:sp>
-            <p:nvSpPr>
-              <p:cNvPr id="132" name="Rectangle 131"/>
-              <p:cNvSpPr/>
-              <p:nvPr/>
-            </p:nvSpPr>
-            <p:spPr>
-              <a:xfrm>
-                <a:off x="1043404" y="1492646"/>
-                <a:ext cx="1797843" cy="1078706"/>
-              </a:xfrm>
-              <a:prstGeom prst="rect">
-                <a:avLst/>
-              </a:prstGeom>
-            </p:spPr>
-            <p:style>
-              <a:lnRef idx="0">
-                <a:schemeClr val="lt1">
-                  <a:hueOff val="0"/>
-                  <a:satOff val="0"/>
-                  <a:lumOff val="0"/>
-                  <a:alphaOff val="0"/>
-                </a:schemeClr>
-              </a:lnRef>
-              <a:fillRef idx="3">
-                <a:schemeClr val="accent1">
-                  <a:hueOff val="0"/>
-                  <a:satOff val="0"/>
-                  <a:lumOff val="0"/>
-                  <a:alphaOff val="0"/>
-                </a:schemeClr>
-              </a:fillRef>
-              <a:effectRef idx="2">
-                <a:schemeClr val="accent1">
-                  <a:hueOff val="0"/>
-                  <a:satOff val="0"/>
-                  <a:lumOff val="0"/>
-                  <a:alphaOff val="0"/>
-                </a:schemeClr>
-              </a:effectRef>
-              <a:fontRef idx="minor">
-                <a:schemeClr val="lt1"/>
-              </a:fontRef>
-            </p:style>
-          </p:sp>
-          <p:sp>
-            <p:nvSpPr>
-              <p:cNvPr id="133" name="Rectangle 132"/>
-              <p:cNvSpPr/>
-              <p:nvPr/>
-            </p:nvSpPr>
-            <p:spPr>
-              <a:xfrm>
-                <a:off x="1043404" y="1492646"/>
-                <a:ext cx="1797843" cy="1078706"/>
-              </a:xfrm>
-              <a:prstGeom prst="rect">
-                <a:avLst/>
-              </a:prstGeom>
-            </p:spPr>
-            <p:style>
-              <a:lnRef idx="0">
-                <a:scrgbClr r="0" g="0" b="0"/>
-              </a:lnRef>
-              <a:fillRef idx="0">
-                <a:scrgbClr r="0" g="0" b="0"/>
-              </a:fillRef>
-              <a:effectRef idx="0">
-                <a:scrgbClr r="0" g="0" b="0"/>
-              </a:effectRef>
-              <a:fontRef idx="minor">
-                <a:schemeClr val="lt1"/>
-              </a:fontRef>
-            </p:style>
-            <p:txBody>
-              <a:bodyPr spcFirstLastPara="0" vert="horz" wrap="square" lIns="99568" tIns="99568" rIns="99568" bIns="99568" numCol="1" spcCol="1270" anchor="ctr" anchorCtr="0">
-                <a:noAutofit/>
-              </a:bodyPr>
-              <a:lstStyle/>
-              <a:p>
-                <a:pPr lvl="0" algn="ctr" defTabSz="622300">
-                  <a:lnSpc>
-                    <a:spcPct val="90000"/>
-                  </a:lnSpc>
-                  <a:spcBef>
-                    <a:spcPct val="0"/>
-                  </a:spcBef>
-                  <a:spcAft>
-                    <a:spcPct val="35000"/>
-                  </a:spcAft>
-                </a:pPr>
-                <a:r>
-                  <a:rPr lang="en-US" sz="1100" b="1" kern="1200" dirty="0" smtClean="0">
-                    <a:solidFill>
-                      <a:schemeClr val="bg2"/>
-                    </a:solidFill>
-                  </a:rPr>
-                  <a:t>SEARCH</a:t>
-                </a:r>
-              </a:p>
-              <a:p>
-                <a:pPr lvl="0" algn="ctr" defTabSz="622300">
-                  <a:lnSpc>
-                    <a:spcPct val="90000"/>
-                  </a:lnSpc>
-                  <a:spcBef>
-                    <a:spcPct val="0"/>
-                  </a:spcBef>
-                  <a:spcAft>
-                    <a:spcPct val="35000"/>
-                  </a:spcAft>
-                </a:pPr>
-                <a:r>
-                  <a:rPr lang="en-US" sz="900" kern="1200" dirty="0" smtClean="0"/>
-                  <a:t>*user-input city’s related database* </a:t>
-                </a:r>
-                <a:endParaRPr lang="en-US" sz="900" kern="1200" dirty="0"/>
-              </a:p>
-            </p:txBody>
-          </p:sp>
-        </p:grpSp>
-        <p:cxnSp>
-          <p:nvCxnSpPr>
-            <p:cNvPr id="134" name="Straight Arrow Connector 133"/>
-            <p:cNvCxnSpPr>
-              <a:stCxn id="51" idx="3"/>
-              <a:endCxn id="132" idx="1"/>
-            </p:cNvCxnSpPr>
-            <p:nvPr/>
-          </p:nvCxnSpPr>
-          <p:spPr>
-            <a:xfrm>
-              <a:off x="6238135" y="2106420"/>
-              <a:ext cx="366916" cy="0"/>
-            </a:xfrm>
-            <a:prstGeom prst="straightConnector1">
-              <a:avLst/>
-            </a:prstGeom>
-            <a:ln>
-              <a:solidFill>
-                <a:srgbClr val="00B050"/>
-              </a:solidFill>
-              <a:tailEnd type="triangle"/>
-            </a:ln>
-          </p:spPr>
-          <p:style>
-            <a:lnRef idx="2">
-              <a:schemeClr val="accent1"/>
-            </a:lnRef>
-            <a:fillRef idx="0">
-              <a:schemeClr val="accent1"/>
-            </a:fillRef>
-            <a:effectRef idx="1">
-              <a:schemeClr val="accent1"/>
-            </a:effectRef>
-            <a:fontRef idx="minor">
-              <a:schemeClr val="tx1"/>
-            </a:fontRef>
-          </p:style>
-        </p:cxnSp>
-        <p:grpSp>
-          <p:nvGrpSpPr>
-            <p:cNvPr id="141" name="Group 140"/>
-            <p:cNvGrpSpPr/>
-            <p:nvPr/>
-          </p:nvGrpSpPr>
-          <p:grpSpPr>
-            <a:xfrm>
-              <a:off x="8773141" y="1567067"/>
-              <a:ext cx="1797843" cy="1078706"/>
-              <a:chOff x="1043404" y="1492646"/>
-              <a:chExt cx="1797843" cy="1078706"/>
-            </a:xfrm>
-          </p:grpSpPr>
-          <p:sp>
-            <p:nvSpPr>
-              <p:cNvPr id="142" name="Rectangle 141"/>
-              <p:cNvSpPr/>
-              <p:nvPr/>
-            </p:nvSpPr>
-            <p:spPr>
-              <a:xfrm>
-                <a:off x="1043404" y="1492646"/>
-                <a:ext cx="1797843" cy="1078706"/>
-              </a:xfrm>
-              <a:prstGeom prst="rect">
-                <a:avLst/>
-              </a:prstGeom>
-            </p:spPr>
-            <p:style>
-              <a:lnRef idx="0">
-                <a:schemeClr val="lt1">
-                  <a:hueOff val="0"/>
-                  <a:satOff val="0"/>
-                  <a:lumOff val="0"/>
-                  <a:alphaOff val="0"/>
-                </a:schemeClr>
-              </a:lnRef>
-              <a:fillRef idx="3">
-                <a:schemeClr val="accent1">
-                  <a:hueOff val="0"/>
-                  <a:satOff val="0"/>
-                  <a:lumOff val="0"/>
-                  <a:alphaOff val="0"/>
-                </a:schemeClr>
-              </a:fillRef>
-              <a:effectRef idx="2">
-                <a:schemeClr val="accent1">
-                  <a:hueOff val="0"/>
-                  <a:satOff val="0"/>
-                  <a:lumOff val="0"/>
-                  <a:alphaOff val="0"/>
-                </a:schemeClr>
-              </a:effectRef>
-              <a:fontRef idx="minor">
-                <a:schemeClr val="lt1"/>
-              </a:fontRef>
-            </p:style>
-          </p:sp>
-          <p:sp>
-            <p:nvSpPr>
-              <p:cNvPr id="143" name="Rectangle 142"/>
-              <p:cNvSpPr/>
-              <p:nvPr/>
-            </p:nvSpPr>
-            <p:spPr>
-              <a:xfrm>
-                <a:off x="1043404" y="1492646"/>
-                <a:ext cx="1797843" cy="1078706"/>
-              </a:xfrm>
-              <a:prstGeom prst="rect">
-                <a:avLst/>
-              </a:prstGeom>
-            </p:spPr>
-            <p:style>
-              <a:lnRef idx="0">
-                <a:scrgbClr r="0" g="0" b="0"/>
-              </a:lnRef>
-              <a:fillRef idx="0">
-                <a:scrgbClr r="0" g="0" b="0"/>
-              </a:fillRef>
-              <a:effectRef idx="0">
-                <a:scrgbClr r="0" g="0" b="0"/>
-              </a:effectRef>
-              <a:fontRef idx="minor">
-                <a:schemeClr val="lt1"/>
-              </a:fontRef>
-            </p:style>
-            <p:txBody>
-              <a:bodyPr spcFirstLastPara="0" vert="horz" wrap="square" lIns="99568" tIns="99568" rIns="99568" bIns="99568" numCol="1" spcCol="1270" anchor="ctr" anchorCtr="0">
-                <a:noAutofit/>
-              </a:bodyPr>
-              <a:lstStyle/>
-              <a:p>
-                <a:pPr lvl="0" algn="ctr" defTabSz="622300">
-                  <a:lnSpc>
-                    <a:spcPct val="90000"/>
-                  </a:lnSpc>
-                  <a:spcBef>
-                    <a:spcPct val="0"/>
-                  </a:spcBef>
-                  <a:spcAft>
-                    <a:spcPct val="35000"/>
-                  </a:spcAft>
-                </a:pPr>
-                <a:r>
-                  <a:rPr lang="en-US" sz="800" b="1" dirty="0" smtClean="0">
-                    <a:solidFill>
-                      <a:srgbClr val="92D050"/>
-                    </a:solidFill>
-                  </a:rPr>
-                  <a:t>CITY INFORMATION IDENTIFIED IN STATES</a:t>
-                </a:r>
-                <a:endParaRPr lang="en-US" sz="800" b="1" kern="1200" dirty="0" smtClean="0">
-                  <a:solidFill>
-                    <a:srgbClr val="92D050"/>
-                  </a:solidFill>
-                </a:endParaRPr>
-              </a:p>
-              <a:p>
-                <a:pPr lvl="0" algn="ctr" defTabSz="622300">
-                  <a:lnSpc>
-                    <a:spcPct val="90000"/>
-                  </a:lnSpc>
-                  <a:spcBef>
-                    <a:spcPct val="0"/>
-                  </a:spcBef>
-                  <a:spcAft>
-                    <a:spcPct val="35000"/>
-                  </a:spcAft>
-                </a:pPr>
-                <a:r>
-                  <a:rPr lang="en-US" sz="800" dirty="0" smtClean="0"/>
-                  <a:t>*Create input parameter matrix*</a:t>
-                </a:r>
-                <a:endParaRPr lang="en-US" sz="800" kern="1200" dirty="0"/>
-              </a:p>
-            </p:txBody>
-          </p:sp>
-        </p:grpSp>
-        <p:cxnSp>
-          <p:nvCxnSpPr>
-            <p:cNvPr id="144" name="Straight Arrow Connector 143"/>
-            <p:cNvCxnSpPr>
-              <a:stCxn id="132" idx="3"/>
-              <a:endCxn id="142" idx="1"/>
-            </p:cNvCxnSpPr>
-            <p:nvPr/>
-          </p:nvCxnSpPr>
-          <p:spPr>
-            <a:xfrm>
-              <a:off x="8402894" y="2106420"/>
-              <a:ext cx="370247" cy="0"/>
-            </a:xfrm>
-            <a:prstGeom prst="straightConnector1">
-              <a:avLst/>
-            </a:prstGeom>
-            <a:ln>
-              <a:solidFill>
-                <a:srgbClr val="00B050"/>
-              </a:solidFill>
-              <a:tailEnd type="triangle"/>
-            </a:ln>
-          </p:spPr>
-          <p:style>
-            <a:lnRef idx="2">
-              <a:schemeClr val="accent1"/>
-            </a:lnRef>
-            <a:fillRef idx="0">
-              <a:schemeClr val="accent1"/>
-            </a:fillRef>
-            <a:effectRef idx="1">
-              <a:schemeClr val="accent1"/>
-            </a:effectRef>
-            <a:fontRef idx="minor">
-              <a:schemeClr val="tx1"/>
-            </a:fontRef>
-          </p:style>
-        </p:cxnSp>
-        <p:grpSp>
-          <p:nvGrpSpPr>
-            <p:cNvPr id="151" name="Group 150"/>
-            <p:cNvGrpSpPr/>
-            <p:nvPr/>
-          </p:nvGrpSpPr>
-          <p:grpSpPr>
-            <a:xfrm>
-              <a:off x="6605051" y="4392969"/>
-              <a:ext cx="1797843" cy="1078706"/>
-              <a:chOff x="3254752" y="436"/>
-              <a:chExt cx="1797843" cy="1078706"/>
-            </a:xfrm>
-          </p:grpSpPr>
-          <p:sp>
-            <p:nvSpPr>
-              <p:cNvPr id="152" name="Rectangle 151"/>
-              <p:cNvSpPr/>
-              <p:nvPr/>
-            </p:nvSpPr>
-            <p:spPr>
-              <a:xfrm>
-                <a:off x="3254752" y="436"/>
-                <a:ext cx="1797843" cy="1078706"/>
-              </a:xfrm>
-              <a:prstGeom prst="rect">
-                <a:avLst/>
-              </a:prstGeom>
-            </p:spPr>
-            <p:style>
-              <a:lnRef idx="0">
-                <a:schemeClr val="lt1">
-                  <a:hueOff val="0"/>
-                  <a:satOff val="0"/>
-                  <a:lumOff val="0"/>
-                  <a:alphaOff val="0"/>
-                </a:schemeClr>
-              </a:lnRef>
-              <a:fillRef idx="3">
-                <a:schemeClr val="accent1">
-                  <a:hueOff val="0"/>
-                  <a:satOff val="0"/>
-                  <a:lumOff val="0"/>
-                  <a:alphaOff val="0"/>
-                </a:schemeClr>
-              </a:fillRef>
-              <a:effectRef idx="2">
-                <a:schemeClr val="accent1">
-                  <a:hueOff val="0"/>
-                  <a:satOff val="0"/>
-                  <a:lumOff val="0"/>
-                  <a:alphaOff val="0"/>
-                </a:schemeClr>
-              </a:effectRef>
-              <a:fontRef idx="minor">
-                <a:schemeClr val="lt1"/>
-              </a:fontRef>
-            </p:style>
-          </p:sp>
-          <p:sp>
-            <p:nvSpPr>
-              <p:cNvPr id="153" name="Rectangle 152"/>
-              <p:cNvSpPr/>
-              <p:nvPr/>
-            </p:nvSpPr>
-            <p:spPr>
-              <a:xfrm>
-                <a:off x="3254752" y="436"/>
-                <a:ext cx="1797843" cy="1078706"/>
-              </a:xfrm>
-              <a:prstGeom prst="rect">
-                <a:avLst/>
-              </a:prstGeom>
-            </p:spPr>
-            <p:style>
-              <a:lnRef idx="0">
-                <a:scrgbClr r="0" g="0" b="0"/>
-              </a:lnRef>
-              <a:fillRef idx="0">
-                <a:scrgbClr r="0" g="0" b="0"/>
-              </a:fillRef>
-              <a:effectRef idx="0">
-                <a:scrgbClr r="0" g="0" b="0"/>
-              </a:effectRef>
-              <a:fontRef idx="minor">
-                <a:schemeClr val="lt1"/>
-              </a:fontRef>
-            </p:style>
-            <p:txBody>
-              <a:bodyPr spcFirstLastPara="0" vert="horz" wrap="square" lIns="99568" tIns="99568" rIns="99568" bIns="99568" numCol="1" spcCol="1270" anchor="ctr" anchorCtr="0">
-                <a:noAutofit/>
-              </a:bodyPr>
-              <a:lstStyle/>
-              <a:p>
-                <a:pPr lvl="0" algn="ctr" defTabSz="622300">
-                  <a:lnSpc>
-                    <a:spcPct val="90000"/>
-                  </a:lnSpc>
-                  <a:spcBef>
-                    <a:spcPct val="0"/>
-                  </a:spcBef>
-                  <a:spcAft>
-                    <a:spcPct val="35000"/>
-                  </a:spcAft>
-                </a:pPr>
-                <a:r>
-                  <a:rPr lang="en-US" sz="900" b="1" kern="1200" dirty="0" smtClean="0">
-                    <a:solidFill>
-                      <a:srgbClr val="FF0000"/>
-                    </a:solidFill>
-                  </a:rPr>
-                  <a:t>CITY INFORMATION NOTIDENTIFIED </a:t>
-                </a:r>
-              </a:p>
-              <a:p>
-                <a:pPr lvl="0" algn="ctr" defTabSz="622300">
-                  <a:lnSpc>
-                    <a:spcPct val="90000"/>
-                  </a:lnSpc>
-                  <a:spcBef>
-                    <a:spcPct val="0"/>
-                  </a:spcBef>
-                  <a:spcAft>
-                    <a:spcPct val="35000"/>
-                  </a:spcAft>
-                </a:pPr>
-                <a:r>
-                  <a:rPr lang="en-US" sz="1000" kern="1200" dirty="0" smtClean="0"/>
-                  <a:t> </a:t>
-                </a:r>
-                <a:r>
-                  <a:rPr lang="en-US" sz="900" kern="1200" dirty="0" smtClean="0"/>
-                  <a:t>*Raise Error*</a:t>
-                </a:r>
-                <a:endParaRPr lang="en-US" sz="900" kern="1200" dirty="0"/>
-              </a:p>
-            </p:txBody>
-          </p:sp>
-        </p:grpSp>
-        <p:cxnSp>
-          <p:nvCxnSpPr>
-            <p:cNvPr id="158" name="Straight Arrow Connector 157"/>
-            <p:cNvCxnSpPr>
-              <a:stCxn id="152" idx="1"/>
-              <a:endCxn id="65" idx="3"/>
-            </p:cNvCxnSpPr>
-            <p:nvPr/>
-          </p:nvCxnSpPr>
-          <p:spPr>
-            <a:xfrm flipH="1" flipV="1">
-              <a:off x="1903623" y="4930555"/>
-              <a:ext cx="4701428" cy="1767"/>
-            </a:xfrm>
-            <a:prstGeom prst="straightConnector1">
-              <a:avLst/>
-            </a:prstGeom>
-            <a:ln>
-              <a:solidFill>
-                <a:srgbClr val="FF0000"/>
-              </a:solidFill>
-              <a:tailEnd type="triangle"/>
-            </a:ln>
-          </p:spPr>
-          <p:style>
-            <a:lnRef idx="2">
-              <a:schemeClr val="accent1"/>
-            </a:lnRef>
-            <a:fillRef idx="0">
-              <a:schemeClr val="accent1"/>
-            </a:fillRef>
-            <a:effectRef idx="1">
-              <a:schemeClr val="accent1"/>
-            </a:effectRef>
-            <a:fontRef idx="minor">
-              <a:schemeClr val="tx1"/>
-            </a:fontRef>
-          </p:style>
-        </p:cxnSp>
-        <p:cxnSp>
-          <p:nvCxnSpPr>
-            <p:cNvPr id="161" name="Straight Arrow Connector 160"/>
-            <p:cNvCxnSpPr>
-              <a:stCxn id="65" idx="1"/>
-            </p:cNvCxnSpPr>
-            <p:nvPr/>
-          </p:nvCxnSpPr>
-          <p:spPr>
-            <a:xfrm flipH="1" flipV="1">
-              <a:off x="-1160060" y="4930554"/>
-              <a:ext cx="1265840" cy="1"/>
-            </a:xfrm>
-            <a:prstGeom prst="straightConnector1">
-              <a:avLst/>
-            </a:prstGeom>
-            <a:ln>
-              <a:solidFill>
-                <a:srgbClr val="FF0000"/>
-              </a:solidFill>
-              <a:tailEnd type="triangle"/>
-            </a:ln>
-          </p:spPr>
-          <p:style>
-            <a:lnRef idx="2">
-              <a:schemeClr val="accent1"/>
-            </a:lnRef>
-            <a:fillRef idx="0">
-              <a:schemeClr val="accent1"/>
-            </a:fillRef>
-            <a:effectRef idx="1">
-              <a:schemeClr val="accent1"/>
-            </a:effectRef>
-            <a:fontRef idx="minor">
-              <a:schemeClr val="tx1"/>
-            </a:fontRef>
-          </p:style>
-        </p:cxnSp>
-        <p:grpSp>
-          <p:nvGrpSpPr>
-            <p:cNvPr id="165" name="Group 164"/>
-            <p:cNvGrpSpPr/>
-            <p:nvPr/>
-          </p:nvGrpSpPr>
-          <p:grpSpPr>
-            <a:xfrm>
-              <a:off x="128497" y="5801127"/>
-              <a:ext cx="1797843" cy="1078706"/>
-              <a:chOff x="3254752" y="436"/>
-              <a:chExt cx="1797843" cy="1078706"/>
-            </a:xfrm>
-          </p:grpSpPr>
-          <p:sp>
-            <p:nvSpPr>
-              <p:cNvPr id="166" name="Rectangle 165"/>
-              <p:cNvSpPr/>
-              <p:nvPr/>
-            </p:nvSpPr>
-            <p:spPr>
-              <a:xfrm>
-                <a:off x="3254752" y="436"/>
-                <a:ext cx="1797843" cy="1078706"/>
-              </a:xfrm>
-              <a:prstGeom prst="rect">
-                <a:avLst/>
-              </a:prstGeom>
-            </p:spPr>
-            <p:style>
-              <a:lnRef idx="0">
-                <a:schemeClr val="lt1">
-                  <a:hueOff val="0"/>
-                  <a:satOff val="0"/>
-                  <a:lumOff val="0"/>
-                  <a:alphaOff val="0"/>
-                </a:schemeClr>
-              </a:lnRef>
-              <a:fillRef idx="3">
-                <a:schemeClr val="accent1">
-                  <a:hueOff val="0"/>
-                  <a:satOff val="0"/>
-                  <a:lumOff val="0"/>
-                  <a:alphaOff val="0"/>
-                </a:schemeClr>
-              </a:fillRef>
-              <a:effectRef idx="2">
-                <a:schemeClr val="accent1">
-                  <a:hueOff val="0"/>
-                  <a:satOff val="0"/>
-                  <a:lumOff val="0"/>
-                  <a:alphaOff val="0"/>
-                </a:schemeClr>
-              </a:effectRef>
-              <a:fontRef idx="minor">
-                <a:schemeClr val="lt1"/>
-              </a:fontRef>
-            </p:style>
-          </p:sp>
-          <p:sp>
-            <p:nvSpPr>
-              <p:cNvPr id="167" name="Rectangle 166"/>
-              <p:cNvSpPr/>
-              <p:nvPr/>
-            </p:nvSpPr>
-            <p:spPr>
-              <a:xfrm>
-                <a:off x="3254752" y="436"/>
-                <a:ext cx="1797843" cy="1078706"/>
-              </a:xfrm>
-              <a:prstGeom prst="rect">
-                <a:avLst/>
-              </a:prstGeom>
-            </p:spPr>
-            <p:style>
-              <a:lnRef idx="0">
-                <a:scrgbClr r="0" g="0" b="0"/>
-              </a:lnRef>
-              <a:fillRef idx="0">
-                <a:scrgbClr r="0" g="0" b="0"/>
-              </a:fillRef>
-              <a:effectRef idx="0">
-                <a:scrgbClr r="0" g="0" b="0"/>
-              </a:effectRef>
-              <a:fontRef idx="minor">
-                <a:schemeClr val="lt1"/>
-              </a:fontRef>
-            </p:style>
-            <p:txBody>
-              <a:bodyPr spcFirstLastPara="0" vert="horz" wrap="square" lIns="99568" tIns="99568" rIns="99568" bIns="99568" numCol="1" spcCol="1270" anchor="ctr" anchorCtr="0">
-                <a:noAutofit/>
-              </a:bodyPr>
-              <a:lstStyle/>
-              <a:p>
-                <a:pPr lvl="0" algn="ctr" defTabSz="622300">
-                  <a:lnSpc>
-                    <a:spcPct val="90000"/>
-                  </a:lnSpc>
-                  <a:spcBef>
-                    <a:spcPct val="0"/>
-                  </a:spcBef>
-                  <a:spcAft>
-                    <a:spcPct val="35000"/>
-                  </a:spcAft>
-                </a:pPr>
-                <a:r>
-                  <a:rPr lang="en-US" sz="1000" b="1" kern="1200" dirty="0" smtClean="0">
-                    <a:solidFill>
-                      <a:srgbClr val="92D050"/>
-                    </a:solidFill>
-                  </a:rPr>
-                  <a:t>USER RETURN</a:t>
-                </a:r>
-              </a:p>
-              <a:p>
-                <a:pPr lvl="0" algn="ctr" defTabSz="622300">
-                  <a:lnSpc>
-                    <a:spcPct val="90000"/>
-                  </a:lnSpc>
-                  <a:spcBef>
-                    <a:spcPct val="0"/>
-                  </a:spcBef>
-                  <a:spcAft>
-                    <a:spcPct val="35000"/>
-                  </a:spcAft>
-                </a:pPr>
-                <a:r>
-                  <a:rPr lang="en-US" sz="1000" kern="1200" dirty="0" smtClean="0"/>
-                  <a:t> *city choice in the return list*</a:t>
-                </a:r>
-                <a:endParaRPr lang="en-US" sz="1000" kern="1200" dirty="0"/>
-              </a:p>
-            </p:txBody>
-          </p:sp>
-        </p:grpSp>
-        <p:cxnSp>
-          <p:nvCxnSpPr>
-            <p:cNvPr id="175" name="Straight Arrow Connector 174"/>
-            <p:cNvCxnSpPr>
-              <a:stCxn id="142" idx="3"/>
-              <a:endCxn id="173" idx="1"/>
-            </p:cNvCxnSpPr>
-            <p:nvPr/>
-          </p:nvCxnSpPr>
-          <p:spPr>
-            <a:xfrm>
-              <a:off x="10570984" y="2106420"/>
-              <a:ext cx="370247" cy="0"/>
-            </a:xfrm>
-            <a:prstGeom prst="straightConnector1">
-              <a:avLst/>
-            </a:prstGeom>
-            <a:ln>
-              <a:solidFill>
-                <a:srgbClr val="00B050"/>
-              </a:solidFill>
-              <a:tailEnd type="triangle"/>
-            </a:ln>
-          </p:spPr>
-          <p:style>
-            <a:lnRef idx="2">
-              <a:schemeClr val="accent1"/>
-            </a:lnRef>
-            <a:fillRef idx="0">
-              <a:schemeClr val="accent1"/>
-            </a:fillRef>
-            <a:effectRef idx="1">
-              <a:schemeClr val="accent1"/>
-            </a:effectRef>
-            <a:fontRef idx="minor">
-              <a:schemeClr val="tx1"/>
-            </a:fontRef>
-          </p:style>
-        </p:cxnSp>
-        <p:grpSp>
-          <p:nvGrpSpPr>
-            <p:cNvPr id="178" name="Group 177"/>
-            <p:cNvGrpSpPr/>
-            <p:nvPr/>
-          </p:nvGrpSpPr>
-          <p:grpSpPr>
-            <a:xfrm>
-              <a:off x="10941231" y="1567067"/>
-              <a:ext cx="1797843" cy="1078706"/>
-              <a:chOff x="1043404" y="1492646"/>
-              <a:chExt cx="1797843" cy="1078706"/>
-            </a:xfrm>
-          </p:grpSpPr>
-          <p:sp>
-            <p:nvSpPr>
-              <p:cNvPr id="179" name="Rectangle 178"/>
-              <p:cNvSpPr/>
-              <p:nvPr/>
-            </p:nvSpPr>
-            <p:spPr>
-              <a:xfrm>
-                <a:off x="1043404" y="1492646"/>
-                <a:ext cx="1797843" cy="1078706"/>
-              </a:xfrm>
-              <a:prstGeom prst="rect">
-                <a:avLst/>
-              </a:prstGeom>
-            </p:spPr>
-            <p:style>
-              <a:lnRef idx="0">
-                <a:schemeClr val="lt1">
-                  <a:hueOff val="0"/>
-                  <a:satOff val="0"/>
-                  <a:lumOff val="0"/>
-                  <a:alphaOff val="0"/>
-                </a:schemeClr>
-              </a:lnRef>
-              <a:fillRef idx="3">
-                <a:schemeClr val="accent1">
-                  <a:hueOff val="0"/>
-                  <a:satOff val="0"/>
-                  <a:lumOff val="0"/>
-                  <a:alphaOff val="0"/>
-                </a:schemeClr>
-              </a:fillRef>
-              <a:effectRef idx="2">
-                <a:schemeClr val="accent1">
-                  <a:hueOff val="0"/>
-                  <a:satOff val="0"/>
-                  <a:lumOff val="0"/>
-                  <a:alphaOff val="0"/>
-                </a:schemeClr>
-              </a:effectRef>
-              <a:fontRef idx="minor">
-                <a:schemeClr val="lt1"/>
-              </a:fontRef>
-            </p:style>
-          </p:sp>
-          <p:sp>
-            <p:nvSpPr>
-              <p:cNvPr id="180" name="Rectangle 179"/>
-              <p:cNvSpPr/>
-              <p:nvPr/>
-            </p:nvSpPr>
-            <p:spPr>
-              <a:xfrm>
-                <a:off x="1043404" y="1492646"/>
-                <a:ext cx="1797843" cy="1078706"/>
-              </a:xfrm>
-              <a:prstGeom prst="rect">
-                <a:avLst/>
-              </a:prstGeom>
-            </p:spPr>
-            <p:style>
-              <a:lnRef idx="0">
-                <a:scrgbClr r="0" g="0" b="0"/>
-              </a:lnRef>
-              <a:fillRef idx="0">
-                <a:scrgbClr r="0" g="0" b="0"/>
-              </a:fillRef>
-              <a:effectRef idx="0">
-                <a:scrgbClr r="0" g="0" b="0"/>
-              </a:effectRef>
-              <a:fontRef idx="minor">
-                <a:schemeClr val="lt1"/>
-              </a:fontRef>
-            </p:style>
-            <p:txBody>
-              <a:bodyPr spcFirstLastPara="0" vert="horz" wrap="square" lIns="99568" tIns="99568" rIns="99568" bIns="99568" numCol="1" spcCol="1270" anchor="ctr" anchorCtr="0">
-                <a:noAutofit/>
-              </a:bodyPr>
-              <a:lstStyle/>
-              <a:p>
-                <a:pPr lvl="0" algn="ctr" defTabSz="622300">
-                  <a:lnSpc>
-                    <a:spcPct val="90000"/>
-                  </a:lnSpc>
-                  <a:spcBef>
-                    <a:spcPct val="0"/>
-                  </a:spcBef>
-                  <a:spcAft>
-                    <a:spcPct val="35000"/>
-                  </a:spcAft>
-                </a:pPr>
-                <a:r>
-                  <a:rPr lang="en-US" sz="1400" b="1" dirty="0" smtClean="0">
-                    <a:solidFill>
-                      <a:schemeClr val="accent3"/>
-                    </a:solidFill>
-                  </a:rPr>
-                  <a:t>PROCEED TO MODEL</a:t>
-                </a:r>
-                <a:endParaRPr lang="en-US" sz="1400" b="1" kern="1200" dirty="0" smtClean="0">
-                  <a:solidFill>
-                    <a:schemeClr val="accent3"/>
-                  </a:solidFill>
-                </a:endParaRPr>
-              </a:p>
-            </p:txBody>
-          </p:sp>
-        </p:grpSp>
-      </p:grpSp>
-    </p:spTree>
-    <p:extLst>
-      <p:ext uri="{BB962C8B-B14F-4D97-AF65-F5344CB8AC3E}">
-        <p14:creationId xmlns:p14="http://schemas.microsoft.com/office/powerpoint/2010/main" val="71043580"/>
-      </p:ext>
-    </p:extLst>
-  </p:cSld>
-  <p:clrMapOvr>
-    <a:masterClrMapping/>
-  </p:clrMapOvr>
-  <mc:AlternateContent xmlns:mc="http://schemas.openxmlformats.org/markup-compatibility/2006">
-    <mc:Choice xmlns:p14="http://schemas.microsoft.com/office/powerpoint/2010/main" Requires="p14">
-      <p:transition spd="slow" p14:dur="2000"/>
-    </mc:Choice>
-    <mc:Fallback>
-      <p:transition spd="slow"/>
-    </mc:Fallback>
-  </mc:AlternateContent>
   <p:timing>
     <p:tnLst>
       <p:par>
@@ -21438,4 +21876,265 @@
   </a:objectDefaults>
   <a:extraClrSchemeLst/>
 </a:theme>
+</file>
+
+<file path=ppt/theme/theme3.xml><?xml version="1.0" encoding="utf-8"?>
+<a:theme xmlns:a="http://schemas.openxmlformats.org/drawingml/2006/main" name="Office Theme">
+  <a:themeElements>
+    <a:clrScheme name="Office">
+      <a:dk1>
+        <a:sysClr val="windowText" lastClr="000000"/>
+      </a:dk1>
+      <a:lt1>
+        <a:sysClr val="window" lastClr="FFFFFF"/>
+      </a:lt1>
+      <a:dk2>
+        <a:srgbClr val="44546A"/>
+      </a:dk2>
+      <a:lt2>
+        <a:srgbClr val="E7E6E6"/>
+      </a:lt2>
+      <a:accent1>
+        <a:srgbClr val="4472C4"/>
+      </a:accent1>
+      <a:accent2>
+        <a:srgbClr val="ED7D31"/>
+      </a:accent2>
+      <a:accent3>
+        <a:srgbClr val="A5A5A5"/>
+      </a:accent3>
+      <a:accent4>
+        <a:srgbClr val="FFC000"/>
+      </a:accent4>
+      <a:accent5>
+        <a:srgbClr val="5B9BD5"/>
+      </a:accent5>
+      <a:accent6>
+        <a:srgbClr val="70AD47"/>
+      </a:accent6>
+      <a:hlink>
+        <a:srgbClr val="0563C1"/>
+      </a:hlink>
+      <a:folHlink>
+        <a:srgbClr val="954F72"/>
+      </a:folHlink>
+    </a:clrScheme>
+    <a:fontScheme name="Office">
+      <a:majorFont>
+        <a:latin typeface="Calibri Light" panose="020F0302020204030204"/>
+        <a:ea typeface=""/>
+        <a:cs typeface=""/>
+        <a:font script="Jpan" typeface="Yu Gothic Light"/>
+        <a:font script="Hang" typeface="맑은 고딕"/>
+        <a:font script="Hans" typeface="DengXian Light"/>
+        <a:font script="Hant" typeface="新細明體"/>
+        <a:font script="Arab" typeface="Times New Roman"/>
+        <a:font script="Hebr" typeface="Times New Roman"/>
+        <a:font script="Thai" typeface="Angsana New"/>
+        <a:font script="Ethi" typeface="Nyala"/>
+        <a:font script="Beng" typeface="Vrinda"/>
+        <a:font script="Gujr" typeface="Shruti"/>
+        <a:font script="Khmr" typeface="MoolBoran"/>
+        <a:font script="Knda" typeface="Tunga"/>
+        <a:font script="Guru" typeface="Raavi"/>
+        <a:font script="Cans" typeface="Euphemia"/>
+        <a:font script="Cher" typeface="Plantagenet Cherokee"/>
+        <a:font script="Yiii" typeface="Microsoft Yi Baiti"/>
+        <a:font script="Tibt" typeface="Microsoft Himalaya"/>
+        <a:font script="Thaa" typeface="MV Boli"/>
+        <a:font script="Deva" typeface="Mangal"/>
+        <a:font script="Telu" typeface="Gautami"/>
+        <a:font script="Taml" typeface="Latha"/>
+        <a:font script="Syrc" typeface="Estrangelo Edessa"/>
+        <a:font script="Orya" typeface="Kalinga"/>
+        <a:font script="Mlym" typeface="Kartika"/>
+        <a:font script="Laoo" typeface="DokChampa"/>
+        <a:font script="Sinh" typeface="Iskoola Pota"/>
+        <a:font script="Mong" typeface="Mongolian Baiti"/>
+        <a:font script="Viet" typeface="Times New Roman"/>
+        <a:font script="Uigh" typeface="Microsoft Uighur"/>
+        <a:font script="Geor" typeface="Sylfaen"/>
+      </a:majorFont>
+      <a:minorFont>
+        <a:latin typeface="Calibri" panose="020F0502020204030204"/>
+        <a:ea typeface=""/>
+        <a:cs typeface=""/>
+        <a:font script="Jpan" typeface="Yu Gothic"/>
+        <a:font script="Hang" typeface="맑은 고딕"/>
+        <a:font script="Hans" typeface="DengXian"/>
+        <a:font script="Hant" typeface="新細明體"/>
+        <a:font script="Arab" typeface="Arial"/>
+        <a:font script="Hebr" typeface="Arial"/>
+        <a:font script="Thai" typeface="Cordia New"/>
+        <a:font script="Ethi" typeface="Nyala"/>
+        <a:font script="Beng" typeface="Vrinda"/>
+        <a:font script="Gujr" typeface="Shruti"/>
+        <a:font script="Khmr" typeface="DaunPenh"/>
+        <a:font script="Knda" typeface="Tunga"/>
+        <a:font script="Guru" typeface="Raavi"/>
+        <a:font script="Cans" typeface="Euphemia"/>
+        <a:font script="Cher" typeface="Plantagenet Cherokee"/>
+        <a:font script="Yiii" typeface="Microsoft Yi Baiti"/>
+        <a:font script="Tibt" typeface="Microsoft Himalaya"/>
+        <a:font script="Thaa" typeface="MV Boli"/>
+        <a:font script="Deva" typeface="Mangal"/>
+        <a:font script="Telu" typeface="Gautami"/>
+        <a:font script="Taml" typeface="Latha"/>
+        <a:font script="Syrc" typeface="Estrangelo Edessa"/>
+        <a:font script="Orya" typeface="Kalinga"/>
+        <a:font script="Mlym" typeface="Kartika"/>
+        <a:font script="Laoo" typeface="DokChampa"/>
+        <a:font script="Sinh" typeface="Iskoola Pota"/>
+        <a:font script="Mong" typeface="Mongolian Baiti"/>
+        <a:font script="Viet" typeface="Arial"/>
+        <a:font script="Uigh" typeface="Microsoft Uighur"/>
+        <a:font script="Geor" typeface="Sylfaen"/>
+      </a:minorFont>
+    </a:fontScheme>
+    <a:fmtScheme name="Office">
+      <a:fillStyleLst>
+        <a:solidFill>
+          <a:schemeClr val="phClr"/>
+        </a:solidFill>
+        <a:gradFill rotWithShape="1">
+          <a:gsLst>
+            <a:gs pos="0">
+              <a:schemeClr val="phClr">
+                <a:lumMod val="110000"/>
+                <a:satMod val="105000"/>
+                <a:tint val="67000"/>
+              </a:schemeClr>
+            </a:gs>
+            <a:gs pos="50000">
+              <a:schemeClr val="phClr">
+                <a:lumMod val="105000"/>
+                <a:satMod val="103000"/>
+                <a:tint val="73000"/>
+              </a:schemeClr>
+            </a:gs>
+            <a:gs pos="100000">
+              <a:schemeClr val="phClr">
+                <a:lumMod val="105000"/>
+                <a:satMod val="109000"/>
+                <a:tint val="81000"/>
+              </a:schemeClr>
+            </a:gs>
+          </a:gsLst>
+          <a:lin ang="5400000" scaled="0"/>
+        </a:gradFill>
+        <a:gradFill rotWithShape="1">
+          <a:gsLst>
+            <a:gs pos="0">
+              <a:schemeClr val="phClr">
+                <a:satMod val="103000"/>
+                <a:lumMod val="102000"/>
+                <a:tint val="94000"/>
+              </a:schemeClr>
+            </a:gs>
+            <a:gs pos="50000">
+              <a:schemeClr val="phClr">
+                <a:satMod val="110000"/>
+                <a:lumMod val="100000"/>
+                <a:shade val="100000"/>
+              </a:schemeClr>
+            </a:gs>
+            <a:gs pos="100000">
+              <a:schemeClr val="phClr">
+                <a:lumMod val="99000"/>
+                <a:satMod val="120000"/>
+                <a:shade val="78000"/>
+              </a:schemeClr>
+            </a:gs>
+          </a:gsLst>
+          <a:lin ang="5400000" scaled="0"/>
+        </a:gradFill>
+      </a:fillStyleLst>
+      <a:lnStyleLst>
+        <a:ln w="6350" cap="flat" cmpd="sng" algn="ctr">
+          <a:solidFill>
+            <a:schemeClr val="phClr"/>
+          </a:solidFill>
+          <a:prstDash val="solid"/>
+          <a:miter lim="800000"/>
+        </a:ln>
+        <a:ln w="12700" cap="flat" cmpd="sng" algn="ctr">
+          <a:solidFill>
+            <a:schemeClr val="phClr"/>
+          </a:solidFill>
+          <a:prstDash val="solid"/>
+          <a:miter lim="800000"/>
+        </a:ln>
+        <a:ln w="19050" cap="flat" cmpd="sng" algn="ctr">
+          <a:solidFill>
+            <a:schemeClr val="phClr"/>
+          </a:solidFill>
+          <a:prstDash val="solid"/>
+          <a:miter lim="800000"/>
+        </a:ln>
+      </a:lnStyleLst>
+      <a:effectStyleLst>
+        <a:effectStyle>
+          <a:effectLst/>
+        </a:effectStyle>
+        <a:effectStyle>
+          <a:effectLst/>
+        </a:effectStyle>
+        <a:effectStyle>
+          <a:effectLst>
+            <a:outerShdw blurRad="57150" dist="19050" dir="5400000" algn="ctr" rotWithShape="0">
+              <a:srgbClr val="000000">
+                <a:alpha val="63000"/>
+              </a:srgbClr>
+            </a:outerShdw>
+          </a:effectLst>
+        </a:effectStyle>
+      </a:effectStyleLst>
+      <a:bgFillStyleLst>
+        <a:solidFill>
+          <a:schemeClr val="phClr"/>
+        </a:solidFill>
+        <a:solidFill>
+          <a:schemeClr val="phClr">
+            <a:tint val="95000"/>
+            <a:satMod val="170000"/>
+          </a:schemeClr>
+        </a:solidFill>
+        <a:gradFill rotWithShape="1">
+          <a:gsLst>
+            <a:gs pos="0">
+              <a:schemeClr val="phClr">
+                <a:tint val="93000"/>
+                <a:satMod val="150000"/>
+                <a:shade val="98000"/>
+                <a:lumMod val="102000"/>
+              </a:schemeClr>
+            </a:gs>
+            <a:gs pos="50000">
+              <a:schemeClr val="phClr">
+                <a:tint val="98000"/>
+                <a:satMod val="130000"/>
+                <a:shade val="90000"/>
+                <a:lumMod val="103000"/>
+              </a:schemeClr>
+            </a:gs>
+            <a:gs pos="100000">
+              <a:schemeClr val="phClr">
+                <a:shade val="63000"/>
+                <a:satMod val="120000"/>
+              </a:schemeClr>
+            </a:gs>
+          </a:gsLst>
+          <a:lin ang="5400000" scaled="0"/>
+        </a:gradFill>
+      </a:bgFillStyleLst>
+    </a:fmtScheme>
+  </a:themeElements>
+  <a:objectDefaults/>
+  <a:extraClrSchemeLst/>
+  <a:extLst>
+    <a:ext uri="{05A4C25C-085E-4340-85A3-A5531E510DB2}">
+      <thm15:themeFamily xmlns:thm15="http://schemas.microsoft.com/office/thememl/2012/main" name="Office Theme" id="{62F939B6-93AF-4DB8-9C6B-D6C7DFDC589F}" vid="{4A3C46E8-61CC-4603-A589-7422A47A8E4A}"/>
+    </a:ext>
+  </a:extLst>
+</a:theme>
 </file>
--- a/Project_Goal/DIRECT_Project_EASE_Tech_Review.pptx
+++ b/Project_Goal/DIRECT_Project_EASE_Tech_Review.pptx
@@ -6,20 +6,21 @@
     <p:sldMasterId id="2147483652" r:id="rId2"/>
   </p:sldMasterIdLst>
   <p:notesMasterIdLst>
-    <p:notesMasterId r:id="rId14"/>
+    <p:notesMasterId r:id="rId15"/>
   </p:notesMasterIdLst>
   <p:sldIdLst>
     <p:sldId id="259" r:id="rId3"/>
-    <p:sldId id="270" r:id="rId4"/>
-    <p:sldId id="268" r:id="rId5"/>
-    <p:sldId id="271" r:id="rId6"/>
-    <p:sldId id="263" r:id="rId7"/>
-    <p:sldId id="275" r:id="rId8"/>
-    <p:sldId id="272" r:id="rId9"/>
-    <p:sldId id="273" r:id="rId10"/>
-    <p:sldId id="274" r:id="rId11"/>
-    <p:sldId id="267" r:id="rId12"/>
-    <p:sldId id="269" r:id="rId13"/>
+    <p:sldId id="276" r:id="rId4"/>
+    <p:sldId id="270" r:id="rId5"/>
+    <p:sldId id="268" r:id="rId6"/>
+    <p:sldId id="271" r:id="rId7"/>
+    <p:sldId id="263" r:id="rId8"/>
+    <p:sldId id="275" r:id="rId9"/>
+    <p:sldId id="272" r:id="rId10"/>
+    <p:sldId id="273" r:id="rId11"/>
+    <p:sldId id="274" r:id="rId12"/>
+    <p:sldId id="267" r:id="rId13"/>
+    <p:sldId id="269" r:id="rId14"/>
   </p:sldIdLst>
   <p:sldSz cx="9144000" cy="6858000" type="screen4x3"/>
   <p:notesSz cx="6858000" cy="9144000"/>
@@ -3192,21 +3193,21 @@
     </dgm:pt>
   </dgm:ptLst>
   <dgm:cxnLst>
-    <dgm:cxn modelId="{3B16C860-E5D3-7A40-AC35-CA5D9FB5DD6C}" type="presOf" srcId="{34750AEB-1DC9-8A4C-841B-AC1C77BD9B2B}" destId="{76018291-0DB4-F94F-9811-398ECCC7EEDA}" srcOrd="0" destOrd="0" presId="urn:microsoft.com/office/officeart/2005/8/layout/radial6"/>
+    <dgm:cxn modelId="{EB630F20-50F4-4D44-B461-242DE361B45B}" srcId="{348EEE4D-FD12-3E49-AD42-E7FABC4954C4}" destId="{C218C2C2-E29D-C84E-AA9C-725B4F937BA2}" srcOrd="3" destOrd="0" parTransId="{1EB03AFD-E3B7-3140-9B69-BD7F5DCE1E77}" sibTransId="{A03C4009-389F-E44E-8D20-A3B47B2E31DF}"/>
+    <dgm:cxn modelId="{4D274D23-A4DC-E248-9AC1-2065F09E063B}" type="presOf" srcId="{A03C4009-389F-E44E-8D20-A3B47B2E31DF}" destId="{FCB049A6-E26F-1B4B-BFE7-5129FD193BF7}" srcOrd="0" destOrd="0" presId="urn:microsoft.com/office/officeart/2005/8/layout/radial6"/>
+    <dgm:cxn modelId="{A2E1A235-39C3-934A-999A-6E7555FC0363}" type="presOf" srcId="{348EEE4D-FD12-3E49-AD42-E7FABC4954C4}" destId="{03265C64-78E9-994B-91CB-FF96DC13CC36}" srcOrd="0" destOrd="0" presId="urn:microsoft.com/office/officeart/2005/8/layout/radial6"/>
     <dgm:cxn modelId="{D521A5B7-54E6-144F-9A74-92FEB918EFF6}" srcId="{348EEE4D-FD12-3E49-AD42-E7FABC4954C4}" destId="{E61537A9-882E-3D48-953C-46D72665484E}" srcOrd="1" destOrd="0" parTransId="{7F56967F-E369-234A-BDE1-EFB081BDE972}" sibTransId="{CD6832D4-81E9-6049-AFCF-E23D65B2898D}"/>
-    <dgm:cxn modelId="{EDC0A967-FA2D-2A47-9964-2572DFB485B5}" srcId="{5D884CAD-E44F-1A4E-980A-C90C793B1CDA}" destId="{348EEE4D-FD12-3E49-AD42-E7FABC4954C4}" srcOrd="0" destOrd="0" parTransId="{DDED78CD-AD4E-824F-AB80-0ADA562F97CE}" sibTransId="{C2C56650-12E1-6D45-8340-C0DE1BAFA940}"/>
     <dgm:cxn modelId="{67FF7432-0539-B540-A1DE-6E338B9F7109}" srcId="{348EEE4D-FD12-3E49-AD42-E7FABC4954C4}" destId="{04BC135A-30FE-EB42-991C-FAFD37800012}" srcOrd="0" destOrd="0" parTransId="{A5120792-5D91-DC44-BA2B-DB27F146B423}" sibTransId="{34750AEB-1DC9-8A4C-841B-AC1C77BD9B2B}"/>
-    <dgm:cxn modelId="{E20E3775-0106-3D42-8282-5F13B4734BE8}" type="presOf" srcId="{04BC135A-30FE-EB42-991C-FAFD37800012}" destId="{F85EB43D-32CD-1549-8DDE-568D4E6EEDBE}" srcOrd="0" destOrd="0" presId="urn:microsoft.com/office/officeart/2005/8/layout/radial6"/>
-    <dgm:cxn modelId="{A2E1A235-39C3-934A-999A-6E7555FC0363}" type="presOf" srcId="{348EEE4D-FD12-3E49-AD42-E7FABC4954C4}" destId="{03265C64-78E9-994B-91CB-FF96DC13CC36}" srcOrd="0" destOrd="0" presId="urn:microsoft.com/office/officeart/2005/8/layout/radial6"/>
-    <dgm:cxn modelId="{4D274D23-A4DC-E248-9AC1-2065F09E063B}" type="presOf" srcId="{A03C4009-389F-E44E-8D20-A3B47B2E31DF}" destId="{FCB049A6-E26F-1B4B-BFE7-5129FD193BF7}" srcOrd="0" destOrd="0" presId="urn:microsoft.com/office/officeart/2005/8/layout/radial6"/>
-    <dgm:cxn modelId="{EB630F20-50F4-4D44-B461-242DE361B45B}" srcId="{348EEE4D-FD12-3E49-AD42-E7FABC4954C4}" destId="{C218C2C2-E29D-C84E-AA9C-725B4F937BA2}" srcOrd="3" destOrd="0" parTransId="{1EB03AFD-E3B7-3140-9B69-BD7F5DCE1E77}" sibTransId="{A03C4009-389F-E44E-8D20-A3B47B2E31DF}"/>
+    <dgm:cxn modelId="{0AC65559-1991-D04B-AB0C-A6F857AC14FD}" type="presOf" srcId="{EA4294AE-B65D-BC4D-80C6-49FB9CC04F98}" destId="{370EBCD1-7178-E04B-A82D-67E8CDF3ECFF}" srcOrd="0" destOrd="0" presId="urn:microsoft.com/office/officeart/2005/8/layout/radial6"/>
+    <dgm:cxn modelId="{0EC61FF0-1BFE-EA49-8F88-AF2F1CE84157}" type="presOf" srcId="{16CD9836-A95E-E546-AB7C-8F6D87914707}" destId="{F41DAA0C-49A0-4A4F-925F-44567BD66B6E}" srcOrd="0" destOrd="0" presId="urn:microsoft.com/office/officeart/2005/8/layout/radial6"/>
     <dgm:cxn modelId="{BA678EB6-E42A-6642-82DE-4D176147E3FC}" srcId="{348EEE4D-FD12-3E49-AD42-E7FABC4954C4}" destId="{16CD9836-A95E-E546-AB7C-8F6D87914707}" srcOrd="2" destOrd="0" parTransId="{FCE99941-6B99-B645-974B-4F277E50DE0F}" sibTransId="{EA4294AE-B65D-BC4D-80C6-49FB9CC04F98}"/>
     <dgm:cxn modelId="{0E103912-A284-AA4D-89C8-42AB350DF978}" type="presOf" srcId="{5D884CAD-E44F-1A4E-980A-C90C793B1CDA}" destId="{4B46FA44-4895-FA4B-9F6D-709C6A225CE0}" srcOrd="0" destOrd="0" presId="urn:microsoft.com/office/officeart/2005/8/layout/radial6"/>
     <dgm:cxn modelId="{7422F845-E6A5-ED40-B3FD-66798BF5C275}" type="presOf" srcId="{E61537A9-882E-3D48-953C-46D72665484E}" destId="{F15649E9-AE5C-D246-A742-EF79845EE9F1}" srcOrd="0" destOrd="0" presId="urn:microsoft.com/office/officeart/2005/8/layout/radial6"/>
-    <dgm:cxn modelId="{0AC65559-1991-D04B-AB0C-A6F857AC14FD}" type="presOf" srcId="{EA4294AE-B65D-BC4D-80C6-49FB9CC04F98}" destId="{370EBCD1-7178-E04B-A82D-67E8CDF3ECFF}" srcOrd="0" destOrd="0" presId="urn:microsoft.com/office/officeart/2005/8/layout/radial6"/>
+    <dgm:cxn modelId="{E20E3775-0106-3D42-8282-5F13B4734BE8}" type="presOf" srcId="{04BC135A-30FE-EB42-991C-FAFD37800012}" destId="{F85EB43D-32CD-1549-8DDE-568D4E6EEDBE}" srcOrd="0" destOrd="0" presId="urn:microsoft.com/office/officeart/2005/8/layout/radial6"/>
     <dgm:cxn modelId="{49A3BDFF-29E5-1B42-8517-8E14D62B2064}" type="presOf" srcId="{CD6832D4-81E9-6049-AFCF-E23D65B2898D}" destId="{C8304662-9BEE-B847-A32F-3CE671738DD7}" srcOrd="0" destOrd="0" presId="urn:microsoft.com/office/officeart/2005/8/layout/radial6"/>
-    <dgm:cxn modelId="{0EC61FF0-1BFE-EA49-8F88-AF2F1CE84157}" type="presOf" srcId="{16CD9836-A95E-E546-AB7C-8F6D87914707}" destId="{F41DAA0C-49A0-4A4F-925F-44567BD66B6E}" srcOrd="0" destOrd="0" presId="urn:microsoft.com/office/officeart/2005/8/layout/radial6"/>
+    <dgm:cxn modelId="{EDC0A967-FA2D-2A47-9964-2572DFB485B5}" srcId="{5D884CAD-E44F-1A4E-980A-C90C793B1CDA}" destId="{348EEE4D-FD12-3E49-AD42-E7FABC4954C4}" srcOrd="0" destOrd="0" parTransId="{DDED78CD-AD4E-824F-AB80-0ADA562F97CE}" sibTransId="{C2C56650-12E1-6D45-8340-C0DE1BAFA940}"/>
     <dgm:cxn modelId="{B8317631-02B1-0C49-BEC9-58B05B33976E}" type="presOf" srcId="{C218C2C2-E29D-C84E-AA9C-725B4F937BA2}" destId="{4B3CCC32-050A-D64F-B0B0-95EED46384AE}" srcOrd="0" destOrd="0" presId="urn:microsoft.com/office/officeart/2005/8/layout/radial6"/>
+    <dgm:cxn modelId="{3B16C860-E5D3-7A40-AC35-CA5D9FB5DD6C}" type="presOf" srcId="{34750AEB-1DC9-8A4C-841B-AC1C77BD9B2B}" destId="{76018291-0DB4-F94F-9811-398ECCC7EEDA}" srcOrd="0" destOrd="0" presId="urn:microsoft.com/office/officeart/2005/8/layout/radial6"/>
     <dgm:cxn modelId="{4FD44CBC-83E3-7343-9C59-8A91644C39FB}" type="presParOf" srcId="{4B46FA44-4895-FA4B-9F6D-709C6A225CE0}" destId="{03265C64-78E9-994B-91CB-FF96DC13CC36}" srcOrd="0" destOrd="0" presId="urn:microsoft.com/office/officeart/2005/8/layout/radial6"/>
     <dgm:cxn modelId="{00998D02-4A3A-344A-AF35-28B45BE8404B}" type="presParOf" srcId="{4B46FA44-4895-FA4B-9F6D-709C6A225CE0}" destId="{F85EB43D-32CD-1549-8DDE-568D4E6EEDBE}" srcOrd="1" destOrd="0" presId="urn:microsoft.com/office/officeart/2005/8/layout/radial6"/>
     <dgm:cxn modelId="{72BF8E6C-28FD-DD41-8079-524603A48F34}" type="presParOf" srcId="{4B46FA44-4895-FA4B-9F6D-709C6A225CE0}" destId="{E7F4BBDA-F2CE-9441-BCF7-BBD3D7D2B207}" srcOrd="2" destOrd="0" presId="urn:microsoft.com/office/officeart/2005/8/layout/radial6"/>
@@ -12279,18 +12280,21 @@
             </a:r>
             <a:r>
               <a:rPr lang="en-US" sz="1800" dirty="0" smtClean="0"/>
-              <a:t>nsemble)</a:t>
+              <a:t>nsemble</a:t>
             </a:r>
-            <a:endParaRPr lang="en-US" sz="2400" b="1" dirty="0" smtClean="0"/>
+            <a:r>
+              <a:rPr lang="en-US" sz="1800" dirty="0" smtClean="0"/>
+              <a:t>)</a:t>
+            </a:r>
           </a:p>
           <a:p>
             <a:r>
-              <a:rPr lang="en-US" sz="2400" b="1" dirty="0" smtClean="0"/>
-              <a:t>     </a:t>
+              <a:rPr lang="en-US" sz="3300" b="1" dirty="0" smtClean="0"/>
+              <a:t>Technology </a:t>
             </a:r>
             <a:r>
               <a:rPr lang="en-US" sz="3300" b="1" dirty="0" smtClean="0"/>
-              <a:t>Technology Review</a:t>
+              <a:t>Review</a:t>
             </a:r>
             <a:r>
               <a:rPr lang="en-US" sz="2800" b="1" dirty="0" smtClean="0"/>
@@ -12467,6 +12471,52 @@
           </a:p>
         </p:txBody>
       </p:sp>
+      <p:sp>
+        <p:nvSpPr>
+          <p:cNvPr id="3" name="TextBox 2"/>
+          <p:cNvSpPr txBox="1"/>
+          <p:nvPr/>
+        </p:nvSpPr>
+        <p:spPr>
+          <a:xfrm>
+            <a:off x="3168920" y="3855852"/>
+            <a:ext cx="4679679" cy="369332"/>
+          </a:xfrm>
+          <a:prstGeom prst="rect">
+            <a:avLst/>
+          </a:prstGeom>
+          <a:noFill/>
+        </p:spPr>
+        <p:txBody>
+          <a:bodyPr wrap="none" rtlCol="0">
+            <a:spAutoFit/>
+          </a:bodyPr>
+          <a:lstStyle/>
+          <a:p>
+            <a:r>
+              <a:rPr lang="en-US" b="1" dirty="0" err="1" smtClean="0">
+                <a:latin typeface="Open Sans" charset="0"/>
+                <a:ea typeface="Open Sans" charset="0"/>
+                <a:cs typeface="Open Sans" charset="0"/>
+              </a:rPr>
+              <a:t>github.com</a:t>
+            </a:r>
+            <a:r>
+              <a:rPr lang="en-US" b="1" dirty="0" smtClean="0">
+                <a:latin typeface="Open Sans" charset="0"/>
+                <a:ea typeface="Open Sans" charset="0"/>
+                <a:cs typeface="Open Sans" charset="0"/>
+              </a:rPr>
+              <a:t>/danielfather7/EASE-Project</a:t>
+            </a:r>
+            <a:endParaRPr lang="en-US" sz="2400" b="1" dirty="0">
+              <a:latin typeface="Open Sans" charset="0"/>
+              <a:ea typeface="Open Sans" charset="0"/>
+              <a:cs typeface="Open Sans" charset="0"/>
+            </a:endParaRPr>
+          </a:p>
+        </p:txBody>
+      </p:sp>
     </p:spTree>
     <p:extLst>
       <p:ext uri="{BB962C8B-B14F-4D97-AF65-F5344CB8AC3E}">
@@ -12488,6 +12538,183 @@
 </file>
 
 <file path=ppt/slides/slide10.xml><?xml version="1.0" encoding="utf-8"?>
+<p:sld xmlns:a="http://schemas.openxmlformats.org/drawingml/2006/main" xmlns:r="http://schemas.openxmlformats.org/officeDocument/2006/relationships" xmlns:p="http://schemas.openxmlformats.org/presentationml/2006/main">
+  <p:cSld>
+    <p:spTree>
+      <p:nvGrpSpPr>
+        <p:cNvPr id="1" name=""/>
+        <p:cNvGrpSpPr/>
+        <p:nvPr/>
+      </p:nvGrpSpPr>
+      <p:grpSpPr>
+        <a:xfrm>
+          <a:off x="0" y="0"/>
+          <a:ext cx="0" cy="0"/>
+          <a:chOff x="0" y="0"/>
+          <a:chExt cx="0" cy="0"/>
+        </a:xfrm>
+      </p:grpSpPr>
+      <p:sp>
+        <p:nvSpPr>
+          <p:cNvPr id="2" name="Text Placeholder 1"/>
+          <p:cNvSpPr>
+            <a:spLocks noGrp="1"/>
+          </p:cNvSpPr>
+          <p:nvPr>
+            <p:ph type="body" sz="quarter" idx="10"/>
+          </p:nvPr>
+        </p:nvSpPr>
+        <p:spPr/>
+        <p:txBody>
+          <a:bodyPr/>
+          <a:lstStyle/>
+          <a:p>
+            <a:r>
+              <a:rPr lang="en-US" b="1" dirty="0" smtClean="0">
+                <a:latin typeface="Encode Sans Normal Black" charset="0"/>
+                <a:ea typeface="Encode Sans Normal Black" charset="0"/>
+                <a:cs typeface="Encode Sans Normal Black" charset="0"/>
+              </a:rPr>
+              <a:t>Drawbacks (</a:t>
+            </a:r>
+            <a:r>
+              <a:rPr lang="en-US" b="1" dirty="0" err="1" smtClean="0">
+                <a:latin typeface="Encode Sans Normal Black" charset="0"/>
+                <a:ea typeface="Encode Sans Normal Black" charset="0"/>
+                <a:cs typeface="Encode Sans Normal Black" charset="0"/>
+              </a:rPr>
+              <a:t>RandomForests</a:t>
+            </a:r>
+            <a:r>
+              <a:rPr lang="en-US" b="1" dirty="0" smtClean="0">
+                <a:latin typeface="Encode Sans Normal Black" charset="0"/>
+                <a:ea typeface="Encode Sans Normal Black" charset="0"/>
+                <a:cs typeface="Encode Sans Normal Black" charset="0"/>
+              </a:rPr>
+              <a:t>)</a:t>
+            </a:r>
+            <a:endParaRPr lang="en-US" b="1" dirty="0">
+              <a:latin typeface="Encode Sans Normal Black" charset="0"/>
+              <a:ea typeface="Encode Sans Normal Black" charset="0"/>
+              <a:cs typeface="Encode Sans Normal Black" charset="0"/>
+            </a:endParaRPr>
+          </a:p>
+        </p:txBody>
+      </p:sp>
+      <p:sp>
+        <p:nvSpPr>
+          <p:cNvPr id="3" name="Text Placeholder 2"/>
+          <p:cNvSpPr>
+            <a:spLocks noGrp="1"/>
+          </p:cNvSpPr>
+          <p:nvPr>
+            <p:ph type="body" sz="quarter" idx="11"/>
+          </p:nvPr>
+        </p:nvSpPr>
+        <p:spPr/>
+        <p:txBody>
+          <a:bodyPr>
+            <a:normAutofit fontScale="92500" lnSpcReduction="20000"/>
+          </a:bodyPr>
+          <a:lstStyle/>
+          <a:p>
+            <a:r>
+              <a:rPr lang="en-US" b="0" dirty="0">
+                <a:latin typeface="Open Sans" charset="0"/>
+                <a:ea typeface="Open Sans" charset="0"/>
+                <a:cs typeface="Open Sans" charset="0"/>
+              </a:rPr>
+              <a:t>Fast to train data, but slow to predict</a:t>
+            </a:r>
+          </a:p>
+          <a:p>
+            <a:pPr marL="0" indent="0">
+              <a:buNone/>
+            </a:pPr>
+            <a:endParaRPr lang="en-US" b="0" dirty="0">
+              <a:latin typeface="Open Sans" charset="0"/>
+              <a:ea typeface="Open Sans" charset="0"/>
+              <a:cs typeface="Open Sans" charset="0"/>
+            </a:endParaRPr>
+          </a:p>
+          <a:p>
+            <a:r>
+              <a:rPr lang="en-US" b="0" dirty="0">
+                <a:latin typeface="Open Sans" charset="0"/>
+                <a:ea typeface="Open Sans" charset="0"/>
+                <a:cs typeface="Open Sans" charset="0"/>
+              </a:rPr>
+              <a:t>More trees are required to generate a higher accuracy, which provides poor run-time performance. It becomes an issue when faster algorithm is preferred</a:t>
+            </a:r>
+          </a:p>
+          <a:p>
+            <a:pPr marL="0" indent="0">
+              <a:buNone/>
+            </a:pPr>
+            <a:endParaRPr lang="en-US" b="0" dirty="0">
+              <a:latin typeface="Open Sans" charset="0"/>
+              <a:ea typeface="Open Sans" charset="0"/>
+              <a:cs typeface="Open Sans" charset="0"/>
+            </a:endParaRPr>
+          </a:p>
+          <a:p>
+            <a:r>
+              <a:rPr lang="en-US" b="0" dirty="0">
+                <a:latin typeface="Open Sans" charset="0"/>
+                <a:ea typeface="Open Sans" charset="0"/>
+                <a:cs typeface="Open Sans" charset="0"/>
+              </a:rPr>
+              <a:t>A predictive modelling tool instead of a descriptive tool – hard to interpret the information extracted from the trained forest</a:t>
+            </a:r>
+          </a:p>
+          <a:p>
+            <a:pPr marL="0" indent="0">
+              <a:buNone/>
+            </a:pPr>
+            <a:endParaRPr lang="en-US" b="0" dirty="0">
+              <a:latin typeface="Open Sans" charset="0"/>
+              <a:ea typeface="Open Sans" charset="0"/>
+              <a:cs typeface="Open Sans" charset="0"/>
+            </a:endParaRPr>
+          </a:p>
+          <a:p>
+            <a:r>
+              <a:rPr lang="en-US" b="0" dirty="0">
+                <a:latin typeface="Open Sans" charset="0"/>
+                <a:ea typeface="Open Sans" charset="0"/>
+                <a:cs typeface="Open Sans" charset="0"/>
+              </a:rPr>
+              <a:t>The situation of overfitting when you have large number of categorical variables with different levels - Larger the tree, more overfitting for training data</a:t>
+            </a:r>
+            <a:endParaRPr lang="en-US" b="0" baseline="-25000" dirty="0">
+              <a:latin typeface="Open Sans" charset="0"/>
+              <a:ea typeface="Open Sans" charset="0"/>
+              <a:cs typeface="Open Sans" charset="0"/>
+            </a:endParaRPr>
+          </a:p>
+        </p:txBody>
+      </p:sp>
+    </p:spTree>
+    <p:extLst>
+      <p:ext uri="{BB962C8B-B14F-4D97-AF65-F5344CB8AC3E}">
+        <p14:creationId xmlns:p14="http://schemas.microsoft.com/office/powerpoint/2010/main" val="1557201329"/>
+      </p:ext>
+    </p:extLst>
+  </p:cSld>
+  <p:clrMapOvr>
+    <a:masterClrMapping/>
+  </p:clrMapOvr>
+  <p:timing>
+    <p:tnLst>
+      <p:par>
+        <p:cTn id="1" dur="indefinite" restart="never" nodeType="tmRoot"/>
+      </p:par>
+    </p:tnLst>
+  </p:timing>
+</p:sld>
+</file>
+
+<file path=ppt/slides/slide11.xml><?xml version="1.0" encoding="utf-8"?>
 <p:sld xmlns:a="http://schemas.openxmlformats.org/drawingml/2006/main" xmlns:r="http://schemas.openxmlformats.org/officeDocument/2006/relationships" xmlns:p="http://schemas.openxmlformats.org/presentationml/2006/main" show="0">
   <p:cSld>
     <p:spTree>
@@ -14813,7 +15040,7 @@
 </p:sld>
 </file>
 
-<file path=ppt/slides/slide11.xml><?xml version="1.0" encoding="utf-8"?>
+<file path=ppt/slides/slide12.xml><?xml version="1.0" encoding="utf-8"?>
 <p:sld xmlns:a="http://schemas.openxmlformats.org/drawingml/2006/main" xmlns:r="http://schemas.openxmlformats.org/officeDocument/2006/relationships" xmlns:p="http://schemas.openxmlformats.org/presentationml/2006/main" show="0">
   <p:cSld>
     <p:spTree>
@@ -18465,6 +18692,81 @@
           <a:chExt cx="0" cy="0"/>
         </a:xfrm>
       </p:grpSpPr>
+      <p:pic>
+        <p:nvPicPr>
+          <p:cNvPr id="3" name="Picture 2"/>
+          <p:cNvPicPr>
+            <a:picLocks noChangeAspect="1"/>
+          </p:cNvPicPr>
+          <p:nvPr/>
+        </p:nvPicPr>
+        <p:blipFill>
+          <a:blip r:embed="rId2">
+            <a:extLst>
+              <a:ext uri="{28A0092B-C50C-407E-A947-70E740481C1C}">
+                <a14:useLocalDpi xmlns:a14="http://schemas.microsoft.com/office/drawing/2010/main" val="0"/>
+              </a:ext>
+            </a:extLst>
+          </a:blip>
+          <a:stretch>
+            <a:fillRect/>
+          </a:stretch>
+        </p:blipFill>
+        <p:spPr>
+          <a:xfrm>
+            <a:off x="0" y="0"/>
+            <a:ext cx="9144000" cy="6838897"/>
+          </a:xfrm>
+          <a:prstGeom prst="rect">
+            <a:avLst/>
+          </a:prstGeom>
+        </p:spPr>
+      </p:pic>
+    </p:spTree>
+    <p:extLst>
+      <p:ext uri="{BB962C8B-B14F-4D97-AF65-F5344CB8AC3E}">
+        <p14:creationId xmlns:p14="http://schemas.microsoft.com/office/powerpoint/2010/main" val="1510879589"/>
+      </p:ext>
+    </p:extLst>
+  </p:cSld>
+  <p:clrMapOvr>
+    <a:masterClrMapping/>
+  </p:clrMapOvr>
+  <mc:AlternateContent xmlns:mc="http://schemas.openxmlformats.org/markup-compatibility/2006">
+    <mc:Choice xmlns:p14="http://schemas.microsoft.com/office/powerpoint/2010/main" Requires="p14">
+      <p:transition spd="slow" p14:dur="2000"/>
+    </mc:Choice>
+    <mc:Fallback>
+      <p:transition spd="slow"/>
+    </mc:Fallback>
+  </mc:AlternateContent>
+  <p:timing>
+    <p:tnLst>
+      <p:par>
+        <p:cTn id="1" dur="indefinite" restart="never" nodeType="tmRoot"/>
+      </p:par>
+    </p:tnLst>
+  </p:timing>
+</p:sld>
+</file>
+
+<file path=ppt/slides/slide3.xml><?xml version="1.0" encoding="utf-8"?>
+<p:sld xmlns:a="http://schemas.openxmlformats.org/drawingml/2006/main" xmlns:r="http://schemas.openxmlformats.org/officeDocument/2006/relationships" xmlns:p="http://schemas.openxmlformats.org/presentationml/2006/main">
+  <p:cSld>
+    <p:spTree>
+      <p:nvGrpSpPr>
+        <p:cNvPr id="1" name=""/>
+        <p:cNvGrpSpPr/>
+        <p:nvPr/>
+      </p:nvGrpSpPr>
+      <p:grpSpPr>
+        <a:xfrm>
+          <a:off x="0" y="0"/>
+          <a:ext cx="0" cy="0"/>
+          <a:chOff x="0" y="0"/>
+          <a:chExt cx="0" cy="0"/>
+        </a:xfrm>
+      </p:grpSpPr>
       <p:sp>
         <p:nvSpPr>
           <p:cNvPr id="9" name="Text Placeholder 2"/>
@@ -18807,7 +19109,7 @@
 </p:sld>
 </file>
 
-<file path=ppt/slides/slide3.xml><?xml version="1.0" encoding="utf-8"?>
+<file path=ppt/slides/slide4.xml><?xml version="1.0" encoding="utf-8"?>
 <p:sld xmlns:a="http://schemas.openxmlformats.org/drawingml/2006/main" xmlns:r="http://schemas.openxmlformats.org/officeDocument/2006/relationships" xmlns:p="http://schemas.openxmlformats.org/presentationml/2006/main">
   <p:cSld>
     <p:spTree>
@@ -19999,7 +20301,7 @@
 </p:sld>
 </file>
 
-<file path=ppt/slides/slide4.xml><?xml version="1.0" encoding="utf-8"?>
+<file path=ppt/slides/slide5.xml><?xml version="1.0" encoding="utf-8"?>
 <p:sld xmlns:a="http://schemas.openxmlformats.org/drawingml/2006/main" xmlns:r="http://schemas.openxmlformats.org/officeDocument/2006/relationships" xmlns:p="http://schemas.openxmlformats.org/presentationml/2006/main">
   <p:cSld>
     <p:spTree>
@@ -20408,7 +20710,7 @@
 </p:sld>
 </file>
 
-<file path=ppt/slides/slide5.xml><?xml version="1.0" encoding="utf-8"?>
+<file path=ppt/slides/slide6.xml><?xml version="1.0" encoding="utf-8"?>
 <p:sld xmlns:a="http://schemas.openxmlformats.org/drawingml/2006/main" xmlns:r="http://schemas.openxmlformats.org/officeDocument/2006/relationships" xmlns:p="http://schemas.openxmlformats.org/presentationml/2006/main">
   <p:cSld>
     <p:spTree>
@@ -20533,7 +20835,7 @@
 </p:sld>
 </file>
 
-<file path=ppt/slides/slide6.xml><?xml version="1.0" encoding="utf-8"?>
+<file path=ppt/slides/slide7.xml><?xml version="1.0" encoding="utf-8"?>
 <p:sld xmlns:a="http://schemas.openxmlformats.org/drawingml/2006/main" xmlns:r="http://schemas.openxmlformats.org/officeDocument/2006/relationships" xmlns:p="http://schemas.openxmlformats.org/presentationml/2006/main">
   <p:cSld>
     <p:spTree>
@@ -20594,11 +20896,7 @@
             </a:r>
             <a:r>
               <a:rPr lang="en-US" sz="2000" b="0" dirty="0" smtClean="0"/>
-              <a:t> consists of an ensemble of classification decision trees, and outputting the mode of the classes of the individual </a:t>
-            </a:r>
-            <a:r>
-              <a:rPr lang="en-US" sz="2000" b="0" dirty="0" smtClean="0"/>
-              <a:t>trees.</a:t>
+              <a:t> consists of an ensemble of classification decision trees, and outputting the mode of the classes of the individual trees.</a:t>
             </a:r>
           </a:p>
           <a:p>
@@ -20607,7 +20905,6 @@
               <a:rPr lang="en-US" sz="1800" b="0" dirty="0" smtClean="0"/>
               <a:t>Corrects Decision Tree’s overfitting and inaccuracy by voting.</a:t>
             </a:r>
-            <a:endParaRPr lang="en-US" sz="1800" b="0" dirty="0" smtClean="0"/>
           </a:p>
         </p:txBody>
       </p:sp>
@@ -20661,7 +20958,7 @@
 </p:sld>
 </file>
 
-<file path=ppt/slides/slide7.xml><?xml version="1.0" encoding="utf-8"?>
+<file path=ppt/slides/slide8.xml><?xml version="1.0" encoding="utf-8"?>
 <p:sld xmlns:a="http://schemas.openxmlformats.org/drawingml/2006/main" xmlns:r="http://schemas.openxmlformats.org/officeDocument/2006/relationships" xmlns:p="http://schemas.openxmlformats.org/presentationml/2006/main">
   <p:cSld>
     <p:spTree>
@@ -20814,7 +21111,7 @@
 </p:sld>
 </file>
 
-<file path=ppt/slides/slide8.xml><?xml version="1.0" encoding="utf-8"?>
+<file path=ppt/slides/slide9.xml><?xml version="1.0" encoding="utf-8"?>
 <p:sld xmlns:a="http://schemas.openxmlformats.org/drawingml/2006/main" xmlns:r="http://schemas.openxmlformats.org/officeDocument/2006/relationships" xmlns:p="http://schemas.openxmlformats.org/presentationml/2006/main">
   <p:cSld>
     <p:spTree>
@@ -21045,183 +21342,6 @@
     <p:extLst>
       <p:ext uri="{BB962C8B-B14F-4D97-AF65-F5344CB8AC3E}">
         <p14:creationId xmlns:p14="http://schemas.microsoft.com/office/powerpoint/2010/main" val="635136612"/>
-      </p:ext>
-    </p:extLst>
-  </p:cSld>
-  <p:clrMapOvr>
-    <a:masterClrMapping/>
-  </p:clrMapOvr>
-  <p:timing>
-    <p:tnLst>
-      <p:par>
-        <p:cTn id="1" dur="indefinite" restart="never" nodeType="tmRoot"/>
-      </p:par>
-    </p:tnLst>
-  </p:timing>
-</p:sld>
-</file>
-
-<file path=ppt/slides/slide9.xml><?xml version="1.0" encoding="utf-8"?>
-<p:sld xmlns:a="http://schemas.openxmlformats.org/drawingml/2006/main" xmlns:r="http://schemas.openxmlformats.org/officeDocument/2006/relationships" xmlns:p="http://schemas.openxmlformats.org/presentationml/2006/main">
-  <p:cSld>
-    <p:spTree>
-      <p:nvGrpSpPr>
-        <p:cNvPr id="1" name=""/>
-        <p:cNvGrpSpPr/>
-        <p:nvPr/>
-      </p:nvGrpSpPr>
-      <p:grpSpPr>
-        <a:xfrm>
-          <a:off x="0" y="0"/>
-          <a:ext cx="0" cy="0"/>
-          <a:chOff x="0" y="0"/>
-          <a:chExt cx="0" cy="0"/>
-        </a:xfrm>
-      </p:grpSpPr>
-      <p:sp>
-        <p:nvSpPr>
-          <p:cNvPr id="2" name="Text Placeholder 1"/>
-          <p:cNvSpPr>
-            <a:spLocks noGrp="1"/>
-          </p:cNvSpPr>
-          <p:nvPr>
-            <p:ph type="body" sz="quarter" idx="10"/>
-          </p:nvPr>
-        </p:nvSpPr>
-        <p:spPr/>
-        <p:txBody>
-          <a:bodyPr/>
-          <a:lstStyle/>
-          <a:p>
-            <a:r>
-              <a:rPr lang="en-US" b="1" dirty="0" smtClean="0">
-                <a:latin typeface="Encode Sans Normal Black" charset="0"/>
-                <a:ea typeface="Encode Sans Normal Black" charset="0"/>
-                <a:cs typeface="Encode Sans Normal Black" charset="0"/>
-              </a:rPr>
-              <a:t>Drawbacks (</a:t>
-            </a:r>
-            <a:r>
-              <a:rPr lang="en-US" b="1" dirty="0" err="1" smtClean="0">
-                <a:latin typeface="Encode Sans Normal Black" charset="0"/>
-                <a:ea typeface="Encode Sans Normal Black" charset="0"/>
-                <a:cs typeface="Encode Sans Normal Black" charset="0"/>
-              </a:rPr>
-              <a:t>RandomForests</a:t>
-            </a:r>
-            <a:r>
-              <a:rPr lang="en-US" b="1" dirty="0" smtClean="0">
-                <a:latin typeface="Encode Sans Normal Black" charset="0"/>
-                <a:ea typeface="Encode Sans Normal Black" charset="0"/>
-                <a:cs typeface="Encode Sans Normal Black" charset="0"/>
-              </a:rPr>
-              <a:t>)</a:t>
-            </a:r>
-            <a:endParaRPr lang="en-US" b="1" dirty="0">
-              <a:latin typeface="Encode Sans Normal Black" charset="0"/>
-              <a:ea typeface="Encode Sans Normal Black" charset="0"/>
-              <a:cs typeface="Encode Sans Normal Black" charset="0"/>
-            </a:endParaRPr>
-          </a:p>
-        </p:txBody>
-      </p:sp>
-      <p:sp>
-        <p:nvSpPr>
-          <p:cNvPr id="3" name="Text Placeholder 2"/>
-          <p:cNvSpPr>
-            <a:spLocks noGrp="1"/>
-          </p:cNvSpPr>
-          <p:nvPr>
-            <p:ph type="body" sz="quarter" idx="11"/>
-          </p:nvPr>
-        </p:nvSpPr>
-        <p:spPr/>
-        <p:txBody>
-          <a:bodyPr>
-            <a:normAutofit fontScale="92500" lnSpcReduction="20000"/>
-          </a:bodyPr>
-          <a:lstStyle/>
-          <a:p>
-            <a:r>
-              <a:rPr lang="en-US" b="0" dirty="0">
-                <a:latin typeface="Open Sans" charset="0"/>
-                <a:ea typeface="Open Sans" charset="0"/>
-                <a:cs typeface="Open Sans" charset="0"/>
-              </a:rPr>
-              <a:t>Fast to train data, but slow to predict</a:t>
-            </a:r>
-          </a:p>
-          <a:p>
-            <a:pPr marL="0" indent="0">
-              <a:buNone/>
-            </a:pPr>
-            <a:endParaRPr lang="en-US" b="0" dirty="0">
-              <a:latin typeface="Open Sans" charset="0"/>
-              <a:ea typeface="Open Sans" charset="0"/>
-              <a:cs typeface="Open Sans" charset="0"/>
-            </a:endParaRPr>
-          </a:p>
-          <a:p>
-            <a:r>
-              <a:rPr lang="en-US" b="0" dirty="0">
-                <a:latin typeface="Open Sans" charset="0"/>
-                <a:ea typeface="Open Sans" charset="0"/>
-                <a:cs typeface="Open Sans" charset="0"/>
-              </a:rPr>
-              <a:t>More trees are required to generate a higher accuracy, which provides poor run-time performance. It becomes an issue when faster algorithm is preferred</a:t>
-            </a:r>
-          </a:p>
-          <a:p>
-            <a:pPr marL="0" indent="0">
-              <a:buNone/>
-            </a:pPr>
-            <a:endParaRPr lang="en-US" b="0" dirty="0">
-              <a:latin typeface="Open Sans" charset="0"/>
-              <a:ea typeface="Open Sans" charset="0"/>
-              <a:cs typeface="Open Sans" charset="0"/>
-            </a:endParaRPr>
-          </a:p>
-          <a:p>
-            <a:r>
-              <a:rPr lang="en-US" b="0" dirty="0">
-                <a:latin typeface="Open Sans" charset="0"/>
-                <a:ea typeface="Open Sans" charset="0"/>
-                <a:cs typeface="Open Sans" charset="0"/>
-              </a:rPr>
-              <a:t>A predictive modelling tool instead of a descriptive tool – hard to interpret the information extracted from the trained forest</a:t>
-            </a:r>
-          </a:p>
-          <a:p>
-            <a:pPr marL="0" indent="0">
-              <a:buNone/>
-            </a:pPr>
-            <a:endParaRPr lang="en-US" b="0" dirty="0">
-              <a:latin typeface="Open Sans" charset="0"/>
-              <a:ea typeface="Open Sans" charset="0"/>
-              <a:cs typeface="Open Sans" charset="0"/>
-            </a:endParaRPr>
-          </a:p>
-          <a:p>
-            <a:r>
-              <a:rPr lang="en-US" b="0" dirty="0">
-                <a:latin typeface="Open Sans" charset="0"/>
-                <a:ea typeface="Open Sans" charset="0"/>
-                <a:cs typeface="Open Sans" charset="0"/>
-              </a:rPr>
-              <a:t>The situation of overfitting when you have large number of categorical variables with different levels - Larger the tree, more overfitting for training data</a:t>
-            </a:r>
-            <a:endParaRPr lang="en-US" b="0" baseline="-25000" dirty="0">
-              <a:latin typeface="Open Sans" charset="0"/>
-              <a:ea typeface="Open Sans" charset="0"/>
-              <a:cs typeface="Open Sans" charset="0"/>
-            </a:endParaRPr>
-          </a:p>
-        </p:txBody>
-      </p:sp>
-    </p:spTree>
-    <p:extLst>
-      <p:ext uri="{BB962C8B-B14F-4D97-AF65-F5344CB8AC3E}">
-        <p14:creationId xmlns:p14="http://schemas.microsoft.com/office/powerpoint/2010/main" val="1557201329"/>
       </p:ext>
     </p:extLst>
   </p:cSld>
